--- a/ppt/WY added.pptx
+++ b/ppt/WY added.pptx
@@ -5,7 +5,7 @@
     <p:sldMasterId id="2147483648" r:id="rId1"/>
   </p:sldMasterIdLst>
   <p:notesMasterIdLst>
-    <p:notesMasterId r:id="rId13"/>
+    <p:notesMasterId r:id="rId36"/>
   </p:notesMasterIdLst>
   <p:sldIdLst>
     <p:sldId id="256" r:id="rId2"/>
@@ -16,9 +16,32 @@
     <p:sldId id="325" r:id="rId7"/>
     <p:sldId id="324" r:id="rId8"/>
     <p:sldId id="326" r:id="rId9"/>
-    <p:sldId id="319" r:id="rId10"/>
-    <p:sldId id="320" r:id="rId11"/>
-    <p:sldId id="321" r:id="rId12"/>
+    <p:sldId id="348" r:id="rId10"/>
+    <p:sldId id="327" r:id="rId11"/>
+    <p:sldId id="328" r:id="rId12"/>
+    <p:sldId id="329" r:id="rId13"/>
+    <p:sldId id="330" r:id="rId14"/>
+    <p:sldId id="331" r:id="rId15"/>
+    <p:sldId id="332" r:id="rId16"/>
+    <p:sldId id="333" r:id="rId17"/>
+    <p:sldId id="334" r:id="rId18"/>
+    <p:sldId id="335" r:id="rId19"/>
+    <p:sldId id="336" r:id="rId20"/>
+    <p:sldId id="338" r:id="rId21"/>
+    <p:sldId id="337" r:id="rId22"/>
+    <p:sldId id="339" r:id="rId23"/>
+    <p:sldId id="341" r:id="rId24"/>
+    <p:sldId id="343" r:id="rId25"/>
+    <p:sldId id="340" r:id="rId26"/>
+    <p:sldId id="319" r:id="rId27"/>
+    <p:sldId id="347" r:id="rId28"/>
+    <p:sldId id="320" r:id="rId29"/>
+    <p:sldId id="349" r:id="rId30"/>
+    <p:sldId id="321" r:id="rId31"/>
+    <p:sldId id="342" r:id="rId32"/>
+    <p:sldId id="344" r:id="rId33"/>
+    <p:sldId id="345" r:id="rId34"/>
+    <p:sldId id="346" r:id="rId35"/>
   </p:sldIdLst>
   <p:sldSz cx="12192000" cy="6858000"/>
   <p:notesSz cx="6858000" cy="9144000"/>
@@ -123,6 +146,246 @@
     </p:ext>
   </p:extLst>
 </p:presentation>
+</file>
+
+<file path=ppt/ink/ink1.xml><?xml version="1.0" encoding="utf-8"?>
+<inkml:ink xmlns:inkml="http://www.w3.org/2003/InkML">
+  <inkml:definitions>
+    <inkml:context xml:id="ctx0">
+      <inkml:inkSource xml:id="inkSrc0">
+        <inkml:traceFormat>
+          <inkml:channel name="X" type="integer" min="-2.14748E9" max="2.14748E9" units="cm"/>
+          <inkml:channel name="Y" type="integer" min="-2.14748E9" max="2.14748E9" units="cm"/>
+          <inkml:channel name="F" type="integer" max="32767" units="dev"/>
+        </inkml:traceFormat>
+        <inkml:channelProperties>
+          <inkml:channelProperty channel="X" name="resolution" value="1000" units="1/cm"/>
+          <inkml:channelProperty channel="Y" name="resolution" value="1000" units="1/cm"/>
+          <inkml:channelProperty channel="F" name="resolution" value="0" units="1/dev"/>
+        </inkml:channelProperties>
+      </inkml:inkSource>
+      <inkml:timestamp xml:id="ts0" timeString="2021-12-28T09:53:39.049"/>
+    </inkml:context>
+    <inkml:brush xml:id="br0">
+      <inkml:brushProperty name="width" value="0.3" units="cm"/>
+      <inkml:brushProperty name="height" value="0.6" units="cm"/>
+      <inkml:brushProperty name="color" value="#FFFC00"/>
+      <inkml:brushProperty name="tip" value="rectangle"/>
+      <inkml:brushProperty name="rasterOp" value="maskPen"/>
+    </inkml:brush>
+  </inkml:definitions>
+  <inkml:trace contextRef="#ctx0" brushRef="#br0">1 2 16383,'62'0'0,"-12"0"0,-9 0 0,-11 0 0,0 0 0,-8 0 0,7 0 0,-15 0 0,6 0 0,-3 0 0,-3 0 0,3 0 0,0 0 0,-5 0 0,8 0 0,-8 0 0,13 0 0,-3 0 0,8 0 0,0 0 0,0 0 0,-7 0 0,5 0 0,-14 0 0,6 0 0,-3 0 0,-4 0 0,8 0 0,-9 0 0,3 0 0,6 0 0,1 0 0,18 0 0,-7 0 0,18 0 0,-19 0 0,9 0 0,-11 0 0,0 0 0,-8 0 0,-2 0 0,-8 0 0,5 0 0,0 0 0,0 5 0,-2-4 0,2 4 0,-5-5 0,11 0 0,-1 0 0,5 0 0,-5 0 0,6 0 0,-13 0 0,5 0 0,-3 0 0,-3 0 0,3 0 0,-1 0 0,1 0 0,-1 0 0,3 0 0,-7 0 0,10 0 0,-9 0 0,5 0 0,-1-6 0,-3 5 0,3-4 0,1 5 0,-5 0 0,3 0 0</inkml:trace>
+</inkml:ink>
+</file>
+
+<file path=ppt/ink/ink2.xml><?xml version="1.0" encoding="utf-8"?>
+<inkml:ink xmlns:inkml="http://www.w3.org/2003/InkML">
+  <inkml:definitions>
+    <inkml:context xml:id="ctx0">
+      <inkml:inkSource xml:id="inkSrc0">
+        <inkml:traceFormat>
+          <inkml:channel name="X" type="integer" min="-2.14748E9" max="2.14748E9" units="cm"/>
+          <inkml:channel name="Y" type="integer" min="-2.14748E9" max="2.14748E9" units="cm"/>
+          <inkml:channel name="F" type="integer" max="32767" units="dev"/>
+        </inkml:traceFormat>
+        <inkml:channelProperties>
+          <inkml:channelProperty channel="X" name="resolution" value="1000" units="1/cm"/>
+          <inkml:channelProperty channel="Y" name="resolution" value="1000" units="1/cm"/>
+          <inkml:channelProperty channel="F" name="resolution" value="0" units="1/dev"/>
+        </inkml:channelProperties>
+      </inkml:inkSource>
+      <inkml:timestamp xml:id="ts0" timeString="2021-12-28T09:53:42.606"/>
+    </inkml:context>
+    <inkml:brush xml:id="br0">
+      <inkml:brushProperty name="width" value="0.3" units="cm"/>
+      <inkml:brushProperty name="height" value="0.6" units="cm"/>
+      <inkml:brushProperty name="color" value="#FFFC00"/>
+      <inkml:brushProperty name="tip" value="rectangle"/>
+      <inkml:brushProperty name="rasterOp" value="maskPen"/>
+    </inkml:brush>
+  </inkml:definitions>
+  <inkml:trace contextRef="#ctx0" brushRef="#br0">1 1 16383,'63'0'0,"-14"0"0,-21 0 0,-6 0 0,8 0 0,-8 0 0,6 0 0,-6 0 0,8 0 0,0 0 0,-7 0 0,-3 0 0,-8 0 0,5 0 0,-3 0 0,3 0 0,-1 0 0,1 0 0,18 0 0,-6 0 0,23 0 0,-9 0 0,24 0 0,-9 0 0,9 0 0,-24 0 0,-2 0 0,-19 0 0,-2 0 0,-8 0 0,5 0 0,0 0 0,1 0 0,-3 0 0,3 0 0,-5 0 0,5 0 0,-1 0 0,-3 0 0,3 0 0,0 0 0,-3 0 0,7 0 0,-9 0 0,7 0 0,-4 0 0,4 0 0</inkml:trace>
+</inkml:ink>
+</file>
+
+<file path=ppt/ink/ink3.xml><?xml version="1.0" encoding="utf-8"?>
+<inkml:ink xmlns:inkml="http://www.w3.org/2003/InkML">
+  <inkml:definitions>
+    <inkml:context xml:id="ctx0">
+      <inkml:inkSource xml:id="inkSrc0">
+        <inkml:traceFormat>
+          <inkml:channel name="X" type="integer" min="-2.14748E9" max="2.14748E9" units="cm"/>
+          <inkml:channel name="Y" type="integer" min="-2.14748E9" max="2.14748E9" units="cm"/>
+          <inkml:channel name="F" type="integer" max="32767" units="dev"/>
+        </inkml:traceFormat>
+        <inkml:channelProperties>
+          <inkml:channelProperty channel="X" name="resolution" value="1000" units="1/cm"/>
+          <inkml:channelProperty channel="Y" name="resolution" value="1000" units="1/cm"/>
+          <inkml:channelProperty channel="F" name="resolution" value="0" units="1/dev"/>
+        </inkml:channelProperties>
+      </inkml:inkSource>
+      <inkml:timestamp xml:id="ts0" timeString="2021-12-28T09:58:16.588"/>
+    </inkml:context>
+    <inkml:brush xml:id="br0">
+      <inkml:brushProperty name="width" value="0.3" units="cm"/>
+      <inkml:brushProperty name="height" value="0.6" units="cm"/>
+      <inkml:brushProperty name="color" value="#FFFC00"/>
+      <inkml:brushProperty name="tip" value="rectangle"/>
+      <inkml:brushProperty name="rasterOp" value="maskPen"/>
+    </inkml:brush>
+  </inkml:definitions>
+  <inkml:trace contextRef="#ctx0" brushRef="#br0">1 78 16383,'64'0'0,"12"0"0,10 0 0,2 0 0,-22 0 0,2 0 0,24 0 0,-25 0 0,0 0 0,21 0 0,11 0 0,-15 0 0,-13 0 0,-5 0 0,-12 0 0,-1 0 0,1 0 0,0 0 0,0 0 0,0 0 0,0 0 0,-11-7 0,8 5 0,-7-12 0,-1 12 0,8-6 0,-18 1 0,8 5 0,-11-4 0,0-1 0,-8 5 0,6-4 0,-1 6 0,5 0 0,3 0 0,-5 0 0,0 0 0,0 0 0,1 0 0,-9 0 0,6 0 0,-6 0 0,0 0 0,-2 0 0,0 0 0,-6 0 0,14 0 0,-14 0 0,13-7 0,-13 5 0,14-4 0,-14 6 0,6 0 0,-2 0 0,-5 0 0,3 0 0</inkml:trace>
+</inkml:ink>
+</file>
+
+<file path=ppt/ink/ink4.xml><?xml version="1.0" encoding="utf-8"?>
+<inkml:ink xmlns:inkml="http://www.w3.org/2003/InkML">
+  <inkml:definitions>
+    <inkml:context xml:id="ctx0">
+      <inkml:inkSource xml:id="inkSrc0">
+        <inkml:traceFormat>
+          <inkml:channel name="X" type="integer" min="-2.14748E9" max="2.14748E9" units="cm"/>
+          <inkml:channel name="Y" type="integer" min="-2.14748E9" max="2.14748E9" units="cm"/>
+          <inkml:channel name="F" type="integer" max="32767" units="dev"/>
+        </inkml:traceFormat>
+        <inkml:channelProperties>
+          <inkml:channelProperty channel="X" name="resolution" value="1000" units="1/cm"/>
+          <inkml:channelProperty channel="Y" name="resolution" value="1000" units="1/cm"/>
+          <inkml:channelProperty channel="F" name="resolution" value="0" units="1/dev"/>
+        </inkml:channelProperties>
+      </inkml:inkSource>
+      <inkml:timestamp xml:id="ts0" timeString="2021-12-28T09:58:20.604"/>
+    </inkml:context>
+    <inkml:brush xml:id="br0">
+      <inkml:brushProperty name="width" value="0.3" units="cm"/>
+      <inkml:brushProperty name="height" value="0.6" units="cm"/>
+      <inkml:brushProperty name="color" value="#FFFC00"/>
+      <inkml:brushProperty name="tip" value="rectangle"/>
+      <inkml:brushProperty name="rasterOp" value="maskPen"/>
+    </inkml:brush>
+  </inkml:definitions>
+  <inkml:trace contextRef="#ctx0" brushRef="#br0">1 1 16383,'93'0'0,"6"0"0,-19 0 0,-26 0 0,1 0 0,43 0 0,-45 0 0,3 0 0,11 0 0,0 0 0,20 0 0,-19 0 0,-2 0 0,13 0 0,-28 0 0,-1 0 0,17 0 0,-10 0 0,10 0 0,-24 0 0,-2 0 0,-11 0 0,0 0 0,-8 0 0,-2 0 0,-7 0 0,3 0 0,1 0 0,0 0 0,-2 0 0,29 0 0,-5 0 0,41 0 0,-23 0 0,24 0 0,-24 0 0,10 0 0,-13 0 0,-1 0 0,-17 0 0,1 0 0,-22 0 0,5 0 0,-3 0 0,-4 0 0,7 0 0,-4 0 0,0 0 0,5 0 0,-8 0 0,12 0 0,-11 0 0,6 0 0,-2 0 0,-5 0 0,5 0 0,-1 0 0,-4 0 0,8 0 0,-6 0 0,1 0 0,4 0 0,-9 0 0,9 0 0,-5 0 0</inkml:trace>
+</inkml:ink>
+</file>
+
+<file path=ppt/ink/ink5.xml><?xml version="1.0" encoding="utf-8"?>
+<inkml:ink xmlns:inkml="http://www.w3.org/2003/InkML">
+  <inkml:definitions>
+    <inkml:context xml:id="ctx0">
+      <inkml:inkSource xml:id="inkSrc0">
+        <inkml:traceFormat>
+          <inkml:channel name="X" type="integer" min="-2.14748E9" max="2.14748E9" units="cm"/>
+          <inkml:channel name="Y" type="integer" min="-2.14748E9" max="2.14748E9" units="cm"/>
+          <inkml:channel name="F" type="integer" max="32767" units="dev"/>
+        </inkml:traceFormat>
+        <inkml:channelProperties>
+          <inkml:channelProperty channel="X" name="resolution" value="1000" units="1/cm"/>
+          <inkml:channelProperty channel="Y" name="resolution" value="1000" units="1/cm"/>
+          <inkml:channelProperty channel="F" name="resolution" value="0" units="1/dev"/>
+        </inkml:channelProperties>
+      </inkml:inkSource>
+      <inkml:timestamp xml:id="ts0" timeString="2021-12-28T09:58:16.588"/>
+    </inkml:context>
+    <inkml:brush xml:id="br0">
+      <inkml:brushProperty name="width" value="0.3" units="cm"/>
+      <inkml:brushProperty name="height" value="0.6" units="cm"/>
+      <inkml:brushProperty name="color" value="#FFFC00"/>
+      <inkml:brushProperty name="tip" value="rectangle"/>
+      <inkml:brushProperty name="rasterOp" value="maskPen"/>
+    </inkml:brush>
+  </inkml:definitions>
+  <inkml:trace contextRef="#ctx0" brushRef="#br0">1 78 16383,'64'0'0,"12"0"0,10 0 0,2 0 0,-22 0 0,2 0 0,24 0 0,-25 0 0,0 0 0,21 0 0,11 0 0,-15 0 0,-13 0 0,-5 0 0,-12 0 0,-1 0 0,1 0 0,0 0 0,0 0 0,0 0 0,0 0 0,-11-7 0,8 5 0,-7-12 0,-1 12 0,8-6 0,-18 1 0,8 5 0,-11-4 0,0-1 0,-8 5 0,6-4 0,-1 6 0,5 0 0,3 0 0,-5 0 0,0 0 0,0 0 0,1 0 0,-9 0 0,6 0 0,-6 0 0,0 0 0,-2 0 0,0 0 0,-6 0 0,14 0 0,-14 0 0,13-7 0,-13 5 0,14-4 0,-14 6 0,6 0 0,-2 0 0,-5 0 0,3 0 0</inkml:trace>
+</inkml:ink>
+</file>
+
+<file path=ppt/ink/ink6.xml><?xml version="1.0" encoding="utf-8"?>
+<inkml:ink xmlns:inkml="http://www.w3.org/2003/InkML">
+  <inkml:definitions>
+    <inkml:context xml:id="ctx0">
+      <inkml:inkSource xml:id="inkSrc0">
+        <inkml:traceFormat>
+          <inkml:channel name="X" type="integer" min="-2.14748E9" max="2.14748E9" units="cm"/>
+          <inkml:channel name="Y" type="integer" min="-2.14748E9" max="2.14748E9" units="cm"/>
+          <inkml:channel name="F" type="integer" max="32767" units="dev"/>
+        </inkml:traceFormat>
+        <inkml:channelProperties>
+          <inkml:channelProperty channel="X" name="resolution" value="1000" units="1/cm"/>
+          <inkml:channelProperty channel="Y" name="resolution" value="1000" units="1/cm"/>
+          <inkml:channelProperty channel="F" name="resolution" value="0" units="1/dev"/>
+        </inkml:channelProperties>
+      </inkml:inkSource>
+      <inkml:timestamp xml:id="ts0" timeString="2021-12-28T09:58:20.604"/>
+    </inkml:context>
+    <inkml:brush xml:id="br0">
+      <inkml:brushProperty name="width" value="0.3" units="cm"/>
+      <inkml:brushProperty name="height" value="0.6" units="cm"/>
+      <inkml:brushProperty name="color" value="#FFFC00"/>
+      <inkml:brushProperty name="tip" value="rectangle"/>
+      <inkml:brushProperty name="rasterOp" value="maskPen"/>
+    </inkml:brush>
+  </inkml:definitions>
+  <inkml:trace contextRef="#ctx0" brushRef="#br0">1 1 16383,'93'0'0,"6"0"0,-19 0 0,-26 0 0,1 0 0,43 0 0,-45 0 0,3 0 0,11 0 0,0 0 0,20 0 0,-19 0 0,-2 0 0,13 0 0,-28 0 0,-1 0 0,17 0 0,-10 0 0,10 0 0,-24 0 0,-2 0 0,-11 0 0,0 0 0,-8 0 0,-2 0 0,-7 0 0,3 0 0,1 0 0,0 0 0,-2 0 0,29 0 0,-5 0 0,41 0 0,-23 0 0,24 0 0,-24 0 0,10 0 0,-13 0 0,-1 0 0,-17 0 0,1 0 0,-22 0 0,5 0 0,-3 0 0,-4 0 0,7 0 0,-4 0 0,0 0 0,5 0 0,-8 0 0,12 0 0,-11 0 0,6 0 0,-2 0 0,-5 0 0,5 0 0,-1 0 0,-4 0 0,8 0 0,-6 0 0,1 0 0,4 0 0,-9 0 0,9 0 0,-5 0 0</inkml:trace>
+</inkml:ink>
+</file>
+
+<file path=ppt/ink/ink7.xml><?xml version="1.0" encoding="utf-8"?>
+<inkml:ink xmlns:inkml="http://www.w3.org/2003/InkML">
+  <inkml:definitions>
+    <inkml:context xml:id="ctx0">
+      <inkml:inkSource xml:id="inkSrc0">
+        <inkml:traceFormat>
+          <inkml:channel name="X" type="integer" min="-2.14748E9" max="2.14748E9" units="cm"/>
+          <inkml:channel name="Y" type="integer" min="-2.14748E9" max="2.14748E9" units="cm"/>
+          <inkml:channel name="F" type="integer" max="32767" units="dev"/>
+        </inkml:traceFormat>
+        <inkml:channelProperties>
+          <inkml:channelProperty channel="X" name="resolution" value="1000" units="1/cm"/>
+          <inkml:channelProperty channel="Y" name="resolution" value="1000" units="1/cm"/>
+          <inkml:channelProperty channel="F" name="resolution" value="0" units="1/dev"/>
+        </inkml:channelProperties>
+      </inkml:inkSource>
+      <inkml:timestamp xml:id="ts0" timeString="2021-12-28T10:45:19.705"/>
+    </inkml:context>
+    <inkml:brush xml:id="br0">
+      <inkml:brushProperty name="width" value="0.3" units="cm"/>
+      <inkml:brushProperty name="height" value="0.6" units="cm"/>
+      <inkml:brushProperty name="color" value="#FFFC00"/>
+      <inkml:brushProperty name="tip" value="rectangle"/>
+      <inkml:brushProperty name="rasterOp" value="maskPen"/>
+    </inkml:brush>
+  </inkml:definitions>
+  <inkml:trace contextRef="#ctx0" brushRef="#br0">2192 49 16383,'-73'-6'0,"3"2"0,3 4 0,-3 0 0,-14 0 0,0 0 0,14 0 0,-11 0 0,24 0 0,-10 0 0,23 0 0,4 0 0,10 0 0,7 0 0,3 0 0,8 0 0,-4 0 0,-1-5 0,0 0 0,-4-1 0,8 1 0,-13 5 0,-7 0 0,0 0 0,-18 0 0,18 0 0,-18 0 0,18 0 0,-7 0 0,10 0 0,8 0 0,2 0 0,8 0 0,-3 0 0,-1 0 0,-8 0 0,-2 0 0,-15-8 0,-2 6 0,-11-6 0,-13 8 0,9 0 0,-9 0 0,13 0 0,1 0 0,18 0 0,-3 0 0,24 0 0,-6 0 0,0 0 0,6 0 0,-13 0 0,6 0 0,-9 0 0,8 0 0,-6 0 0,15 0 0,-7 0 0,8 0 0</inkml:trace>
+</inkml:ink>
+</file>
+
+<file path=ppt/ink/ink8.xml><?xml version="1.0" encoding="utf-8"?>
+<inkml:ink xmlns:inkml="http://www.w3.org/2003/InkML">
+  <inkml:definitions>
+    <inkml:context xml:id="ctx0">
+      <inkml:inkSource xml:id="inkSrc0">
+        <inkml:traceFormat>
+          <inkml:channel name="X" type="integer" min="-2.14748E9" max="2.14748E9" units="cm"/>
+          <inkml:channel name="Y" type="integer" min="-2.14748E9" max="2.14748E9" units="cm"/>
+          <inkml:channel name="F" type="integer" max="32767" units="dev"/>
+        </inkml:traceFormat>
+        <inkml:channelProperties>
+          <inkml:channelProperty channel="X" name="resolution" value="1000" units="1/cm"/>
+          <inkml:channelProperty channel="Y" name="resolution" value="1000" units="1/cm"/>
+          <inkml:channelProperty channel="F" name="resolution" value="0" units="1/dev"/>
+        </inkml:channelProperties>
+      </inkml:inkSource>
+      <inkml:timestamp xml:id="ts0" timeString="2021-12-28T10:45:22.858"/>
+    </inkml:context>
+    <inkml:brush xml:id="br0">
+      <inkml:brushProperty name="width" value="0.3" units="cm"/>
+      <inkml:brushProperty name="height" value="0.6" units="cm"/>
+      <inkml:brushProperty name="color" value="#FFFC00"/>
+      <inkml:brushProperty name="tip" value="rectangle"/>
+      <inkml:brushProperty name="rasterOp" value="maskPen"/>
+    </inkml:brush>
+  </inkml:definitions>
+  <inkml:trace contextRef="#ctx0" brushRef="#br0">2524 118 16383,'-48'0'0,"-7"0"0,11 0 0,-10 0 0,0 0 0,11 0 0,-9 0 0,20 0 0,-20 0 0,20 0 0,-9 0 0,19 0 0,-6 0 0,6 0 0,-1 0 0,-4 0 0,5 0 0,0 0 0,-6 0 0,14 0 0,-14 0 0,14 0 0,-6 0 0,3 0 0,4 0 0,-7-9 0,8 2 0,-2-3 0,-3 0 0,-4 9 0,-17-4 0,6 5 0,-19-8 0,8 6 0,-1-6 0,-7 8 0,7 0 0,1-7 0,-8 5 0,18-5 0,-8 1 0,19 4 0,-6-5 0,6 1 0,0 4 0,-6-5 0,14 7 0,-6 0 0,2-5 0,-3 4 0,1-5 0,0 6 0,8 0 0,-5 0 0,-5 0 0,3 0 0,-9 0 0,13 0 0,-13 0 0,14 0 0,-14 0 0,14 0 0,-14 0 0,6 0 0,1 0 0,-8 0 0,7 0 0,0 0 0,-6 0 0,14 0 0,-14 0 0,14 0 0,-14 0 0,13 0 0,-5 0 0,0 0 0,6 0 0,-6 0 0,-5 0 0,9 0 0,-9 0 0,5 0 0,6 0 0,-15 0 0,15 0 0,-14 0 0,14 0 0,-14 0 0,14 0 0,-14 0 0,14 0 0,-7 0 0,4 0 0,4 0 0,-5 0 0,1 0 0,4 0 0,-3 0 0</inkml:trace>
+</inkml:ink>
 </file>
 
 <file path=ppt/notesMasters/notesMaster1.xml><?xml version="1.0" encoding="utf-8"?>
@@ -573,6 +836,671 @@
     <p:extLst>
       <p:ext uri="{BB962C8B-B14F-4D97-AF65-F5344CB8AC3E}">
         <p14:creationId xmlns:p14="http://schemas.microsoft.com/office/powerpoint/2010/main" val="1347379168"/>
+      </p:ext>
+    </p:extLst>
+  </p:cSld>
+  <p:clrMapOvr>
+    <a:masterClrMapping/>
+  </p:clrMapOvr>
+</p:notes>
+</file>
+
+<file path=ppt/notesSlides/notesSlide2.xml><?xml version="1.0" encoding="utf-8"?>
+<p:notes xmlns:a="http://schemas.openxmlformats.org/drawingml/2006/main" xmlns:r="http://schemas.openxmlformats.org/officeDocument/2006/relationships" xmlns:p="http://schemas.openxmlformats.org/presentationml/2006/main">
+  <p:cSld>
+    <p:spTree>
+      <p:nvGrpSpPr>
+        <p:cNvPr id="1" name=""/>
+        <p:cNvGrpSpPr/>
+        <p:nvPr/>
+      </p:nvGrpSpPr>
+      <p:grpSpPr>
+        <a:xfrm>
+          <a:off x="0" y="0"/>
+          <a:ext cx="0" cy="0"/>
+          <a:chOff x="0" y="0"/>
+          <a:chExt cx="0" cy="0"/>
+        </a:xfrm>
+      </p:grpSpPr>
+      <p:sp>
+        <p:nvSpPr>
+          <p:cNvPr id="2" name="Slide Image Placeholder 1"/>
+          <p:cNvSpPr>
+            <a:spLocks noGrp="1" noRot="1" noChangeAspect="1"/>
+          </p:cNvSpPr>
+          <p:nvPr>
+            <p:ph type="sldImg"/>
+          </p:nvPr>
+        </p:nvSpPr>
+        <p:spPr/>
+      </p:sp>
+      <p:sp>
+        <p:nvSpPr>
+          <p:cNvPr id="3" name="Notes Placeholder 2"/>
+          <p:cNvSpPr>
+            <a:spLocks noGrp="1"/>
+          </p:cNvSpPr>
+          <p:nvPr>
+            <p:ph type="body" idx="1"/>
+          </p:nvPr>
+        </p:nvSpPr>
+        <p:spPr/>
+        <p:txBody>
+          <a:bodyPr/>
+          <a:lstStyle/>
+          <a:p>
+            <a:endParaRPr lang="en-US" dirty="0"/>
+          </a:p>
+        </p:txBody>
+      </p:sp>
+      <p:sp>
+        <p:nvSpPr>
+          <p:cNvPr id="4" name="Slide Number Placeholder 3"/>
+          <p:cNvSpPr>
+            <a:spLocks noGrp="1"/>
+          </p:cNvSpPr>
+          <p:nvPr>
+            <p:ph type="sldNum" sz="quarter" idx="5"/>
+          </p:nvPr>
+        </p:nvSpPr>
+        <p:spPr/>
+        <p:txBody>
+          <a:bodyPr/>
+          <a:lstStyle/>
+          <a:p>
+            <a:fld id="{96B84399-B9FB-2F4E-9D0A-A37DF58E964F}" type="slidenum">
+              <a:rPr lang="en-US" smtClean="0"/>
+              <a:t>9</a:t>
+            </a:fld>
+            <a:endParaRPr lang="en-US"/>
+          </a:p>
+        </p:txBody>
+      </p:sp>
+    </p:spTree>
+    <p:extLst>
+      <p:ext uri="{BB962C8B-B14F-4D97-AF65-F5344CB8AC3E}">
+        <p14:creationId xmlns:p14="http://schemas.microsoft.com/office/powerpoint/2010/main" val="2354781993"/>
+      </p:ext>
+    </p:extLst>
+  </p:cSld>
+  <p:clrMapOvr>
+    <a:masterClrMapping/>
+  </p:clrMapOvr>
+</p:notes>
+</file>
+
+<file path=ppt/notesSlides/notesSlide3.xml><?xml version="1.0" encoding="utf-8"?>
+<p:notes xmlns:a="http://schemas.openxmlformats.org/drawingml/2006/main" xmlns:r="http://schemas.openxmlformats.org/officeDocument/2006/relationships" xmlns:p="http://schemas.openxmlformats.org/presentationml/2006/main">
+  <p:cSld>
+    <p:spTree>
+      <p:nvGrpSpPr>
+        <p:cNvPr id="1" name=""/>
+        <p:cNvGrpSpPr/>
+        <p:nvPr/>
+      </p:nvGrpSpPr>
+      <p:grpSpPr>
+        <a:xfrm>
+          <a:off x="0" y="0"/>
+          <a:ext cx="0" cy="0"/>
+          <a:chOff x="0" y="0"/>
+          <a:chExt cx="0" cy="0"/>
+        </a:xfrm>
+      </p:grpSpPr>
+      <p:sp>
+        <p:nvSpPr>
+          <p:cNvPr id="2" name="Slide Image Placeholder 1"/>
+          <p:cNvSpPr>
+            <a:spLocks noGrp="1" noRot="1" noChangeAspect="1"/>
+          </p:cNvSpPr>
+          <p:nvPr>
+            <p:ph type="sldImg"/>
+          </p:nvPr>
+        </p:nvSpPr>
+        <p:spPr/>
+      </p:sp>
+      <p:sp>
+        <p:nvSpPr>
+          <p:cNvPr id="3" name="Notes Placeholder 2"/>
+          <p:cNvSpPr>
+            <a:spLocks noGrp="1"/>
+          </p:cNvSpPr>
+          <p:nvPr>
+            <p:ph type="body" idx="1"/>
+          </p:nvPr>
+        </p:nvSpPr>
+        <p:spPr/>
+        <p:txBody>
+          <a:bodyPr/>
+          <a:lstStyle/>
+          <a:p>
+            <a:r>
+              <a:rPr lang="en-US" dirty="0"/>
+              <a:t>https://www.w3schools.com/</a:t>
+            </a:r>
+            <a:r>
+              <a:rPr lang="en-US" dirty="0" err="1"/>
+              <a:t>css</a:t>
+            </a:r>
+            <a:r>
+              <a:rPr lang="en-US" dirty="0"/>
+              <a:t>/</a:t>
+            </a:r>
+            <a:r>
+              <a:rPr lang="en-US" dirty="0" err="1"/>
+              <a:t>tryit.asp?filename</a:t>
+            </a:r>
+            <a:r>
+              <a:rPr lang="en-US" dirty="0"/>
+              <a:t>=</a:t>
+            </a:r>
+            <a:r>
+              <a:rPr lang="en-US" dirty="0" err="1"/>
+              <a:t>trycss_forms</a:t>
+            </a:r>
+            <a:endParaRPr lang="en-US" dirty="0"/>
+          </a:p>
+        </p:txBody>
+      </p:sp>
+      <p:sp>
+        <p:nvSpPr>
+          <p:cNvPr id="4" name="Slide Number Placeholder 3"/>
+          <p:cNvSpPr>
+            <a:spLocks noGrp="1"/>
+          </p:cNvSpPr>
+          <p:nvPr>
+            <p:ph type="sldNum" sz="quarter" idx="5"/>
+          </p:nvPr>
+        </p:nvSpPr>
+        <p:spPr/>
+        <p:txBody>
+          <a:bodyPr/>
+          <a:lstStyle/>
+          <a:p>
+            <a:fld id="{96B84399-B9FB-2F4E-9D0A-A37DF58E964F}" type="slidenum">
+              <a:rPr lang="en-US" smtClean="0"/>
+              <a:t>29</a:t>
+            </a:fld>
+            <a:endParaRPr lang="en-US"/>
+          </a:p>
+        </p:txBody>
+      </p:sp>
+    </p:spTree>
+    <p:extLst>
+      <p:ext uri="{BB962C8B-B14F-4D97-AF65-F5344CB8AC3E}">
+        <p14:creationId xmlns:p14="http://schemas.microsoft.com/office/powerpoint/2010/main" val="3503514144"/>
+      </p:ext>
+    </p:extLst>
+  </p:cSld>
+  <p:clrMapOvr>
+    <a:masterClrMapping/>
+  </p:clrMapOvr>
+</p:notes>
+</file>
+
+<file path=ppt/notesSlides/notesSlide4.xml><?xml version="1.0" encoding="utf-8"?>
+<p:notes xmlns:a="http://schemas.openxmlformats.org/drawingml/2006/main" xmlns:r="http://schemas.openxmlformats.org/officeDocument/2006/relationships" xmlns:p="http://schemas.openxmlformats.org/presentationml/2006/main">
+  <p:cSld>
+    <p:spTree>
+      <p:nvGrpSpPr>
+        <p:cNvPr id="1" name=""/>
+        <p:cNvGrpSpPr/>
+        <p:nvPr/>
+      </p:nvGrpSpPr>
+      <p:grpSpPr>
+        <a:xfrm>
+          <a:off x="0" y="0"/>
+          <a:ext cx="0" cy="0"/>
+          <a:chOff x="0" y="0"/>
+          <a:chExt cx="0" cy="0"/>
+        </a:xfrm>
+      </p:grpSpPr>
+      <p:sp>
+        <p:nvSpPr>
+          <p:cNvPr id="2" name="Slide Image Placeholder 1"/>
+          <p:cNvSpPr>
+            <a:spLocks noGrp="1" noRot="1" noChangeAspect="1"/>
+          </p:cNvSpPr>
+          <p:nvPr>
+            <p:ph type="sldImg"/>
+          </p:nvPr>
+        </p:nvSpPr>
+        <p:spPr/>
+      </p:sp>
+      <p:sp>
+        <p:nvSpPr>
+          <p:cNvPr id="3" name="Notes Placeholder 2"/>
+          <p:cNvSpPr>
+            <a:spLocks noGrp="1"/>
+          </p:cNvSpPr>
+          <p:nvPr>
+            <p:ph type="body" idx="1"/>
+          </p:nvPr>
+        </p:nvSpPr>
+        <p:spPr/>
+        <p:txBody>
+          <a:bodyPr/>
+          <a:lstStyle/>
+          <a:p>
+            <a:r>
+              <a:rPr lang="en-US" dirty="0"/>
+              <a:t>https://</a:t>
+            </a:r>
+            <a:r>
+              <a:rPr lang="en-US" dirty="0" err="1"/>
+              <a:t>developer.mozilla.org</a:t>
+            </a:r>
+            <a:r>
+              <a:rPr lang="en-US" dirty="0"/>
+              <a:t>/</a:t>
+            </a:r>
+            <a:r>
+              <a:rPr lang="en-US" dirty="0" err="1"/>
+              <a:t>en</a:t>
+            </a:r>
+            <a:r>
+              <a:rPr lang="en-US" dirty="0"/>
+              <a:t>-US/docs/Learn/</a:t>
+            </a:r>
+            <a:r>
+              <a:rPr lang="en-US" dirty="0" err="1"/>
+              <a:t>Getting_started_with_the_web</a:t>
+            </a:r>
+            <a:r>
+              <a:rPr lang="en-US" dirty="0"/>
+              <a:t>/</a:t>
+            </a:r>
+            <a:r>
+              <a:rPr lang="en-US" dirty="0" err="1"/>
+              <a:t>JavaScript_basics</a:t>
+            </a:r>
+            <a:endParaRPr lang="en-US" dirty="0"/>
+          </a:p>
+        </p:txBody>
+      </p:sp>
+      <p:sp>
+        <p:nvSpPr>
+          <p:cNvPr id="4" name="Slide Number Placeholder 3"/>
+          <p:cNvSpPr>
+            <a:spLocks noGrp="1"/>
+          </p:cNvSpPr>
+          <p:nvPr>
+            <p:ph type="sldNum" sz="quarter" idx="5"/>
+          </p:nvPr>
+        </p:nvSpPr>
+        <p:spPr/>
+        <p:txBody>
+          <a:bodyPr/>
+          <a:lstStyle/>
+          <a:p>
+            <a:fld id="{96B84399-B9FB-2F4E-9D0A-A37DF58E964F}" type="slidenum">
+              <a:rPr lang="en-US" smtClean="0"/>
+              <a:t>31</a:t>
+            </a:fld>
+            <a:endParaRPr lang="en-US"/>
+          </a:p>
+        </p:txBody>
+      </p:sp>
+    </p:spTree>
+    <p:extLst>
+      <p:ext uri="{BB962C8B-B14F-4D97-AF65-F5344CB8AC3E}">
+        <p14:creationId xmlns:p14="http://schemas.microsoft.com/office/powerpoint/2010/main" val="1574894699"/>
+      </p:ext>
+    </p:extLst>
+  </p:cSld>
+  <p:clrMapOvr>
+    <a:masterClrMapping/>
+  </p:clrMapOvr>
+</p:notes>
+</file>
+
+<file path=ppt/notesSlides/notesSlide5.xml><?xml version="1.0" encoding="utf-8"?>
+<p:notes xmlns:a="http://schemas.openxmlformats.org/drawingml/2006/main" xmlns:r="http://schemas.openxmlformats.org/officeDocument/2006/relationships" xmlns:p="http://schemas.openxmlformats.org/presentationml/2006/main">
+  <p:cSld>
+    <p:spTree>
+      <p:nvGrpSpPr>
+        <p:cNvPr id="1" name=""/>
+        <p:cNvGrpSpPr/>
+        <p:nvPr/>
+      </p:nvGrpSpPr>
+      <p:grpSpPr>
+        <a:xfrm>
+          <a:off x="0" y="0"/>
+          <a:ext cx="0" cy="0"/>
+          <a:chOff x="0" y="0"/>
+          <a:chExt cx="0" cy="0"/>
+        </a:xfrm>
+      </p:grpSpPr>
+      <p:sp>
+        <p:nvSpPr>
+          <p:cNvPr id="2" name="Slide Image Placeholder 1"/>
+          <p:cNvSpPr>
+            <a:spLocks noGrp="1" noRot="1" noChangeAspect="1"/>
+          </p:cNvSpPr>
+          <p:nvPr>
+            <p:ph type="sldImg"/>
+          </p:nvPr>
+        </p:nvSpPr>
+        <p:spPr/>
+      </p:sp>
+      <p:sp>
+        <p:nvSpPr>
+          <p:cNvPr id="3" name="Notes Placeholder 2"/>
+          <p:cNvSpPr>
+            <a:spLocks noGrp="1"/>
+          </p:cNvSpPr>
+          <p:nvPr>
+            <p:ph type="body" idx="1"/>
+          </p:nvPr>
+        </p:nvSpPr>
+        <p:spPr/>
+        <p:txBody>
+          <a:bodyPr/>
+          <a:lstStyle/>
+          <a:p>
+            <a:r>
+              <a:rPr lang="en-US" dirty="0"/>
+              <a:t>The </a:t>
+            </a:r>
+            <a:r>
+              <a:rPr lang="en-US" dirty="0" err="1"/>
+              <a:t>setUserName</a:t>
+            </a:r>
+            <a:r>
+              <a:rPr lang="en-US" dirty="0"/>
+              <a:t>() function contains a </a:t>
+            </a:r>
+            <a:r>
+              <a:rPr lang="en-US" u="sng" dirty="0">
+                <a:hlinkClick r:id="rId3"/>
+              </a:rPr>
+              <a:t>prompt()</a:t>
+            </a:r>
+            <a:r>
+              <a:rPr lang="en-US" dirty="0"/>
+              <a:t> function, which displays a dialog box, similar to alert(). This prompt() function does more than alert(), asking the user to enter data, and storing it in a variable after the user clicks </a:t>
+            </a:r>
+            <a:r>
+              <a:rPr lang="en-US" i="1" dirty="0"/>
+              <a:t>OK.</a:t>
+            </a:r>
+            <a:r>
+              <a:rPr lang="en-US" dirty="0"/>
+              <a:t> In this case, we are asking the user to enter a name. Next, the code calls on an API </a:t>
+            </a:r>
+            <a:r>
+              <a:rPr lang="en-US" dirty="0" err="1"/>
+              <a:t>localStorage</a:t>
+            </a:r>
+            <a:r>
+              <a:rPr lang="en-US" dirty="0"/>
+              <a:t>, which allows us to store data in the browser and retrieve it later. We use </a:t>
+            </a:r>
+            <a:r>
+              <a:rPr lang="en-US" dirty="0" err="1"/>
+              <a:t>localStorage's</a:t>
+            </a:r>
+            <a:r>
+              <a:rPr lang="en-US" dirty="0"/>
+              <a:t> </a:t>
+            </a:r>
+            <a:r>
+              <a:rPr lang="en-US" dirty="0" err="1"/>
+              <a:t>setItem</a:t>
+            </a:r>
+            <a:r>
+              <a:rPr lang="en-US" dirty="0"/>
+              <a:t>() function to create and store a data item called 'name', setting its value to the </a:t>
+            </a:r>
+            <a:r>
+              <a:rPr lang="en-US" dirty="0" err="1"/>
+              <a:t>myName</a:t>
+            </a:r>
+            <a:r>
+              <a:rPr lang="en-US" dirty="0"/>
+              <a:t> variable which contains the user's entry for the name. Finally, we set the </a:t>
+            </a:r>
+            <a:r>
+              <a:rPr lang="en-US" dirty="0" err="1"/>
+              <a:t>textContent</a:t>
+            </a:r>
+            <a:r>
+              <a:rPr lang="en-US" dirty="0"/>
+              <a:t> of the heading to a string, plus the user's newly stored name.</a:t>
+            </a:r>
+          </a:p>
+        </p:txBody>
+      </p:sp>
+      <p:sp>
+        <p:nvSpPr>
+          <p:cNvPr id="4" name="Slide Number Placeholder 3"/>
+          <p:cNvSpPr>
+            <a:spLocks noGrp="1"/>
+          </p:cNvSpPr>
+          <p:nvPr>
+            <p:ph type="sldNum" sz="quarter" idx="5"/>
+          </p:nvPr>
+        </p:nvSpPr>
+        <p:spPr/>
+        <p:txBody>
+          <a:bodyPr/>
+          <a:lstStyle/>
+          <a:p>
+            <a:fld id="{96B84399-B9FB-2F4E-9D0A-A37DF58E964F}" type="slidenum">
+              <a:rPr lang="en-US" smtClean="0"/>
+              <a:t>32</a:t>
+            </a:fld>
+            <a:endParaRPr lang="en-US"/>
+          </a:p>
+        </p:txBody>
+      </p:sp>
+    </p:spTree>
+    <p:extLst>
+      <p:ext uri="{BB962C8B-B14F-4D97-AF65-F5344CB8AC3E}">
+        <p14:creationId xmlns:p14="http://schemas.microsoft.com/office/powerpoint/2010/main" val="3365955545"/>
+      </p:ext>
+    </p:extLst>
+  </p:cSld>
+  <p:clrMapOvr>
+    <a:masterClrMapping/>
+  </p:clrMapOvr>
+</p:notes>
+</file>
+
+<file path=ppt/notesSlides/notesSlide6.xml><?xml version="1.0" encoding="utf-8"?>
+<p:notes xmlns:a="http://schemas.openxmlformats.org/drawingml/2006/main" xmlns:r="http://schemas.openxmlformats.org/officeDocument/2006/relationships" xmlns:p="http://schemas.openxmlformats.org/presentationml/2006/main">
+  <p:cSld>
+    <p:spTree>
+      <p:nvGrpSpPr>
+        <p:cNvPr id="1" name=""/>
+        <p:cNvGrpSpPr/>
+        <p:nvPr/>
+      </p:nvGrpSpPr>
+      <p:grpSpPr>
+        <a:xfrm>
+          <a:off x="0" y="0"/>
+          <a:ext cx="0" cy="0"/>
+          <a:chOff x="0" y="0"/>
+          <a:chExt cx="0" cy="0"/>
+        </a:xfrm>
+      </p:grpSpPr>
+      <p:sp>
+        <p:nvSpPr>
+          <p:cNvPr id="2" name="Slide Image Placeholder 1"/>
+          <p:cNvSpPr>
+            <a:spLocks noGrp="1" noRot="1" noChangeAspect="1"/>
+          </p:cNvSpPr>
+          <p:nvPr>
+            <p:ph type="sldImg"/>
+          </p:nvPr>
+        </p:nvSpPr>
+        <p:spPr/>
+      </p:sp>
+      <p:sp>
+        <p:nvSpPr>
+          <p:cNvPr id="3" name="Notes Placeholder 2"/>
+          <p:cNvSpPr>
+            <a:spLocks noGrp="1"/>
+          </p:cNvSpPr>
+          <p:nvPr>
+            <p:ph type="body" idx="1"/>
+          </p:nvPr>
+        </p:nvSpPr>
+        <p:spPr/>
+        <p:txBody>
+          <a:bodyPr/>
+          <a:lstStyle/>
+          <a:p>
+            <a:r>
+              <a:rPr lang="en-US" sz="1200" b="0" i="0" kern="1200" dirty="0">
+                <a:solidFill>
+                  <a:schemeClr val="tx1"/>
+                </a:solidFill>
+                <a:effectLst/>
+                <a:latin typeface="+mn-lt"/>
+                <a:ea typeface="+mn-ea"/>
+                <a:cs typeface="+mn-cs"/>
+              </a:rPr>
+              <a:t>This first line of this block uses the negation operator (logical NOT, represented by the </a:t>
+            </a:r>
+            <a:r>
+              <a:rPr lang="en-US" dirty="0"/>
+              <a:t>!</a:t>
+            </a:r>
+            <a:r>
+              <a:rPr lang="en-US" sz="1200" b="0" i="0" kern="1200" dirty="0">
+                <a:solidFill>
+                  <a:schemeClr val="tx1"/>
+                </a:solidFill>
+                <a:effectLst/>
+                <a:latin typeface="+mn-lt"/>
+                <a:ea typeface="+mn-ea"/>
+                <a:cs typeface="+mn-cs"/>
+              </a:rPr>
+              <a:t>) to check whether the </a:t>
+            </a:r>
+            <a:r>
+              <a:rPr lang="en-US" dirty="0"/>
+              <a:t>name</a:t>
+            </a:r>
+            <a:r>
+              <a:rPr lang="en-US" sz="1200" b="0" i="0" kern="1200" dirty="0">
+                <a:solidFill>
+                  <a:schemeClr val="tx1"/>
+                </a:solidFill>
+                <a:effectLst/>
+                <a:latin typeface="+mn-lt"/>
+                <a:ea typeface="+mn-ea"/>
+                <a:cs typeface="+mn-cs"/>
+              </a:rPr>
+              <a:t> data exists. If not, the </a:t>
+            </a:r>
+            <a:r>
+              <a:rPr lang="en-US" dirty="0" err="1"/>
+              <a:t>setUserName</a:t>
+            </a:r>
+            <a:r>
+              <a:rPr lang="en-US" dirty="0"/>
+              <a:t>()</a:t>
+            </a:r>
+            <a:r>
+              <a:rPr lang="en-US" sz="1200" b="0" i="0" kern="1200" dirty="0">
+                <a:solidFill>
+                  <a:schemeClr val="tx1"/>
+                </a:solidFill>
+                <a:effectLst/>
+                <a:latin typeface="+mn-lt"/>
+                <a:ea typeface="+mn-ea"/>
+                <a:cs typeface="+mn-cs"/>
+              </a:rPr>
+              <a:t> function runs to create it. If it exists (that is, the user set a user name during a previous visit), we retrieve the stored name using </a:t>
+            </a:r>
+            <a:r>
+              <a:rPr lang="en-US" dirty="0" err="1"/>
+              <a:t>getItem</a:t>
+            </a:r>
+            <a:r>
+              <a:rPr lang="en-US" dirty="0"/>
+              <a:t>()</a:t>
+            </a:r>
+            <a:r>
+              <a:rPr lang="en-US" sz="1200" b="0" i="0" kern="1200" dirty="0">
+                <a:solidFill>
+                  <a:schemeClr val="tx1"/>
+                </a:solidFill>
+                <a:effectLst/>
+                <a:latin typeface="+mn-lt"/>
+                <a:ea typeface="+mn-ea"/>
+                <a:cs typeface="+mn-cs"/>
+              </a:rPr>
+              <a:t> and set the </a:t>
+            </a:r>
+            <a:r>
+              <a:rPr lang="en-US" dirty="0" err="1"/>
+              <a:t>textContent</a:t>
+            </a:r>
+            <a:r>
+              <a:rPr lang="en-US" sz="1200" b="0" i="0" kern="1200" dirty="0">
+                <a:solidFill>
+                  <a:schemeClr val="tx1"/>
+                </a:solidFill>
+                <a:effectLst/>
+                <a:latin typeface="+mn-lt"/>
+                <a:ea typeface="+mn-ea"/>
+                <a:cs typeface="+mn-cs"/>
+              </a:rPr>
+              <a:t> of the heading to a string, plus the user's name, as we did inside </a:t>
+            </a:r>
+            <a:r>
+              <a:rPr lang="en-US" dirty="0" err="1"/>
+              <a:t>setUserName</a:t>
+            </a:r>
+            <a:r>
+              <a:rPr lang="en-US" dirty="0"/>
+              <a:t>()</a:t>
+            </a:r>
+            <a:r>
+              <a:rPr lang="en-US" sz="1200" b="0" i="0" kern="1200" dirty="0">
+                <a:solidFill>
+                  <a:schemeClr val="tx1"/>
+                </a:solidFill>
+                <a:effectLst/>
+                <a:latin typeface="+mn-lt"/>
+                <a:ea typeface="+mn-ea"/>
+                <a:cs typeface="+mn-cs"/>
+              </a:rPr>
+              <a:t>.</a:t>
+            </a:r>
+            <a:endParaRPr lang="en-US" dirty="0"/>
+          </a:p>
+        </p:txBody>
+      </p:sp>
+      <p:sp>
+        <p:nvSpPr>
+          <p:cNvPr id="4" name="Slide Number Placeholder 3"/>
+          <p:cNvSpPr>
+            <a:spLocks noGrp="1"/>
+          </p:cNvSpPr>
+          <p:nvPr>
+            <p:ph type="sldNum" sz="quarter" idx="5"/>
+          </p:nvPr>
+        </p:nvSpPr>
+        <p:spPr/>
+        <p:txBody>
+          <a:bodyPr/>
+          <a:lstStyle/>
+          <a:p>
+            <a:fld id="{96B84399-B9FB-2F4E-9D0A-A37DF58E964F}" type="slidenum">
+              <a:rPr lang="en-US" smtClean="0"/>
+              <a:t>33</a:t>
+            </a:fld>
+            <a:endParaRPr lang="en-US"/>
+          </a:p>
+        </p:txBody>
+      </p:sp>
+    </p:spTree>
+    <p:extLst>
+      <p:ext uri="{BB962C8B-B14F-4D97-AF65-F5344CB8AC3E}">
+        <p14:creationId xmlns:p14="http://schemas.microsoft.com/office/powerpoint/2010/main" val="881165545"/>
       </p:ext>
     </p:extLst>
   </p:cSld>
@@ -4445,7 +5373,7 @@
           <p:cNvPr id="2" name="Title 1">
             <a:extLst>
               <a:ext uri="{FF2B5EF4-FFF2-40B4-BE49-F238E27FC236}">
-                <a16:creationId xmlns:a16="http://schemas.microsoft.com/office/drawing/2014/main" id="{AFAEB87E-8C41-4940-B0F4-584ABE3D469D}"/>
+                <a16:creationId xmlns:a16="http://schemas.microsoft.com/office/drawing/2014/main" id="{05BC4207-5286-AF4F-8F22-53336CFFDF18}"/>
               </a:ext>
             </a:extLst>
           </p:cNvPr>
@@ -4463,7 +5391,15 @@
           <a:p>
             <a:r>
               <a:rPr lang="en-US" dirty="0"/>
-              <a:t>CSS Exercise</a:t>
+              <a:t>&lt;</a:t>
+            </a:r>
+            <a:r>
+              <a:rPr lang="en-US" dirty="0" err="1"/>
+              <a:t>img</a:t>
+            </a:r>
+            <a:r>
+              <a:rPr lang="en-US" dirty="0"/>
+              <a:t>&gt;</a:t>
             </a:r>
           </a:p>
         </p:txBody>
@@ -4473,7 +5409,7 @@
           <p:cNvPr id="3" name="Content Placeholder 2">
             <a:extLst>
               <a:ext uri="{FF2B5EF4-FFF2-40B4-BE49-F238E27FC236}">
-                <a16:creationId xmlns:a16="http://schemas.microsoft.com/office/drawing/2014/main" id="{44303542-40D6-1B4F-84C8-35225C704A84}"/>
+                <a16:creationId xmlns:a16="http://schemas.microsoft.com/office/drawing/2014/main" id="{DBD91805-7245-024D-9C32-7BC471C68CDE}"/>
               </a:ext>
             </a:extLst>
           </p:cNvPr>
@@ -4489,14 +5425,140 @@
           <a:bodyPr/>
           <a:lstStyle/>
           <a:p>
-            <a:endParaRPr lang="en-US"/>
+            <a:r>
+              <a:rPr lang="en-US" dirty="0"/>
+              <a:t>HTML images are defined with the &lt;</a:t>
+            </a:r>
+            <a:r>
+              <a:rPr lang="en-US" dirty="0" err="1"/>
+              <a:t>img</a:t>
+            </a:r>
+            <a:r>
+              <a:rPr lang="en-US" dirty="0"/>
+              <a:t>&gt; tag.</a:t>
+            </a:r>
+          </a:p>
+          <a:p>
+            <a:r>
+              <a:rPr lang="en-US" dirty="0"/>
+              <a:t>The source file (</a:t>
+            </a:r>
+            <a:r>
+              <a:rPr lang="en-US" dirty="0" err="1"/>
+              <a:t>src</a:t>
+            </a:r>
+            <a:r>
+              <a:rPr lang="en-US" dirty="0"/>
+              <a:t>), alternative text (alt), width, and height are provided as attributes:</a:t>
+            </a:r>
+          </a:p>
+          <a:p>
+            <a:pPr marL="0" indent="0">
+              <a:buNone/>
+            </a:pPr>
+            <a:br>
+              <a:rPr lang="en-US" dirty="0"/>
+            </a:br>
+            <a:endParaRPr lang="en-US" dirty="0"/>
+          </a:p>
+          <a:p>
+            <a:endParaRPr lang="en-US" dirty="0"/>
+          </a:p>
+        </p:txBody>
+      </p:sp>
+      <p:pic>
+        <p:nvPicPr>
+          <p:cNvPr id="5" name="Picture 4" descr="Graphical user interface, text, application, chat or text message&#10;&#10;Description automatically generated">
+            <a:extLst>
+              <a:ext uri="{FF2B5EF4-FFF2-40B4-BE49-F238E27FC236}">
+                <a16:creationId xmlns:a16="http://schemas.microsoft.com/office/drawing/2014/main" id="{FA3BBC39-0AD6-7345-BA48-DA3415D31A61}"/>
+              </a:ext>
+            </a:extLst>
+          </p:cNvPr>
+          <p:cNvPicPr>
+            <a:picLocks noChangeAspect="1"/>
+          </p:cNvPicPr>
+          <p:nvPr/>
+        </p:nvPicPr>
+        <p:blipFill rotWithShape="1">
+          <a:blip r:embed="rId2"/>
+          <a:srcRect t="3289" b="6749"/>
+          <a:stretch/>
+        </p:blipFill>
+        <p:spPr>
+          <a:xfrm>
+            <a:off x="1635734" y="2984738"/>
+            <a:ext cx="9525000" cy="3347644"/>
+          </a:xfrm>
+          <a:prstGeom prst="rect">
+            <a:avLst/>
+          </a:prstGeom>
+        </p:spPr>
+      </p:pic>
+      <p:sp>
+        <p:nvSpPr>
+          <p:cNvPr id="7" name="Frame 6">
+            <a:extLst>
+              <a:ext uri="{FF2B5EF4-FFF2-40B4-BE49-F238E27FC236}">
+                <a16:creationId xmlns:a16="http://schemas.microsoft.com/office/drawing/2014/main" id="{3C0A844D-E38F-C644-8A02-339377E099D7}"/>
+              </a:ext>
+            </a:extLst>
+          </p:cNvPr>
+          <p:cNvSpPr/>
+          <p:nvPr/>
+        </p:nvSpPr>
+        <p:spPr>
+          <a:xfrm>
+            <a:off x="1635734" y="4658560"/>
+            <a:ext cx="4730560" cy="1017621"/>
+          </a:xfrm>
+          <a:prstGeom prst="frame">
+            <a:avLst>
+              <a:gd name="adj1" fmla="val 5718"/>
+            </a:avLst>
+          </a:prstGeom>
+          <a:solidFill>
+            <a:srgbClr val="92D050"/>
+          </a:solidFill>
+          <a:ln>
+            <a:solidFill>
+              <a:srgbClr val="00B050"/>
+            </a:solidFill>
+          </a:ln>
+        </p:spPr>
+        <p:style>
+          <a:lnRef idx="2">
+            <a:schemeClr val="accent1">
+              <a:shade val="50000"/>
+            </a:schemeClr>
+          </a:lnRef>
+          <a:fillRef idx="1">
+            <a:schemeClr val="accent1"/>
+          </a:fillRef>
+          <a:effectRef idx="0">
+            <a:schemeClr val="accent1"/>
+          </a:effectRef>
+          <a:fontRef idx="minor">
+            <a:schemeClr val="lt1"/>
+          </a:fontRef>
+        </p:style>
+        <p:txBody>
+          <a:bodyPr rtlCol="0" anchor="ctr"/>
+          <a:lstStyle/>
+          <a:p>
+            <a:pPr algn="ctr"/>
+            <a:endParaRPr lang="en-US">
+              <a:solidFill>
+                <a:schemeClr val="tx1"/>
+              </a:solidFill>
+            </a:endParaRPr>
           </a:p>
         </p:txBody>
       </p:sp>
     </p:spTree>
     <p:extLst>
       <p:ext uri="{BB962C8B-B14F-4D97-AF65-F5344CB8AC3E}">
-        <p14:creationId xmlns:p14="http://schemas.microsoft.com/office/powerpoint/2010/main" val="3129343310"/>
+        <p14:creationId xmlns:p14="http://schemas.microsoft.com/office/powerpoint/2010/main" val="725367945"/>
       </p:ext>
     </p:extLst>
   </p:cSld>
@@ -4528,7 +5590,7 @@
           <p:cNvPr id="2" name="Title 1">
             <a:extLst>
               <a:ext uri="{FF2B5EF4-FFF2-40B4-BE49-F238E27FC236}">
-                <a16:creationId xmlns:a16="http://schemas.microsoft.com/office/drawing/2014/main" id="{B00CC13C-AC97-6541-8608-C74C9D7AE9F3}"/>
+                <a16:creationId xmlns:a16="http://schemas.microsoft.com/office/drawing/2014/main" id="{8E1F7E94-DF14-E14C-ABC9-69C3ADB3A119}"/>
               </a:ext>
             </a:extLst>
           </p:cNvPr>
@@ -4546,7 +5608,7 @@
           <a:p>
             <a:r>
               <a:rPr lang="en-US" dirty="0"/>
-              <a:t>JavaScript Exercise</a:t>
+              <a:t>&lt;div&gt;&lt;/div&gt;</a:t>
             </a:r>
           </a:p>
         </p:txBody>
@@ -4556,7 +5618,7 @@
           <p:cNvPr id="3" name="Content Placeholder 2">
             <a:extLst>
               <a:ext uri="{FF2B5EF4-FFF2-40B4-BE49-F238E27FC236}">
-                <a16:creationId xmlns:a16="http://schemas.microsoft.com/office/drawing/2014/main" id="{A16BAC33-A7EF-1140-AF45-C9391F010F12}"/>
+                <a16:creationId xmlns:a16="http://schemas.microsoft.com/office/drawing/2014/main" id="{5B00B927-DA3E-EB42-B65D-DB13B327DD92}"/>
               </a:ext>
             </a:extLst>
           </p:cNvPr>
@@ -4572,14 +5634,1855 @@
           <a:bodyPr/>
           <a:lstStyle/>
           <a:p>
-            <a:endParaRPr lang="en-US"/>
+            <a:r>
+              <a:rPr lang="en-US" dirty="0"/>
+              <a:t>The &lt;div&gt; tag defines a division or a section in an HTML document.</a:t>
+            </a:r>
+          </a:p>
+          <a:p>
+            <a:r>
+              <a:rPr lang="en-US" dirty="0"/>
+              <a:t>The &lt;div&gt; tag is used as a </a:t>
+            </a:r>
+            <a:r>
+              <a:rPr lang="en-US" b="1" dirty="0"/>
+              <a:t>container</a:t>
+            </a:r>
+            <a:r>
+              <a:rPr lang="en-US" dirty="0"/>
+              <a:t> for HTML elements - which is then styled with CSS or manipulated with JavaScript.</a:t>
+            </a:r>
+          </a:p>
+          <a:p>
+            <a:r>
+              <a:rPr lang="en-US" dirty="0"/>
+              <a:t>The &lt;div&gt; tag is easily styled by using the class or id attribute.</a:t>
+            </a:r>
           </a:p>
         </p:txBody>
       </p:sp>
+      <p:pic>
+        <p:nvPicPr>
+          <p:cNvPr id="5" name="Picture 4" descr="Graphical user interface, text, application, Word&#10;&#10;Description automatically generated">
+            <a:extLst>
+              <a:ext uri="{FF2B5EF4-FFF2-40B4-BE49-F238E27FC236}">
+                <a16:creationId xmlns:a16="http://schemas.microsoft.com/office/drawing/2014/main" id="{CA16E8DE-D444-1B4B-9159-D85099EA07FC}"/>
+              </a:ext>
+            </a:extLst>
+          </p:cNvPr>
+          <p:cNvPicPr>
+            <a:picLocks noChangeAspect="1"/>
+          </p:cNvPicPr>
+          <p:nvPr/>
+        </p:nvPicPr>
+        <p:blipFill rotWithShape="1">
+          <a:blip r:embed="rId2"/>
+          <a:srcRect b="14827"/>
+          <a:stretch/>
+        </p:blipFill>
+        <p:spPr>
+          <a:xfrm>
+            <a:off x="1782633" y="3371020"/>
+            <a:ext cx="9162189" cy="3308749"/>
+          </a:xfrm>
+          <a:prstGeom prst="rect">
+            <a:avLst/>
+          </a:prstGeom>
+        </p:spPr>
+      </p:pic>
+      <p:sp>
+        <p:nvSpPr>
+          <p:cNvPr id="6" name="TextBox 5">
+            <a:extLst>
+              <a:ext uri="{FF2B5EF4-FFF2-40B4-BE49-F238E27FC236}">
+                <a16:creationId xmlns:a16="http://schemas.microsoft.com/office/drawing/2014/main" id="{5F727777-C012-EF48-8055-DF709B38C9BE}"/>
+              </a:ext>
+            </a:extLst>
+          </p:cNvPr>
+          <p:cNvSpPr txBox="1"/>
+          <p:nvPr/>
+        </p:nvSpPr>
+        <p:spPr>
+          <a:xfrm>
+            <a:off x="8384584" y="4990238"/>
+            <a:ext cx="3626603" cy="646331"/>
+          </a:xfrm>
+          <a:prstGeom prst="rect">
+            <a:avLst/>
+          </a:prstGeom>
+          <a:noFill/>
+          <a:ln>
+            <a:solidFill>
+              <a:srgbClr val="00B050"/>
+            </a:solidFill>
+          </a:ln>
+        </p:spPr>
+        <p:txBody>
+          <a:bodyPr wrap="square" rtlCol="0">
+            <a:spAutoFit/>
+          </a:bodyPr>
+          <a:lstStyle/>
+          <a:p>
+            <a:r>
+              <a:rPr lang="en-US" b="1" dirty="0">
+                <a:solidFill>
+                  <a:srgbClr val="C00000"/>
+                </a:solidFill>
+              </a:rPr>
+              <a:t>Any sort of content can be put inside the &lt;div&gt; tag! </a:t>
+            </a:r>
+          </a:p>
+        </p:txBody>
+      </p:sp>
+      <p:cxnSp>
+        <p:nvCxnSpPr>
+          <p:cNvPr id="8" name="Straight Arrow Connector 7">
+            <a:extLst>
+              <a:ext uri="{FF2B5EF4-FFF2-40B4-BE49-F238E27FC236}">
+                <a16:creationId xmlns:a16="http://schemas.microsoft.com/office/drawing/2014/main" id="{0DB74DAD-E9BA-9846-8F03-516ABBD5D79D}"/>
+              </a:ext>
+            </a:extLst>
+          </p:cNvPr>
+          <p:cNvCxnSpPr/>
+          <p:nvPr/>
+        </p:nvCxnSpPr>
+        <p:spPr>
+          <a:xfrm>
+            <a:off x="10120393" y="4262034"/>
+            <a:ext cx="288974" cy="728420"/>
+          </a:xfrm>
+          <a:prstGeom prst="straightConnector1">
+            <a:avLst/>
+          </a:prstGeom>
+          <a:ln>
+            <a:tailEnd type="triangle"/>
+          </a:ln>
+        </p:spPr>
+        <p:style>
+          <a:lnRef idx="1">
+            <a:schemeClr val="accent1"/>
+          </a:lnRef>
+          <a:fillRef idx="0">
+            <a:schemeClr val="accent1"/>
+          </a:fillRef>
+          <a:effectRef idx="0">
+            <a:schemeClr val="accent1"/>
+          </a:effectRef>
+          <a:fontRef idx="minor">
+            <a:schemeClr val="tx1"/>
+          </a:fontRef>
+        </p:style>
+      </p:cxnSp>
+      <p:sp>
+        <p:nvSpPr>
+          <p:cNvPr id="9" name="Frame 8">
+            <a:extLst>
+              <a:ext uri="{FF2B5EF4-FFF2-40B4-BE49-F238E27FC236}">
+                <a16:creationId xmlns:a16="http://schemas.microsoft.com/office/drawing/2014/main" id="{8073A54F-4EC9-204A-B6F6-612F886F80EE}"/>
+              </a:ext>
+            </a:extLst>
+          </p:cNvPr>
+          <p:cNvSpPr/>
+          <p:nvPr/>
+        </p:nvSpPr>
+        <p:spPr>
+          <a:xfrm>
+            <a:off x="1782632" y="5780868"/>
+            <a:ext cx="4583661" cy="900142"/>
+          </a:xfrm>
+          <a:prstGeom prst="frame">
+            <a:avLst>
+              <a:gd name="adj1" fmla="val 5718"/>
+            </a:avLst>
+          </a:prstGeom>
+          <a:solidFill>
+            <a:srgbClr val="92D050"/>
+          </a:solidFill>
+          <a:ln>
+            <a:solidFill>
+              <a:srgbClr val="00B050"/>
+            </a:solidFill>
+          </a:ln>
+        </p:spPr>
+        <p:style>
+          <a:lnRef idx="2">
+            <a:schemeClr val="accent1">
+              <a:shade val="50000"/>
+            </a:schemeClr>
+          </a:lnRef>
+          <a:fillRef idx="1">
+            <a:schemeClr val="accent1"/>
+          </a:fillRef>
+          <a:effectRef idx="0">
+            <a:schemeClr val="accent1"/>
+          </a:effectRef>
+          <a:fontRef idx="minor">
+            <a:schemeClr val="lt1"/>
+          </a:fontRef>
+        </p:style>
+        <p:txBody>
+          <a:bodyPr rtlCol="0" anchor="ctr"/>
+          <a:lstStyle/>
+          <a:p>
+            <a:pPr algn="ctr"/>
+            <a:endParaRPr lang="en-US">
+              <a:solidFill>
+                <a:schemeClr val="tx1"/>
+              </a:solidFill>
+            </a:endParaRPr>
+          </a:p>
+        </p:txBody>
+      </p:sp>
+      <mc:AlternateContent xmlns:mc="http://schemas.openxmlformats.org/markup-compatibility/2006">
+        <mc:Choice xmlns:p14="http://schemas.microsoft.com/office/powerpoint/2010/main" Requires="p14">
+          <p:contentPart p14:bwMode="auto" r:id="rId3">
+            <p14:nvContentPartPr>
+              <p14:cNvPr id="10" name="Ink 9">
+                <a:extLst>
+                  <a:ext uri="{FF2B5EF4-FFF2-40B4-BE49-F238E27FC236}">
+                    <a16:creationId xmlns:a16="http://schemas.microsoft.com/office/drawing/2014/main" id="{E676E3F9-EA2F-044A-9086-0190D6B931AB}"/>
+                  </a:ext>
+                </a:extLst>
+              </p14:cNvPr>
+              <p14:cNvContentPartPr/>
+              <p14:nvPr/>
+            </p14:nvContentPartPr>
+            <p14:xfrm>
+              <a:off x="1887028" y="4235455"/>
+              <a:ext cx="572760" cy="4680"/>
+            </p14:xfrm>
+          </p:contentPart>
+        </mc:Choice>
+        <mc:Fallback>
+          <p:pic>
+            <p:nvPicPr>
+              <p:cNvPr id="10" name="Ink 9">
+                <a:extLst>
+                  <a:ext uri="{FF2B5EF4-FFF2-40B4-BE49-F238E27FC236}">
+                    <a16:creationId xmlns:a16="http://schemas.microsoft.com/office/drawing/2014/main" id="{E676E3F9-EA2F-044A-9086-0190D6B931AB}"/>
+                  </a:ext>
+                </a:extLst>
+              </p:cNvPr>
+              <p:cNvPicPr/>
+              <p:nvPr/>
+            </p:nvPicPr>
+            <p:blipFill>
+              <a:blip r:embed="rId4"/>
+              <a:stretch>
+                <a:fillRect/>
+              </a:stretch>
+            </p:blipFill>
+            <p:spPr>
+              <a:xfrm>
+                <a:off x="1833388" y="4127815"/>
+                <a:ext cx="680400" cy="220320"/>
+              </a:xfrm>
+              <a:prstGeom prst="rect">
+                <a:avLst/>
+              </a:prstGeom>
+            </p:spPr>
+          </p:pic>
+        </mc:Fallback>
+      </mc:AlternateContent>
+      <mc:AlternateContent xmlns:mc="http://schemas.openxmlformats.org/markup-compatibility/2006">
+        <mc:Choice xmlns:p14="http://schemas.microsoft.com/office/powerpoint/2010/main" Requires="p14">
+          <p:contentPart p14:bwMode="auto" r:id="rId5">
+            <p14:nvContentPartPr>
+              <p14:cNvPr id="11" name="Ink 10">
+                <a:extLst>
+                  <a:ext uri="{FF2B5EF4-FFF2-40B4-BE49-F238E27FC236}">
+                    <a16:creationId xmlns:a16="http://schemas.microsoft.com/office/drawing/2014/main" id="{181B212D-E571-944F-B5E0-251CCDFF5D8E}"/>
+                  </a:ext>
+                </a:extLst>
+              </p14:cNvPr>
+              <p14:cNvContentPartPr/>
+              <p14:nvPr/>
+            </p14:nvContentPartPr>
+            <p14:xfrm>
+              <a:off x="2997628" y="5981815"/>
+              <a:ext cx="443160" cy="360"/>
+            </p14:xfrm>
+          </p:contentPart>
+        </mc:Choice>
+        <mc:Fallback>
+          <p:pic>
+            <p:nvPicPr>
+              <p:cNvPr id="11" name="Ink 10">
+                <a:extLst>
+                  <a:ext uri="{FF2B5EF4-FFF2-40B4-BE49-F238E27FC236}">
+                    <a16:creationId xmlns:a16="http://schemas.microsoft.com/office/drawing/2014/main" id="{181B212D-E571-944F-B5E0-251CCDFF5D8E}"/>
+                  </a:ext>
+                </a:extLst>
+              </p:cNvPr>
+              <p:cNvPicPr/>
+              <p:nvPr/>
+            </p:nvPicPr>
+            <p:blipFill>
+              <a:blip r:embed="rId6"/>
+              <a:stretch>
+                <a:fillRect/>
+              </a:stretch>
+            </p:blipFill>
+            <p:spPr>
+              <a:xfrm>
+                <a:off x="2943988" y="5874175"/>
+                <a:ext cx="550800" cy="216000"/>
+              </a:xfrm>
+              <a:prstGeom prst="rect">
+                <a:avLst/>
+              </a:prstGeom>
+            </p:spPr>
+          </p:pic>
+        </mc:Fallback>
+      </mc:AlternateContent>
     </p:spTree>
     <p:extLst>
       <p:ext uri="{BB962C8B-B14F-4D97-AF65-F5344CB8AC3E}">
-        <p14:creationId xmlns:p14="http://schemas.microsoft.com/office/powerpoint/2010/main" val="623084614"/>
+        <p14:creationId xmlns:p14="http://schemas.microsoft.com/office/powerpoint/2010/main" val="1032875669"/>
+      </p:ext>
+    </p:extLst>
+  </p:cSld>
+  <p:clrMapOvr>
+    <a:masterClrMapping/>
+  </p:clrMapOvr>
+</p:sld>
+</file>
+
+<file path=ppt/slides/slide12.xml><?xml version="1.0" encoding="utf-8"?>
+<p:sld xmlns:a="http://schemas.openxmlformats.org/drawingml/2006/main" xmlns:r="http://schemas.openxmlformats.org/officeDocument/2006/relationships" xmlns:p="http://schemas.openxmlformats.org/presentationml/2006/main">
+  <p:cSld>
+    <p:spTree>
+      <p:nvGrpSpPr>
+        <p:cNvPr id="1" name=""/>
+        <p:cNvGrpSpPr/>
+        <p:nvPr/>
+      </p:nvGrpSpPr>
+      <p:grpSpPr>
+        <a:xfrm>
+          <a:off x="0" y="0"/>
+          <a:ext cx="0" cy="0"/>
+          <a:chOff x="0" y="0"/>
+          <a:chExt cx="0" cy="0"/>
+        </a:xfrm>
+      </p:grpSpPr>
+      <p:sp>
+        <p:nvSpPr>
+          <p:cNvPr id="2" name="Title 1">
+            <a:extLst>
+              <a:ext uri="{FF2B5EF4-FFF2-40B4-BE49-F238E27FC236}">
+                <a16:creationId xmlns:a16="http://schemas.microsoft.com/office/drawing/2014/main" id="{CE679712-639F-B749-9398-A9B9DC4CB3DA}"/>
+              </a:ext>
+            </a:extLst>
+          </p:cNvPr>
+          <p:cNvSpPr>
+            <a:spLocks noGrp="1"/>
+          </p:cNvSpPr>
+          <p:nvPr>
+            <p:ph type="title"/>
+          </p:nvPr>
+        </p:nvSpPr>
+        <p:spPr/>
+        <p:txBody>
+          <a:bodyPr/>
+          <a:lstStyle/>
+          <a:p>
+            <a:r>
+              <a:rPr lang="en-US" dirty="0"/>
+              <a:t>&lt;span&gt;&lt;/span&gt;</a:t>
+            </a:r>
+          </a:p>
+        </p:txBody>
+      </p:sp>
+      <p:sp>
+        <p:nvSpPr>
+          <p:cNvPr id="3" name="Content Placeholder 2">
+            <a:extLst>
+              <a:ext uri="{FF2B5EF4-FFF2-40B4-BE49-F238E27FC236}">
+                <a16:creationId xmlns:a16="http://schemas.microsoft.com/office/drawing/2014/main" id="{39B55C11-93F0-954A-BC3E-115653A60DBA}"/>
+              </a:ext>
+            </a:extLst>
+          </p:cNvPr>
+          <p:cNvSpPr>
+            <a:spLocks noGrp="1"/>
+          </p:cNvSpPr>
+          <p:nvPr>
+            <p:ph idx="1"/>
+          </p:nvPr>
+        </p:nvSpPr>
+        <p:spPr/>
+        <p:txBody>
+          <a:bodyPr/>
+          <a:lstStyle/>
+          <a:p>
+            <a:r>
+              <a:rPr lang="en-US" dirty="0"/>
+              <a:t>The &lt;span&gt; tag is </a:t>
+            </a:r>
+            <a:r>
+              <a:rPr lang="en-US" b="1" dirty="0"/>
+              <a:t>an inline container </a:t>
+            </a:r>
+            <a:r>
+              <a:rPr lang="en-US" dirty="0"/>
+              <a:t>used to mark up a part of a text, or a part of a document.</a:t>
+            </a:r>
+          </a:p>
+          <a:p>
+            <a:r>
+              <a:rPr lang="en-US" dirty="0"/>
+              <a:t>The &lt;span&gt; tag is much like the </a:t>
+            </a:r>
+            <a:r>
+              <a:rPr lang="en-US" dirty="0">
+                <a:hlinkClick r:id="rId2"/>
+              </a:rPr>
+              <a:t>&lt;div&gt;</a:t>
+            </a:r>
+            <a:r>
+              <a:rPr lang="en-US" dirty="0"/>
+              <a:t> element, but &lt;div&gt; is a block-level element and &lt;span&gt; is an inline element.</a:t>
+            </a:r>
+          </a:p>
+          <a:p>
+            <a:endParaRPr lang="en-US" dirty="0"/>
+          </a:p>
+        </p:txBody>
+      </p:sp>
+      <p:pic>
+        <p:nvPicPr>
+          <p:cNvPr id="7" name="Picture 6" descr="Graphical user interface, application&#10;&#10;Description automatically generated">
+            <a:extLst>
+              <a:ext uri="{FF2B5EF4-FFF2-40B4-BE49-F238E27FC236}">
+                <a16:creationId xmlns:a16="http://schemas.microsoft.com/office/drawing/2014/main" id="{BCF97FBC-3F32-7F4C-B4B1-FF57061C5612}"/>
+              </a:ext>
+            </a:extLst>
+          </p:cNvPr>
+          <p:cNvPicPr>
+            <a:picLocks noChangeAspect="1"/>
+          </p:cNvPicPr>
+          <p:nvPr/>
+        </p:nvPicPr>
+        <p:blipFill>
+          <a:blip r:embed="rId3"/>
+          <a:stretch>
+            <a:fillRect/>
+          </a:stretch>
+        </p:blipFill>
+        <p:spPr>
+          <a:xfrm>
+            <a:off x="1371599" y="3429000"/>
+            <a:ext cx="10303941" cy="2901110"/>
+          </a:xfrm>
+          <a:prstGeom prst="rect">
+            <a:avLst/>
+          </a:prstGeom>
+        </p:spPr>
+      </p:pic>
+      <p:sp>
+        <p:nvSpPr>
+          <p:cNvPr id="8" name="Frame 7">
+            <a:extLst>
+              <a:ext uri="{FF2B5EF4-FFF2-40B4-BE49-F238E27FC236}">
+                <a16:creationId xmlns:a16="http://schemas.microsoft.com/office/drawing/2014/main" id="{19AC2F3F-9244-A74D-9FE4-44241AE5B230}"/>
+              </a:ext>
+            </a:extLst>
+          </p:cNvPr>
+          <p:cNvSpPr/>
+          <p:nvPr/>
+        </p:nvSpPr>
+        <p:spPr>
+          <a:xfrm>
+            <a:off x="1365440" y="4724725"/>
+            <a:ext cx="5112852" cy="234734"/>
+          </a:xfrm>
+          <a:prstGeom prst="frame">
+            <a:avLst>
+              <a:gd name="adj1" fmla="val 5718"/>
+            </a:avLst>
+          </a:prstGeom>
+          <a:solidFill>
+            <a:srgbClr val="92D050"/>
+          </a:solidFill>
+          <a:ln>
+            <a:solidFill>
+              <a:srgbClr val="00B050"/>
+            </a:solidFill>
+          </a:ln>
+        </p:spPr>
+        <p:style>
+          <a:lnRef idx="2">
+            <a:schemeClr val="accent1">
+              <a:shade val="50000"/>
+            </a:schemeClr>
+          </a:lnRef>
+          <a:fillRef idx="1">
+            <a:schemeClr val="accent1"/>
+          </a:fillRef>
+          <a:effectRef idx="0">
+            <a:schemeClr val="accent1"/>
+          </a:effectRef>
+          <a:fontRef idx="minor">
+            <a:schemeClr val="lt1"/>
+          </a:fontRef>
+        </p:style>
+        <p:txBody>
+          <a:bodyPr rtlCol="0" anchor="ctr"/>
+          <a:lstStyle/>
+          <a:p>
+            <a:pPr algn="ctr"/>
+            <a:endParaRPr lang="en-US">
+              <a:solidFill>
+                <a:schemeClr val="tx1"/>
+              </a:solidFill>
+            </a:endParaRPr>
+          </a:p>
+        </p:txBody>
+      </p:sp>
+    </p:spTree>
+    <p:extLst>
+      <p:ext uri="{BB962C8B-B14F-4D97-AF65-F5344CB8AC3E}">
+        <p14:creationId xmlns:p14="http://schemas.microsoft.com/office/powerpoint/2010/main" val="242464121"/>
+      </p:ext>
+    </p:extLst>
+  </p:cSld>
+  <p:clrMapOvr>
+    <a:masterClrMapping/>
+  </p:clrMapOvr>
+</p:sld>
+</file>
+
+<file path=ppt/slides/slide13.xml><?xml version="1.0" encoding="utf-8"?>
+<p:sld xmlns:a="http://schemas.openxmlformats.org/drawingml/2006/main" xmlns:r="http://schemas.openxmlformats.org/officeDocument/2006/relationships" xmlns:p="http://schemas.openxmlformats.org/presentationml/2006/main">
+  <p:cSld>
+    <p:spTree>
+      <p:nvGrpSpPr>
+        <p:cNvPr id="1" name=""/>
+        <p:cNvGrpSpPr/>
+        <p:nvPr/>
+      </p:nvGrpSpPr>
+      <p:grpSpPr>
+        <a:xfrm>
+          <a:off x="0" y="0"/>
+          <a:ext cx="0" cy="0"/>
+          <a:chOff x="0" y="0"/>
+          <a:chExt cx="0" cy="0"/>
+        </a:xfrm>
+      </p:grpSpPr>
+      <p:sp>
+        <p:nvSpPr>
+          <p:cNvPr id="2" name="Title 1">
+            <a:extLst>
+              <a:ext uri="{FF2B5EF4-FFF2-40B4-BE49-F238E27FC236}">
+                <a16:creationId xmlns:a16="http://schemas.microsoft.com/office/drawing/2014/main" id="{EAE89708-BBBD-0A4D-9222-A2B076606E14}"/>
+              </a:ext>
+            </a:extLst>
+          </p:cNvPr>
+          <p:cNvSpPr>
+            <a:spLocks noGrp="1"/>
+          </p:cNvSpPr>
+          <p:nvPr>
+            <p:ph type="title"/>
+          </p:nvPr>
+        </p:nvSpPr>
+        <p:spPr/>
+        <p:txBody>
+          <a:bodyPr/>
+          <a:lstStyle/>
+          <a:p>
+            <a:r>
+              <a:rPr lang="en-US" dirty="0"/>
+              <a:t>&lt;style&gt;&lt;/style&gt;</a:t>
+            </a:r>
+          </a:p>
+        </p:txBody>
+      </p:sp>
+      <p:sp>
+        <p:nvSpPr>
+          <p:cNvPr id="3" name="Content Placeholder 2">
+            <a:extLst>
+              <a:ext uri="{FF2B5EF4-FFF2-40B4-BE49-F238E27FC236}">
+                <a16:creationId xmlns:a16="http://schemas.microsoft.com/office/drawing/2014/main" id="{08B4F987-F49F-154F-A3FF-8C6AB5A792C9}"/>
+              </a:ext>
+            </a:extLst>
+          </p:cNvPr>
+          <p:cNvSpPr>
+            <a:spLocks noGrp="1"/>
+          </p:cNvSpPr>
+          <p:nvPr>
+            <p:ph idx="1"/>
+          </p:nvPr>
+        </p:nvSpPr>
+        <p:spPr/>
+        <p:txBody>
+          <a:bodyPr/>
+          <a:lstStyle/>
+          <a:p>
+            <a:r>
+              <a:rPr lang="en-US" dirty="0"/>
+              <a:t>The &lt;style&gt; tag is used to define style information (CSS) for a document.</a:t>
+            </a:r>
+          </a:p>
+          <a:p>
+            <a:r>
+              <a:rPr lang="en-US" dirty="0"/>
+              <a:t>Inside the &lt;style&gt; element you specify how HTML elements should render in a browser.</a:t>
+            </a:r>
+          </a:p>
+          <a:p>
+            <a:endParaRPr lang="en-US" dirty="0"/>
+          </a:p>
+        </p:txBody>
+      </p:sp>
+      <p:pic>
+        <p:nvPicPr>
+          <p:cNvPr id="5" name="Picture 4" descr="Graphical user interface, application&#10;&#10;Description automatically generated">
+            <a:extLst>
+              <a:ext uri="{FF2B5EF4-FFF2-40B4-BE49-F238E27FC236}">
+                <a16:creationId xmlns:a16="http://schemas.microsoft.com/office/drawing/2014/main" id="{6C42D48D-6324-BB4A-B9F6-D0AF97391D72}"/>
+              </a:ext>
+            </a:extLst>
+          </p:cNvPr>
+          <p:cNvPicPr>
+            <a:picLocks noChangeAspect="1"/>
+          </p:cNvPicPr>
+          <p:nvPr/>
+        </p:nvPicPr>
+        <p:blipFill>
+          <a:blip r:embed="rId2"/>
+          <a:stretch>
+            <a:fillRect/>
+          </a:stretch>
+        </p:blipFill>
+        <p:spPr>
+          <a:xfrm>
+            <a:off x="1740928" y="2841356"/>
+            <a:ext cx="9245600" cy="3810000"/>
+          </a:xfrm>
+          <a:prstGeom prst="rect">
+            <a:avLst/>
+          </a:prstGeom>
+        </p:spPr>
+      </p:pic>
+      <mc:AlternateContent xmlns:mc="http://schemas.openxmlformats.org/markup-compatibility/2006">
+        <mc:Choice xmlns:p14="http://schemas.microsoft.com/office/powerpoint/2010/main" Requires="p14">
+          <p:contentPart p14:bwMode="auto" r:id="rId3">
+            <p14:nvContentPartPr>
+              <p14:cNvPr id="6" name="Ink 5">
+                <a:extLst>
+                  <a:ext uri="{FF2B5EF4-FFF2-40B4-BE49-F238E27FC236}">
+                    <a16:creationId xmlns:a16="http://schemas.microsoft.com/office/drawing/2014/main" id="{AA440F8F-FB89-7B49-A7F5-1BFEBFD4BDF6}"/>
+                  </a:ext>
+                </a:extLst>
+              </p14:cNvPr>
+              <p14:cNvContentPartPr/>
+              <p14:nvPr/>
+            </p14:nvContentPartPr>
+            <p14:xfrm>
+              <a:off x="1813948" y="3634975"/>
+              <a:ext cx="875520" cy="28440"/>
+            </p14:xfrm>
+          </p:contentPart>
+        </mc:Choice>
+        <mc:Fallback>
+          <p:pic>
+            <p:nvPicPr>
+              <p:cNvPr id="6" name="Ink 5">
+                <a:extLst>
+                  <a:ext uri="{FF2B5EF4-FFF2-40B4-BE49-F238E27FC236}">
+                    <a16:creationId xmlns:a16="http://schemas.microsoft.com/office/drawing/2014/main" id="{AA440F8F-FB89-7B49-A7F5-1BFEBFD4BDF6}"/>
+                  </a:ext>
+                </a:extLst>
+              </p:cNvPr>
+              <p:cNvPicPr/>
+              <p:nvPr/>
+            </p:nvPicPr>
+            <p:blipFill>
+              <a:blip r:embed="rId4"/>
+              <a:stretch>
+                <a:fillRect/>
+              </a:stretch>
+            </p:blipFill>
+            <p:spPr>
+              <a:xfrm>
+                <a:off x="1760308" y="3526975"/>
+                <a:ext cx="983160" cy="244080"/>
+              </a:xfrm>
+              <a:prstGeom prst="rect">
+                <a:avLst/>
+              </a:prstGeom>
+            </p:spPr>
+          </p:pic>
+        </mc:Fallback>
+      </mc:AlternateContent>
+      <mc:AlternateContent xmlns:mc="http://schemas.openxmlformats.org/markup-compatibility/2006">
+        <mc:Choice xmlns:p14="http://schemas.microsoft.com/office/powerpoint/2010/main" Requires="p14">
+          <p:contentPart p14:bwMode="auto" r:id="rId5">
+            <p14:nvContentPartPr>
+              <p14:cNvPr id="7" name="Ink 6">
+                <a:extLst>
+                  <a:ext uri="{FF2B5EF4-FFF2-40B4-BE49-F238E27FC236}">
+                    <a16:creationId xmlns:a16="http://schemas.microsoft.com/office/drawing/2014/main" id="{308041F0-C7B1-2B4C-92B0-BF6520D4E49D}"/>
+                  </a:ext>
+                </a:extLst>
+              </p14:cNvPr>
+              <p14:cNvContentPartPr/>
+              <p14:nvPr/>
+            </p14:nvContentPartPr>
+            <p14:xfrm>
+              <a:off x="1817548" y="4332295"/>
+              <a:ext cx="932760" cy="360"/>
+            </p14:xfrm>
+          </p:contentPart>
+        </mc:Choice>
+        <mc:Fallback>
+          <p:pic>
+            <p:nvPicPr>
+              <p:cNvPr id="7" name="Ink 6">
+                <a:extLst>
+                  <a:ext uri="{FF2B5EF4-FFF2-40B4-BE49-F238E27FC236}">
+                    <a16:creationId xmlns:a16="http://schemas.microsoft.com/office/drawing/2014/main" id="{308041F0-C7B1-2B4C-92B0-BF6520D4E49D}"/>
+                  </a:ext>
+                </a:extLst>
+              </p:cNvPr>
+              <p:cNvPicPr/>
+              <p:nvPr/>
+            </p:nvPicPr>
+            <p:blipFill>
+              <a:blip r:embed="rId6"/>
+              <a:stretch>
+                <a:fillRect/>
+              </a:stretch>
+            </p:blipFill>
+            <p:spPr>
+              <a:xfrm>
+                <a:off x="1763908" y="4224655"/>
+                <a:ext cx="1040400" cy="216000"/>
+              </a:xfrm>
+              <a:prstGeom prst="rect">
+                <a:avLst/>
+              </a:prstGeom>
+            </p:spPr>
+          </p:pic>
+        </mc:Fallback>
+      </mc:AlternateContent>
+    </p:spTree>
+    <p:extLst>
+      <p:ext uri="{BB962C8B-B14F-4D97-AF65-F5344CB8AC3E}">
+        <p14:creationId xmlns:p14="http://schemas.microsoft.com/office/powerpoint/2010/main" val="269008362"/>
+      </p:ext>
+    </p:extLst>
+  </p:cSld>
+  <p:clrMapOvr>
+    <a:masterClrMapping/>
+  </p:clrMapOvr>
+</p:sld>
+</file>
+
+<file path=ppt/slides/slide14.xml><?xml version="1.0" encoding="utf-8"?>
+<p:sld xmlns:a="http://schemas.openxmlformats.org/drawingml/2006/main" xmlns:r="http://schemas.openxmlformats.org/officeDocument/2006/relationships" xmlns:p="http://schemas.openxmlformats.org/presentationml/2006/main">
+  <p:cSld>
+    <p:spTree>
+      <p:nvGrpSpPr>
+        <p:cNvPr id="1" name=""/>
+        <p:cNvGrpSpPr/>
+        <p:nvPr/>
+      </p:nvGrpSpPr>
+      <p:grpSpPr>
+        <a:xfrm>
+          <a:off x="0" y="0"/>
+          <a:ext cx="0" cy="0"/>
+          <a:chOff x="0" y="0"/>
+          <a:chExt cx="0" cy="0"/>
+        </a:xfrm>
+      </p:grpSpPr>
+      <p:sp>
+        <p:nvSpPr>
+          <p:cNvPr id="2" name="Title 1">
+            <a:extLst>
+              <a:ext uri="{FF2B5EF4-FFF2-40B4-BE49-F238E27FC236}">
+                <a16:creationId xmlns:a16="http://schemas.microsoft.com/office/drawing/2014/main" id="{53862E98-59AD-9A4D-9003-2E979448AA1B}"/>
+              </a:ext>
+            </a:extLst>
+          </p:cNvPr>
+          <p:cNvSpPr>
+            <a:spLocks noGrp="1"/>
+          </p:cNvSpPr>
+          <p:nvPr>
+            <p:ph type="title"/>
+          </p:nvPr>
+        </p:nvSpPr>
+        <p:spPr/>
+        <p:txBody>
+          <a:bodyPr/>
+          <a:lstStyle/>
+          <a:p>
+            <a:r>
+              <a:rPr lang="en-US" dirty="0"/>
+              <a:t>CSS Selector</a:t>
+            </a:r>
+          </a:p>
+        </p:txBody>
+      </p:sp>
+      <p:sp>
+        <p:nvSpPr>
+          <p:cNvPr id="3" name="Content Placeholder 2">
+            <a:extLst>
+              <a:ext uri="{FF2B5EF4-FFF2-40B4-BE49-F238E27FC236}">
+                <a16:creationId xmlns:a16="http://schemas.microsoft.com/office/drawing/2014/main" id="{A7CCCC4C-84B2-E44E-B262-3C3BD126C9FE}"/>
+              </a:ext>
+            </a:extLst>
+          </p:cNvPr>
+          <p:cNvSpPr>
+            <a:spLocks noGrp="1"/>
+          </p:cNvSpPr>
+          <p:nvPr>
+            <p:ph idx="1"/>
+          </p:nvPr>
+        </p:nvSpPr>
+        <p:spPr/>
+        <p:txBody>
+          <a:bodyPr/>
+          <a:lstStyle/>
+          <a:p>
+            <a:r>
+              <a:rPr lang="en-US" dirty="0"/>
+              <a:t>3 common CSS selectors: </a:t>
+            </a:r>
+          </a:p>
+          <a:p>
+            <a:pPr lvl="1"/>
+            <a:r>
+              <a:rPr lang="en-US" dirty="0"/>
+              <a:t>Element / Type Selector </a:t>
+            </a:r>
+          </a:p>
+          <a:p>
+            <a:pPr lvl="1"/>
+            <a:r>
+              <a:rPr lang="en-US" dirty="0"/>
+              <a:t>Class Selector</a:t>
+            </a:r>
+          </a:p>
+          <a:p>
+            <a:pPr lvl="1"/>
+            <a:r>
+              <a:rPr lang="en-US" dirty="0"/>
+              <a:t>ID Selector</a:t>
+            </a:r>
+          </a:p>
+          <a:p>
+            <a:r>
+              <a:rPr lang="en-US" dirty="0"/>
+              <a:t>There are also element-specific and descendent selectors which allow us to be more precise</a:t>
+            </a:r>
+          </a:p>
+          <a:p>
+            <a:endParaRPr lang="en-US" dirty="0"/>
+          </a:p>
+          <a:p>
+            <a:r>
+              <a:rPr lang="en-US" dirty="0"/>
+              <a:t>Naming Conventions</a:t>
+            </a:r>
+          </a:p>
+          <a:p>
+            <a:pPr lvl="1"/>
+            <a:r>
+              <a:rPr lang="en-US" dirty="0"/>
+              <a:t>no whitespace or special characters - case-sensitive</a:t>
+            </a:r>
+          </a:p>
+          <a:p>
+            <a:pPr lvl="1"/>
+            <a:r>
+              <a:rPr lang="en-US" dirty="0"/>
+              <a:t>do not start with numbers</a:t>
+            </a:r>
+          </a:p>
+          <a:p>
+            <a:endParaRPr lang="en-US" dirty="0"/>
+          </a:p>
+        </p:txBody>
+      </p:sp>
+    </p:spTree>
+    <p:extLst>
+      <p:ext uri="{BB962C8B-B14F-4D97-AF65-F5344CB8AC3E}">
+        <p14:creationId xmlns:p14="http://schemas.microsoft.com/office/powerpoint/2010/main" val="1939265564"/>
+      </p:ext>
+    </p:extLst>
+  </p:cSld>
+  <p:clrMapOvr>
+    <a:masterClrMapping/>
+  </p:clrMapOvr>
+</p:sld>
+</file>
+
+<file path=ppt/slides/slide15.xml><?xml version="1.0" encoding="utf-8"?>
+<p:sld xmlns:a="http://schemas.openxmlformats.org/drawingml/2006/main" xmlns:r="http://schemas.openxmlformats.org/officeDocument/2006/relationships" xmlns:p="http://schemas.openxmlformats.org/presentationml/2006/main">
+  <p:cSld>
+    <p:spTree>
+      <p:nvGrpSpPr>
+        <p:cNvPr id="1" name=""/>
+        <p:cNvGrpSpPr/>
+        <p:nvPr/>
+      </p:nvGrpSpPr>
+      <p:grpSpPr>
+        <a:xfrm>
+          <a:off x="0" y="0"/>
+          <a:ext cx="0" cy="0"/>
+          <a:chOff x="0" y="0"/>
+          <a:chExt cx="0" cy="0"/>
+        </a:xfrm>
+      </p:grpSpPr>
+      <p:sp>
+        <p:nvSpPr>
+          <p:cNvPr id="2" name="Title 1">
+            <a:extLst>
+              <a:ext uri="{FF2B5EF4-FFF2-40B4-BE49-F238E27FC236}">
+                <a16:creationId xmlns:a16="http://schemas.microsoft.com/office/drawing/2014/main" id="{2EDCB746-E0F0-5240-B411-0C61E7E2D9CC}"/>
+              </a:ext>
+            </a:extLst>
+          </p:cNvPr>
+          <p:cNvSpPr>
+            <a:spLocks noGrp="1"/>
+          </p:cNvSpPr>
+          <p:nvPr>
+            <p:ph type="title"/>
+          </p:nvPr>
+        </p:nvSpPr>
+        <p:spPr/>
+        <p:txBody>
+          <a:bodyPr>
+            <a:normAutofit/>
+          </a:bodyPr>
+          <a:lstStyle/>
+          <a:p>
+            <a:r>
+              <a:rPr lang="en-US" dirty="0"/>
+              <a:t>Element / Type Selector </a:t>
+            </a:r>
+          </a:p>
+        </p:txBody>
+      </p:sp>
+      <p:sp>
+        <p:nvSpPr>
+          <p:cNvPr id="3" name="Content Placeholder 2">
+            <a:extLst>
+              <a:ext uri="{FF2B5EF4-FFF2-40B4-BE49-F238E27FC236}">
+                <a16:creationId xmlns:a16="http://schemas.microsoft.com/office/drawing/2014/main" id="{A24CB5D5-2196-3D42-8136-51BAB2988D55}"/>
+              </a:ext>
+            </a:extLst>
+          </p:cNvPr>
+          <p:cNvSpPr>
+            <a:spLocks noGrp="1"/>
+          </p:cNvSpPr>
+          <p:nvPr>
+            <p:ph idx="1"/>
+          </p:nvPr>
+        </p:nvSpPr>
+        <p:spPr/>
+        <p:txBody>
+          <a:bodyPr/>
+          <a:lstStyle/>
+          <a:p>
+            <a:r>
+              <a:rPr lang="en-US" dirty="0"/>
+              <a:t>Target elements by the element type</a:t>
+            </a:r>
+          </a:p>
+          <a:p>
+            <a:endParaRPr lang="en-US" i="1" dirty="0"/>
+          </a:p>
+          <a:p>
+            <a:r>
+              <a:rPr lang="en-US" b="1" i="1" dirty="0"/>
+              <a:t>Example:</a:t>
+            </a:r>
+          </a:p>
+          <a:p>
+            <a:pPr marL="0" indent="0">
+              <a:buNone/>
+            </a:pPr>
+            <a:r>
+              <a:rPr lang="en-US" i="1" dirty="0"/>
+              <a:t>     target all &lt;div&gt; elements using a type selector of div</a:t>
+            </a:r>
+            <a:endParaRPr lang="en-US" dirty="0"/>
+          </a:p>
+          <a:p>
+            <a:r>
+              <a:rPr lang="en-US" b="1" dirty="0"/>
+              <a:t>CSS </a:t>
+            </a:r>
+          </a:p>
+          <a:p>
+            <a:pPr marL="530352" lvl="1" indent="0">
+              <a:buNone/>
+            </a:pPr>
+            <a:r>
+              <a:rPr lang="en-US" dirty="0"/>
+              <a:t>     div { ... }</a:t>
+            </a:r>
+          </a:p>
+          <a:p>
+            <a:r>
+              <a:rPr lang="en-US" b="1" dirty="0"/>
+              <a:t>HTML </a:t>
+            </a:r>
+          </a:p>
+          <a:p>
+            <a:pPr marL="530352" lvl="1" indent="0">
+              <a:buNone/>
+            </a:pPr>
+            <a:r>
+              <a:rPr lang="en-US" dirty="0"/>
+              <a:t>     &lt;div&gt;...&lt;/div&gt; </a:t>
+            </a:r>
+          </a:p>
+          <a:p>
+            <a:pPr marL="530352" lvl="1" indent="0">
+              <a:buNone/>
+            </a:pPr>
+            <a:r>
+              <a:rPr lang="en-US" dirty="0"/>
+              <a:t>     &lt;div&gt;...&lt;/div&gt;</a:t>
+            </a:r>
+          </a:p>
+          <a:p>
+            <a:endParaRPr lang="en-US" dirty="0"/>
+          </a:p>
+        </p:txBody>
+      </p:sp>
+    </p:spTree>
+    <p:extLst>
+      <p:ext uri="{BB962C8B-B14F-4D97-AF65-F5344CB8AC3E}">
+        <p14:creationId xmlns:p14="http://schemas.microsoft.com/office/powerpoint/2010/main" val="3712319343"/>
+      </p:ext>
+    </p:extLst>
+  </p:cSld>
+  <p:clrMapOvr>
+    <a:masterClrMapping/>
+  </p:clrMapOvr>
+</p:sld>
+</file>
+
+<file path=ppt/slides/slide16.xml><?xml version="1.0" encoding="utf-8"?>
+<p:sld xmlns:a="http://schemas.openxmlformats.org/drawingml/2006/main" xmlns:r="http://schemas.openxmlformats.org/officeDocument/2006/relationships" xmlns:p="http://schemas.openxmlformats.org/presentationml/2006/main">
+  <p:cSld>
+    <p:spTree>
+      <p:nvGrpSpPr>
+        <p:cNvPr id="1" name=""/>
+        <p:cNvGrpSpPr/>
+        <p:nvPr/>
+      </p:nvGrpSpPr>
+      <p:grpSpPr>
+        <a:xfrm>
+          <a:off x="0" y="0"/>
+          <a:ext cx="0" cy="0"/>
+          <a:chOff x="0" y="0"/>
+          <a:chExt cx="0" cy="0"/>
+        </a:xfrm>
+      </p:grpSpPr>
+      <p:sp>
+        <p:nvSpPr>
+          <p:cNvPr id="2" name="Title 1">
+            <a:extLst>
+              <a:ext uri="{FF2B5EF4-FFF2-40B4-BE49-F238E27FC236}">
+                <a16:creationId xmlns:a16="http://schemas.microsoft.com/office/drawing/2014/main" id="{C1DAE6BA-E756-4D40-86B5-0E7A328FF5AC}"/>
+              </a:ext>
+            </a:extLst>
+          </p:cNvPr>
+          <p:cNvSpPr>
+            <a:spLocks noGrp="1"/>
+          </p:cNvSpPr>
+          <p:nvPr>
+            <p:ph type="title"/>
+          </p:nvPr>
+        </p:nvSpPr>
+        <p:spPr/>
+        <p:txBody>
+          <a:bodyPr/>
+          <a:lstStyle/>
+          <a:p>
+            <a:r>
+              <a:rPr lang="en-US" dirty="0"/>
+              <a:t>Class Selector</a:t>
+            </a:r>
+          </a:p>
+        </p:txBody>
+      </p:sp>
+      <p:sp>
+        <p:nvSpPr>
+          <p:cNvPr id="3" name="Content Placeholder 2">
+            <a:extLst>
+              <a:ext uri="{FF2B5EF4-FFF2-40B4-BE49-F238E27FC236}">
+                <a16:creationId xmlns:a16="http://schemas.microsoft.com/office/drawing/2014/main" id="{05C0D4FF-238C-6745-93D0-E28E355FBED2}"/>
+              </a:ext>
+            </a:extLst>
+          </p:cNvPr>
+          <p:cNvSpPr>
+            <a:spLocks noGrp="1"/>
+          </p:cNvSpPr>
+          <p:nvPr>
+            <p:ph idx="1"/>
+          </p:nvPr>
+        </p:nvSpPr>
+        <p:spPr/>
+        <p:txBody>
+          <a:bodyPr/>
+          <a:lstStyle/>
+          <a:p>
+            <a:r>
+              <a:rPr lang="en-US" dirty="0"/>
+              <a:t>Select an element based on the element’s class attribute value</a:t>
+            </a:r>
+          </a:p>
+          <a:p>
+            <a:pPr lvl="1"/>
+            <a:r>
+              <a:rPr lang="en-US" i="1" dirty="0"/>
+              <a:t>a little more specific than type selectors</a:t>
+            </a:r>
+            <a:endParaRPr lang="en-US" dirty="0"/>
+          </a:p>
+          <a:p>
+            <a:pPr lvl="1"/>
+            <a:r>
+              <a:rPr lang="en-US" i="1" dirty="0"/>
+              <a:t>select particular elements rather than all elements of a type</a:t>
+            </a:r>
+            <a:endParaRPr lang="en-US" dirty="0"/>
+          </a:p>
+          <a:p>
+            <a:pPr lvl="1"/>
+            <a:r>
+              <a:rPr lang="en-US" i="1" dirty="0"/>
+              <a:t>apply the same styles to different elements by using the same class attribute value</a:t>
+            </a:r>
+            <a:endParaRPr lang="en-US" dirty="0"/>
+          </a:p>
+          <a:p>
+            <a:r>
+              <a:rPr lang="en-US" dirty="0"/>
+              <a:t>Denoted by a leading period </a:t>
+            </a:r>
+            <a:r>
+              <a:rPr lang="en-US" dirty="0">
+                <a:highlight>
+                  <a:srgbClr val="FFFF00"/>
+                </a:highlight>
+              </a:rPr>
+              <a:t>.</a:t>
+            </a:r>
+            <a:r>
+              <a:rPr lang="en-US" dirty="0"/>
+              <a:t>, followed by the class attribute value</a:t>
+            </a:r>
+          </a:p>
+          <a:p>
+            <a:r>
+              <a:rPr lang="en-US" b="1" dirty="0"/>
+              <a:t>CSS </a:t>
+            </a:r>
+          </a:p>
+          <a:p>
+            <a:pPr marL="530352" lvl="1" indent="0">
+              <a:buNone/>
+            </a:pPr>
+            <a:r>
+              <a:rPr lang="en-US" dirty="0"/>
+              <a:t>     </a:t>
+            </a:r>
+            <a:r>
+              <a:rPr lang="en-US" dirty="0">
+                <a:highlight>
+                  <a:srgbClr val="FFFF00"/>
+                </a:highlight>
+              </a:rPr>
+              <a:t>.</a:t>
+            </a:r>
+            <a:r>
+              <a:rPr lang="en-US" dirty="0"/>
+              <a:t>awesome { ... }</a:t>
+            </a:r>
+          </a:p>
+          <a:p>
+            <a:r>
+              <a:rPr lang="en-US" b="1" dirty="0"/>
+              <a:t>HTML</a:t>
+            </a:r>
+          </a:p>
+          <a:p>
+            <a:pPr marL="530352" lvl="1" indent="0">
+              <a:buNone/>
+            </a:pPr>
+            <a:r>
+              <a:rPr lang="en-US" dirty="0"/>
+              <a:t>     &lt;div class="awesome"&gt;...&lt;/div&gt; &lt;p class="awesome"&gt;...&lt;/p&gt;</a:t>
+            </a:r>
+          </a:p>
+          <a:p>
+            <a:endParaRPr lang="en-US" dirty="0"/>
+          </a:p>
+        </p:txBody>
+      </p:sp>
+    </p:spTree>
+    <p:extLst>
+      <p:ext uri="{BB962C8B-B14F-4D97-AF65-F5344CB8AC3E}">
+        <p14:creationId xmlns:p14="http://schemas.microsoft.com/office/powerpoint/2010/main" val="1509836319"/>
+      </p:ext>
+    </p:extLst>
+  </p:cSld>
+  <p:clrMapOvr>
+    <a:masterClrMapping/>
+  </p:clrMapOvr>
+</p:sld>
+</file>
+
+<file path=ppt/slides/slide17.xml><?xml version="1.0" encoding="utf-8"?>
+<p:sld xmlns:a="http://schemas.openxmlformats.org/drawingml/2006/main" xmlns:r="http://schemas.openxmlformats.org/officeDocument/2006/relationships" xmlns:p="http://schemas.openxmlformats.org/presentationml/2006/main">
+  <p:cSld>
+    <p:spTree>
+      <p:nvGrpSpPr>
+        <p:cNvPr id="1" name=""/>
+        <p:cNvGrpSpPr/>
+        <p:nvPr/>
+      </p:nvGrpSpPr>
+      <p:grpSpPr>
+        <a:xfrm>
+          <a:off x="0" y="0"/>
+          <a:ext cx="0" cy="0"/>
+          <a:chOff x="0" y="0"/>
+          <a:chExt cx="0" cy="0"/>
+        </a:xfrm>
+      </p:grpSpPr>
+      <p:sp>
+        <p:nvSpPr>
+          <p:cNvPr id="2" name="Title 1">
+            <a:extLst>
+              <a:ext uri="{FF2B5EF4-FFF2-40B4-BE49-F238E27FC236}">
+                <a16:creationId xmlns:a16="http://schemas.microsoft.com/office/drawing/2014/main" id="{28EE7F00-133C-2445-B454-8C431F414D68}"/>
+              </a:ext>
+            </a:extLst>
+          </p:cNvPr>
+          <p:cNvSpPr>
+            <a:spLocks noGrp="1"/>
+          </p:cNvSpPr>
+          <p:nvPr>
+            <p:ph type="title"/>
+          </p:nvPr>
+        </p:nvSpPr>
+        <p:spPr/>
+        <p:txBody>
+          <a:bodyPr/>
+          <a:lstStyle/>
+          <a:p>
+            <a:r>
+              <a:rPr lang="en-US" dirty="0"/>
+              <a:t>ID Selector</a:t>
+            </a:r>
+          </a:p>
+        </p:txBody>
+      </p:sp>
+      <p:sp>
+        <p:nvSpPr>
+          <p:cNvPr id="3" name="Content Placeholder 2">
+            <a:extLst>
+              <a:ext uri="{FF2B5EF4-FFF2-40B4-BE49-F238E27FC236}">
+                <a16:creationId xmlns:a16="http://schemas.microsoft.com/office/drawing/2014/main" id="{07A6F595-902C-1940-AE3E-6FB09983D4FA}"/>
+              </a:ext>
+            </a:extLst>
+          </p:cNvPr>
+          <p:cNvSpPr>
+            <a:spLocks noGrp="1"/>
+          </p:cNvSpPr>
+          <p:nvPr>
+            <p:ph idx="1"/>
+          </p:nvPr>
+        </p:nvSpPr>
+        <p:spPr/>
+        <p:txBody>
+          <a:bodyPr>
+            <a:normAutofit/>
+          </a:bodyPr>
+          <a:lstStyle/>
+          <a:p>
+            <a:r>
+              <a:rPr lang="en-US" dirty="0"/>
+              <a:t>Target only one unique element at a time</a:t>
+            </a:r>
+          </a:p>
+          <a:p>
+            <a:pPr lvl="1"/>
+            <a:r>
+              <a:rPr lang="en-US" i="1" dirty="0"/>
+              <a:t>even more precise than class selectors</a:t>
+            </a:r>
+            <a:endParaRPr lang="en-US" dirty="0"/>
+          </a:p>
+          <a:p>
+            <a:pPr lvl="1"/>
+            <a:r>
+              <a:rPr lang="en-US" i="1" dirty="0"/>
+              <a:t>use an element’s id attribute value as a selector</a:t>
+            </a:r>
+            <a:endParaRPr lang="en-US" dirty="0"/>
+          </a:p>
+          <a:p>
+            <a:r>
+              <a:rPr lang="en-US" dirty="0"/>
+              <a:t>id attribute values can only be used once per page</a:t>
+            </a:r>
+          </a:p>
+          <a:p>
+            <a:pPr lvl="1"/>
+            <a:r>
+              <a:rPr lang="en-US" i="1" dirty="0"/>
+              <a:t>should be reserved for significant elements</a:t>
+            </a:r>
+            <a:endParaRPr lang="en-US" dirty="0"/>
+          </a:p>
+          <a:p>
+            <a:r>
+              <a:rPr lang="en-US" dirty="0"/>
+              <a:t>Denoted by a leading hash sign </a:t>
+            </a:r>
+            <a:r>
+              <a:rPr lang="en-US" dirty="0">
+                <a:highlight>
+                  <a:srgbClr val="FFFF00"/>
+                </a:highlight>
+              </a:rPr>
+              <a:t>#</a:t>
+            </a:r>
+            <a:r>
+              <a:rPr lang="en-US" dirty="0"/>
+              <a:t>, followed by the id attribute value</a:t>
+            </a:r>
+          </a:p>
+          <a:p>
+            <a:r>
+              <a:rPr lang="en-US" b="1" dirty="0"/>
+              <a:t>CSS</a:t>
+            </a:r>
+            <a:r>
+              <a:rPr lang="en-US" dirty="0"/>
+              <a:t> </a:t>
+            </a:r>
+          </a:p>
+          <a:p>
+            <a:pPr marL="530352" lvl="1" indent="0">
+              <a:buNone/>
+            </a:pPr>
+            <a:r>
+              <a:rPr lang="en-US" dirty="0"/>
+              <a:t>     </a:t>
+            </a:r>
+            <a:r>
+              <a:rPr lang="en-US" dirty="0">
+                <a:highlight>
+                  <a:srgbClr val="FFFF00"/>
+                </a:highlight>
+              </a:rPr>
+              <a:t>#</a:t>
+            </a:r>
+            <a:r>
+              <a:rPr lang="en-US" dirty="0"/>
+              <a:t>wrapper { ... }</a:t>
+            </a:r>
+          </a:p>
+          <a:p>
+            <a:r>
+              <a:rPr lang="en-US" b="1" dirty="0"/>
+              <a:t>HTML</a:t>
+            </a:r>
+          </a:p>
+          <a:p>
+            <a:pPr marL="530352" lvl="1" indent="0">
+              <a:buNone/>
+            </a:pPr>
+            <a:r>
+              <a:rPr lang="en-US" dirty="0"/>
+              <a:t>     &lt;div id="wrapper"&gt;...&lt;/div&gt;</a:t>
+            </a:r>
+          </a:p>
+          <a:p>
+            <a:endParaRPr lang="en-US" dirty="0"/>
+          </a:p>
+        </p:txBody>
+      </p:sp>
+    </p:spTree>
+    <p:extLst>
+      <p:ext uri="{BB962C8B-B14F-4D97-AF65-F5344CB8AC3E}">
+        <p14:creationId xmlns:p14="http://schemas.microsoft.com/office/powerpoint/2010/main" val="3116959413"/>
+      </p:ext>
+    </p:extLst>
+  </p:cSld>
+  <p:clrMapOvr>
+    <a:masterClrMapping/>
+  </p:clrMapOvr>
+</p:sld>
+</file>
+
+<file path=ppt/slides/slide18.xml><?xml version="1.0" encoding="utf-8"?>
+<p:sld xmlns:a="http://schemas.openxmlformats.org/drawingml/2006/main" xmlns:r="http://schemas.openxmlformats.org/officeDocument/2006/relationships" xmlns:p="http://schemas.openxmlformats.org/presentationml/2006/main">
+  <p:cSld>
+    <p:spTree>
+      <p:nvGrpSpPr>
+        <p:cNvPr id="1" name=""/>
+        <p:cNvGrpSpPr/>
+        <p:nvPr/>
+      </p:nvGrpSpPr>
+      <p:grpSpPr>
+        <a:xfrm>
+          <a:off x="0" y="0"/>
+          <a:ext cx="0" cy="0"/>
+          <a:chOff x="0" y="0"/>
+          <a:chExt cx="0" cy="0"/>
+        </a:xfrm>
+      </p:grpSpPr>
+      <p:sp>
+        <p:nvSpPr>
+          <p:cNvPr id="2" name="Title 1">
+            <a:extLst>
+              <a:ext uri="{FF2B5EF4-FFF2-40B4-BE49-F238E27FC236}">
+                <a16:creationId xmlns:a16="http://schemas.microsoft.com/office/drawing/2014/main" id="{EAE89708-BBBD-0A4D-9222-A2B076606E14}"/>
+              </a:ext>
+            </a:extLst>
+          </p:cNvPr>
+          <p:cNvSpPr>
+            <a:spLocks noGrp="1"/>
+          </p:cNvSpPr>
+          <p:nvPr>
+            <p:ph type="title"/>
+          </p:nvPr>
+        </p:nvSpPr>
+        <p:spPr/>
+        <p:txBody>
+          <a:bodyPr/>
+          <a:lstStyle/>
+          <a:p>
+            <a:r>
+              <a:rPr lang="en-US" dirty="0"/>
+              <a:t>&lt;style&gt;&lt;/style&gt;</a:t>
+            </a:r>
+          </a:p>
+        </p:txBody>
+      </p:sp>
+      <p:sp>
+        <p:nvSpPr>
+          <p:cNvPr id="3" name="Content Placeholder 2">
+            <a:extLst>
+              <a:ext uri="{FF2B5EF4-FFF2-40B4-BE49-F238E27FC236}">
+                <a16:creationId xmlns:a16="http://schemas.microsoft.com/office/drawing/2014/main" id="{08B4F987-F49F-154F-A3FF-8C6AB5A792C9}"/>
+              </a:ext>
+            </a:extLst>
+          </p:cNvPr>
+          <p:cNvSpPr>
+            <a:spLocks noGrp="1"/>
+          </p:cNvSpPr>
+          <p:nvPr>
+            <p:ph idx="1"/>
+          </p:nvPr>
+        </p:nvSpPr>
+        <p:spPr/>
+        <p:txBody>
+          <a:bodyPr/>
+          <a:lstStyle/>
+          <a:p>
+            <a:r>
+              <a:rPr lang="en-US" dirty="0"/>
+              <a:t>The &lt;style&gt; tag is used to define style information (CSS) for a document.</a:t>
+            </a:r>
+          </a:p>
+          <a:p>
+            <a:r>
+              <a:rPr lang="en-US" dirty="0"/>
+              <a:t>Inside the &lt;style&gt; element you specify how HTML elements should render in a browser.</a:t>
+            </a:r>
+          </a:p>
+          <a:p>
+            <a:endParaRPr lang="en-US" dirty="0"/>
+          </a:p>
+        </p:txBody>
+      </p:sp>
+      <p:pic>
+        <p:nvPicPr>
+          <p:cNvPr id="5" name="Picture 4" descr="Graphical user interface, application&#10;&#10;Description automatically generated">
+            <a:extLst>
+              <a:ext uri="{FF2B5EF4-FFF2-40B4-BE49-F238E27FC236}">
+                <a16:creationId xmlns:a16="http://schemas.microsoft.com/office/drawing/2014/main" id="{6C42D48D-6324-BB4A-B9F6-D0AF97391D72}"/>
+              </a:ext>
+            </a:extLst>
+          </p:cNvPr>
+          <p:cNvPicPr>
+            <a:picLocks noChangeAspect="1"/>
+          </p:cNvPicPr>
+          <p:nvPr/>
+        </p:nvPicPr>
+        <p:blipFill>
+          <a:blip r:embed="rId2"/>
+          <a:stretch>
+            <a:fillRect/>
+          </a:stretch>
+        </p:blipFill>
+        <p:spPr>
+          <a:xfrm>
+            <a:off x="1740928" y="2841356"/>
+            <a:ext cx="9245600" cy="3810000"/>
+          </a:xfrm>
+          <a:prstGeom prst="rect">
+            <a:avLst/>
+          </a:prstGeom>
+        </p:spPr>
+      </p:pic>
+      <mc:AlternateContent xmlns:mc="http://schemas.openxmlformats.org/markup-compatibility/2006">
+        <mc:Choice xmlns:p14="http://schemas.microsoft.com/office/powerpoint/2010/main" Requires="p14">
+          <p:contentPart p14:bwMode="auto" r:id="rId3">
+            <p14:nvContentPartPr>
+              <p14:cNvPr id="6" name="Ink 5">
+                <a:extLst>
+                  <a:ext uri="{FF2B5EF4-FFF2-40B4-BE49-F238E27FC236}">
+                    <a16:creationId xmlns:a16="http://schemas.microsoft.com/office/drawing/2014/main" id="{AA440F8F-FB89-7B49-A7F5-1BFEBFD4BDF6}"/>
+                  </a:ext>
+                </a:extLst>
+              </p14:cNvPr>
+              <p14:cNvContentPartPr/>
+              <p14:nvPr/>
+            </p14:nvContentPartPr>
+            <p14:xfrm>
+              <a:off x="1813948" y="3634975"/>
+              <a:ext cx="875520" cy="28440"/>
+            </p14:xfrm>
+          </p:contentPart>
+        </mc:Choice>
+        <mc:Fallback>
+          <p:pic>
+            <p:nvPicPr>
+              <p:cNvPr id="6" name="Ink 5">
+                <a:extLst>
+                  <a:ext uri="{FF2B5EF4-FFF2-40B4-BE49-F238E27FC236}">
+                    <a16:creationId xmlns:a16="http://schemas.microsoft.com/office/drawing/2014/main" id="{AA440F8F-FB89-7B49-A7F5-1BFEBFD4BDF6}"/>
+                  </a:ext>
+                </a:extLst>
+              </p:cNvPr>
+              <p:cNvPicPr/>
+              <p:nvPr/>
+            </p:nvPicPr>
+            <p:blipFill>
+              <a:blip r:embed="rId4"/>
+              <a:stretch>
+                <a:fillRect/>
+              </a:stretch>
+            </p:blipFill>
+            <p:spPr>
+              <a:xfrm>
+                <a:off x="1760308" y="3526975"/>
+                <a:ext cx="983160" cy="244080"/>
+              </a:xfrm>
+              <a:prstGeom prst="rect">
+                <a:avLst/>
+              </a:prstGeom>
+            </p:spPr>
+          </p:pic>
+        </mc:Fallback>
+      </mc:AlternateContent>
+      <mc:AlternateContent xmlns:mc="http://schemas.openxmlformats.org/markup-compatibility/2006">
+        <mc:Choice xmlns:p14="http://schemas.microsoft.com/office/powerpoint/2010/main" Requires="p14">
+          <p:contentPart p14:bwMode="auto" r:id="rId5">
+            <p14:nvContentPartPr>
+              <p14:cNvPr id="7" name="Ink 6">
+                <a:extLst>
+                  <a:ext uri="{FF2B5EF4-FFF2-40B4-BE49-F238E27FC236}">
+                    <a16:creationId xmlns:a16="http://schemas.microsoft.com/office/drawing/2014/main" id="{308041F0-C7B1-2B4C-92B0-BF6520D4E49D}"/>
+                  </a:ext>
+                </a:extLst>
+              </p14:cNvPr>
+              <p14:cNvContentPartPr/>
+              <p14:nvPr/>
+            </p14:nvContentPartPr>
+            <p14:xfrm>
+              <a:off x="1817548" y="4332295"/>
+              <a:ext cx="932760" cy="360"/>
+            </p14:xfrm>
+          </p:contentPart>
+        </mc:Choice>
+        <mc:Fallback>
+          <p:pic>
+            <p:nvPicPr>
+              <p:cNvPr id="7" name="Ink 6">
+                <a:extLst>
+                  <a:ext uri="{FF2B5EF4-FFF2-40B4-BE49-F238E27FC236}">
+                    <a16:creationId xmlns:a16="http://schemas.microsoft.com/office/drawing/2014/main" id="{308041F0-C7B1-2B4C-92B0-BF6520D4E49D}"/>
+                  </a:ext>
+                </a:extLst>
+              </p:cNvPr>
+              <p:cNvPicPr/>
+              <p:nvPr/>
+            </p:nvPicPr>
+            <p:blipFill>
+              <a:blip r:embed="rId6"/>
+              <a:stretch>
+                <a:fillRect/>
+              </a:stretch>
+            </p:blipFill>
+            <p:spPr>
+              <a:xfrm>
+                <a:off x="1763908" y="4224655"/>
+                <a:ext cx="1040400" cy="216000"/>
+              </a:xfrm>
+              <a:prstGeom prst="rect">
+                <a:avLst/>
+              </a:prstGeom>
+            </p:spPr>
+          </p:pic>
+        </mc:Fallback>
+      </mc:AlternateContent>
+    </p:spTree>
+    <p:extLst>
+      <p:ext uri="{BB962C8B-B14F-4D97-AF65-F5344CB8AC3E}">
+        <p14:creationId xmlns:p14="http://schemas.microsoft.com/office/powerpoint/2010/main" val="1456546389"/>
+      </p:ext>
+    </p:extLst>
+  </p:cSld>
+  <p:clrMapOvr>
+    <a:masterClrMapping/>
+  </p:clrMapOvr>
+</p:sld>
+</file>
+
+<file path=ppt/slides/slide19.xml><?xml version="1.0" encoding="utf-8"?>
+<p:sld xmlns:a="http://schemas.openxmlformats.org/drawingml/2006/main" xmlns:r="http://schemas.openxmlformats.org/officeDocument/2006/relationships" xmlns:p="http://schemas.openxmlformats.org/presentationml/2006/main">
+  <p:cSld>
+    <p:spTree>
+      <p:nvGrpSpPr>
+        <p:cNvPr id="1" name=""/>
+        <p:cNvGrpSpPr/>
+        <p:nvPr/>
+      </p:nvGrpSpPr>
+      <p:grpSpPr>
+        <a:xfrm>
+          <a:off x="0" y="0"/>
+          <a:ext cx="0" cy="0"/>
+          <a:chOff x="0" y="0"/>
+          <a:chExt cx="0" cy="0"/>
+        </a:xfrm>
+      </p:grpSpPr>
+      <p:sp>
+        <p:nvSpPr>
+          <p:cNvPr id="2" name="Title 1">
+            <a:extLst>
+              <a:ext uri="{FF2B5EF4-FFF2-40B4-BE49-F238E27FC236}">
+                <a16:creationId xmlns:a16="http://schemas.microsoft.com/office/drawing/2014/main" id="{320B01F7-E336-AE41-A8A1-E8066DA028F6}"/>
+              </a:ext>
+            </a:extLst>
+          </p:cNvPr>
+          <p:cNvSpPr>
+            <a:spLocks noGrp="1"/>
+          </p:cNvSpPr>
+          <p:nvPr>
+            <p:ph type="title"/>
+          </p:nvPr>
+        </p:nvSpPr>
+        <p:spPr/>
+        <p:txBody>
+          <a:bodyPr/>
+          <a:lstStyle/>
+          <a:p>
+            <a:r>
+              <a:rPr lang="en-US" dirty="0"/>
+              <a:t>&lt;script&gt;&lt;/script&gt;</a:t>
+            </a:r>
+          </a:p>
+        </p:txBody>
+      </p:sp>
+      <p:sp>
+        <p:nvSpPr>
+          <p:cNvPr id="3" name="Content Placeholder 2">
+            <a:extLst>
+              <a:ext uri="{FF2B5EF4-FFF2-40B4-BE49-F238E27FC236}">
+                <a16:creationId xmlns:a16="http://schemas.microsoft.com/office/drawing/2014/main" id="{03ABC828-7DD3-0841-971A-B0CEFDAE2C40}"/>
+              </a:ext>
+            </a:extLst>
+          </p:cNvPr>
+          <p:cNvSpPr>
+            <a:spLocks noGrp="1"/>
+          </p:cNvSpPr>
+          <p:nvPr>
+            <p:ph idx="1"/>
+          </p:nvPr>
+        </p:nvSpPr>
+        <p:spPr/>
+        <p:txBody>
+          <a:bodyPr/>
+          <a:lstStyle/>
+          <a:p>
+            <a:r>
+              <a:rPr lang="en-US" dirty="0"/>
+              <a:t>The &lt;script&gt; tag is used to embed a client-side script (JavaScript).</a:t>
+            </a:r>
+          </a:p>
+          <a:p>
+            <a:r>
+              <a:rPr lang="en-US" dirty="0"/>
+              <a:t>The &lt;script&gt; element either contains scripting statements, or it points to an external script file through the </a:t>
+            </a:r>
+            <a:r>
+              <a:rPr lang="en-US" dirty="0" err="1"/>
+              <a:t>src</a:t>
+            </a:r>
+            <a:r>
+              <a:rPr lang="en-US" dirty="0"/>
+              <a:t> attribute.</a:t>
+            </a:r>
+          </a:p>
+          <a:p>
+            <a:r>
+              <a:rPr lang="en-US" dirty="0"/>
+              <a:t>Common uses for JavaScript are image manipulation, form validation, and dynamic changes of content.</a:t>
+            </a:r>
+          </a:p>
+          <a:p>
+            <a:endParaRPr lang="en-US" dirty="0"/>
+          </a:p>
+        </p:txBody>
+      </p:sp>
+      <p:pic>
+        <p:nvPicPr>
+          <p:cNvPr id="5" name="Picture 4" descr="Graphical user interface, text, application&#10;&#10;Description automatically generated">
+            <a:extLst>
+              <a:ext uri="{FF2B5EF4-FFF2-40B4-BE49-F238E27FC236}">
+                <a16:creationId xmlns:a16="http://schemas.microsoft.com/office/drawing/2014/main" id="{D6442A65-AF72-0D4A-808F-7C7B8AE1AD74}"/>
+              </a:ext>
+            </a:extLst>
+          </p:cNvPr>
+          <p:cNvPicPr>
+            <a:picLocks noChangeAspect="1"/>
+          </p:cNvPicPr>
+          <p:nvPr/>
+        </p:nvPicPr>
+        <p:blipFill>
+          <a:blip r:embed="rId2"/>
+          <a:stretch>
+            <a:fillRect/>
+          </a:stretch>
+        </p:blipFill>
+        <p:spPr>
+          <a:xfrm>
+            <a:off x="2211659" y="3673589"/>
+            <a:ext cx="7768681" cy="3184411"/>
+          </a:xfrm>
+          <a:prstGeom prst="rect">
+            <a:avLst/>
+          </a:prstGeom>
+        </p:spPr>
+      </p:pic>
+      <mc:AlternateContent xmlns:mc="http://schemas.openxmlformats.org/markup-compatibility/2006">
+        <mc:Choice xmlns:p14="http://schemas.microsoft.com/office/powerpoint/2010/main" Requires="p14">
+          <p:contentPart p14:bwMode="auto" r:id="rId3">
+            <p14:nvContentPartPr>
+              <p14:cNvPr id="6" name="Ink 5">
+                <a:extLst>
+                  <a:ext uri="{FF2B5EF4-FFF2-40B4-BE49-F238E27FC236}">
+                    <a16:creationId xmlns:a16="http://schemas.microsoft.com/office/drawing/2014/main" id="{797E212D-FF31-3744-A979-786EB05DEE2E}"/>
+                  </a:ext>
+                </a:extLst>
+              </p14:cNvPr>
+              <p14:cNvContentPartPr/>
+              <p14:nvPr/>
+            </p14:nvContentPartPr>
+            <p14:xfrm>
+              <a:off x="2255589" y="5318695"/>
+              <a:ext cx="789480" cy="18000"/>
+            </p14:xfrm>
+          </p:contentPart>
+        </mc:Choice>
+        <mc:Fallback>
+          <p:pic>
+            <p:nvPicPr>
+              <p:cNvPr id="6" name="Ink 5">
+                <a:extLst>
+                  <a:ext uri="{FF2B5EF4-FFF2-40B4-BE49-F238E27FC236}">
+                    <a16:creationId xmlns:a16="http://schemas.microsoft.com/office/drawing/2014/main" id="{797E212D-FF31-3744-A979-786EB05DEE2E}"/>
+                  </a:ext>
+                </a:extLst>
+              </p:cNvPr>
+              <p:cNvPicPr/>
+              <p:nvPr/>
+            </p:nvPicPr>
+            <p:blipFill>
+              <a:blip r:embed="rId4"/>
+              <a:stretch>
+                <a:fillRect/>
+              </a:stretch>
+            </p:blipFill>
+            <p:spPr>
+              <a:xfrm>
+                <a:off x="2201589" y="5210695"/>
+                <a:ext cx="897120" cy="233640"/>
+              </a:xfrm>
+              <a:prstGeom prst="rect">
+                <a:avLst/>
+              </a:prstGeom>
+            </p:spPr>
+          </p:pic>
+        </mc:Fallback>
+      </mc:AlternateContent>
+      <mc:AlternateContent xmlns:mc="http://schemas.openxmlformats.org/markup-compatibility/2006">
+        <mc:Choice xmlns:p14="http://schemas.microsoft.com/office/powerpoint/2010/main" Requires="p14">
+          <p:contentPart p14:bwMode="auto" r:id="rId5">
+            <p14:nvContentPartPr>
+              <p14:cNvPr id="7" name="Ink 6">
+                <a:extLst>
+                  <a:ext uri="{FF2B5EF4-FFF2-40B4-BE49-F238E27FC236}">
+                    <a16:creationId xmlns:a16="http://schemas.microsoft.com/office/drawing/2014/main" id="{837C9B98-DDB3-E542-AE72-43BC6A756546}"/>
+                  </a:ext>
+                </a:extLst>
+              </p14:cNvPr>
+              <p14:cNvContentPartPr/>
+              <p14:nvPr/>
+            </p14:nvContentPartPr>
+            <p14:xfrm>
+              <a:off x="2277189" y="5942935"/>
+              <a:ext cx="909000" cy="42840"/>
+            </p14:xfrm>
+          </p:contentPart>
+        </mc:Choice>
+        <mc:Fallback>
+          <p:pic>
+            <p:nvPicPr>
+              <p:cNvPr id="7" name="Ink 6">
+                <a:extLst>
+                  <a:ext uri="{FF2B5EF4-FFF2-40B4-BE49-F238E27FC236}">
+                    <a16:creationId xmlns:a16="http://schemas.microsoft.com/office/drawing/2014/main" id="{837C9B98-DDB3-E542-AE72-43BC6A756546}"/>
+                  </a:ext>
+                </a:extLst>
+              </p:cNvPr>
+              <p:cNvPicPr/>
+              <p:nvPr/>
+            </p:nvPicPr>
+            <p:blipFill>
+              <a:blip r:embed="rId6"/>
+              <a:stretch>
+                <a:fillRect/>
+              </a:stretch>
+            </p:blipFill>
+            <p:spPr>
+              <a:xfrm>
+                <a:off x="2223549" y="5834935"/>
+                <a:ext cx="1016640" cy="258480"/>
+              </a:xfrm>
+              <a:prstGeom prst="rect">
+                <a:avLst/>
+              </a:prstGeom>
+            </p:spPr>
+          </p:pic>
+        </mc:Fallback>
+      </mc:AlternateContent>
+    </p:spTree>
+    <p:extLst>
+      <p:ext uri="{BB962C8B-B14F-4D97-AF65-F5344CB8AC3E}">
+        <p14:creationId xmlns:p14="http://schemas.microsoft.com/office/powerpoint/2010/main" val="2220328328"/>
       </p:ext>
     </p:extLst>
   </p:cSld>
@@ -4615,7 +7518,7 @@
         <p:spPr>
           <a:xfrm>
             <a:off x="1554555" y="1601865"/>
-            <a:ext cx="6231255" cy="1087477"/>
+            <a:ext cx="6231255" cy="1579920"/>
           </a:xfrm>
           <a:prstGeom prst="rect">
             <a:avLst/>
@@ -4639,7 +7542,23 @@
                 <a:latin typeface="Arial"/>
                 <a:cs typeface="Arial"/>
               </a:rPr>
-              <a:t>17 Tested Elements </a:t>
+              <a:t>17 Tested Elements</a:t>
+            </a:r>
+          </a:p>
+          <a:p>
+            <a:pPr marL="353695" indent="-340995">
+              <a:buFont typeface="Arial"/>
+              <a:buChar char="•"/>
+              <a:tabLst>
+                <a:tab pos="354330" algn="l"/>
+              </a:tabLst>
+            </a:pPr>
+            <a:r>
+              <a:rPr lang="en-US" sz="3200" dirty="0">
+                <a:latin typeface="Arial"/>
+                <a:cs typeface="Arial"/>
+              </a:rPr>
+              <a:t>Use of CSS and JS</a:t>
             </a:r>
             <a:endParaRPr sz="3200" dirty="0">
               <a:latin typeface="Arial"/>
@@ -4708,7 +7627,7 @@
 </p:sld>
 </file>
 
-<file path=ppt/slides/slide3.xml><?xml version="1.0" encoding="utf-8"?>
+<file path=ppt/slides/slide20.xml><?xml version="1.0" encoding="utf-8"?>
 <p:sld xmlns:a="http://schemas.openxmlformats.org/drawingml/2006/main" xmlns:r="http://schemas.openxmlformats.org/officeDocument/2006/relationships" xmlns:p="http://schemas.openxmlformats.org/presentationml/2006/main">
   <p:cSld>
     <p:spTree>
@@ -4772,12 +7691,20 @@
               <a:t> </a:t>
             </a:r>
             <a:r>
+              <a:rPr lang="en-US" altLang="zh-CN" sz="3400" spc="-5" dirty="0">
+                <a:solidFill>
+                  <a:srgbClr val="0070C0"/>
+                </a:solidFill>
+              </a:rPr>
+              <a:t>2</a:t>
+            </a:r>
+            <a:r>
               <a:rPr sz="3400" spc="-5" dirty="0">
                 <a:solidFill>
                   <a:srgbClr val="0070C0"/>
                 </a:solidFill>
               </a:rPr>
-              <a:t>1:</a:t>
+              <a:t>:</a:t>
             </a:r>
             <a:r>
               <a:rPr sz="3400" spc="-9" dirty="0">
@@ -4800,7 +7727,7 @@
                   <a:srgbClr val="0070C0"/>
                 </a:solidFill>
               </a:rPr>
-              <a:t>17 Tested Elements</a:t>
+              <a:t>Use of CSS and JS</a:t>
             </a:r>
             <a:br>
               <a:rPr lang="en-US" sz="3400" spc="-9" dirty="0">
@@ -4848,6 +7775,2296 @@
         </p:spPr>
       </p:pic>
     </p:spTree>
+    <p:extLst>
+      <p:ext uri="{BB962C8B-B14F-4D97-AF65-F5344CB8AC3E}">
+        <p14:creationId xmlns:p14="http://schemas.microsoft.com/office/powerpoint/2010/main" val="627893841"/>
+      </p:ext>
+    </p:extLst>
+  </p:cSld>
+  <p:clrMapOvr>
+    <a:masterClrMapping/>
+  </p:clrMapOvr>
+</p:sld>
+</file>
+
+<file path=ppt/slides/slide21.xml><?xml version="1.0" encoding="utf-8"?>
+<p:sld xmlns:a="http://schemas.openxmlformats.org/drawingml/2006/main" xmlns:r="http://schemas.openxmlformats.org/officeDocument/2006/relationships" xmlns:p="http://schemas.openxmlformats.org/presentationml/2006/main">
+  <p:cSld>
+    <p:spTree>
+      <p:nvGrpSpPr>
+        <p:cNvPr id="1" name=""/>
+        <p:cNvGrpSpPr/>
+        <p:nvPr/>
+      </p:nvGrpSpPr>
+      <p:grpSpPr>
+        <a:xfrm>
+          <a:off x="0" y="0"/>
+          <a:ext cx="0" cy="0"/>
+          <a:chOff x="0" y="0"/>
+          <a:chExt cx="0" cy="0"/>
+        </a:xfrm>
+      </p:grpSpPr>
+      <p:sp>
+        <p:nvSpPr>
+          <p:cNvPr id="2" name="Title 1">
+            <a:extLst>
+              <a:ext uri="{FF2B5EF4-FFF2-40B4-BE49-F238E27FC236}">
+                <a16:creationId xmlns:a16="http://schemas.microsoft.com/office/drawing/2014/main" id="{6F5698BF-D800-F848-A629-5276436C8639}"/>
+              </a:ext>
+            </a:extLst>
+          </p:cNvPr>
+          <p:cNvSpPr>
+            <a:spLocks noGrp="1"/>
+          </p:cNvSpPr>
+          <p:nvPr>
+            <p:ph type="title"/>
+          </p:nvPr>
+        </p:nvSpPr>
+        <p:spPr/>
+        <p:txBody>
+          <a:bodyPr>
+            <a:normAutofit/>
+          </a:bodyPr>
+          <a:lstStyle/>
+          <a:p>
+            <a:r>
+              <a:rPr lang="en-US" dirty="0"/>
+              <a:t>Use of font color attribute (CSS)</a:t>
+            </a:r>
+          </a:p>
+        </p:txBody>
+      </p:sp>
+      <p:sp>
+        <p:nvSpPr>
+          <p:cNvPr id="3" name="Content Placeholder 2">
+            <a:extLst>
+              <a:ext uri="{FF2B5EF4-FFF2-40B4-BE49-F238E27FC236}">
+                <a16:creationId xmlns:a16="http://schemas.microsoft.com/office/drawing/2014/main" id="{2907C195-F011-464E-B1E0-602CC1E39E3B}"/>
+              </a:ext>
+            </a:extLst>
+          </p:cNvPr>
+          <p:cNvSpPr>
+            <a:spLocks noGrp="1"/>
+          </p:cNvSpPr>
+          <p:nvPr>
+            <p:ph idx="1"/>
+          </p:nvPr>
+        </p:nvSpPr>
+        <p:spPr/>
+        <p:txBody>
+          <a:bodyPr>
+            <a:normAutofit lnSpcReduction="10000"/>
+          </a:bodyPr>
+          <a:lstStyle/>
+          <a:p>
+            <a:r>
+              <a:rPr lang="en-US" b="1" dirty="0"/>
+              <a:t>Text Color</a:t>
+            </a:r>
+          </a:p>
+          <a:p>
+            <a:r>
+              <a:rPr lang="en-US" dirty="0"/>
+              <a:t>The color property is used to set the color of the text. The color is specified by:</a:t>
+            </a:r>
+          </a:p>
+          <a:p>
+            <a:pPr lvl="1"/>
+            <a:r>
+              <a:rPr lang="en-US" dirty="0"/>
+              <a:t>a color name - like "red"</a:t>
+            </a:r>
+          </a:p>
+          <a:p>
+            <a:pPr lvl="1"/>
+            <a:r>
+              <a:rPr lang="en-US" dirty="0"/>
+              <a:t>a HEX value - like "#ff0000"</a:t>
+            </a:r>
+          </a:p>
+          <a:p>
+            <a:pPr lvl="1"/>
+            <a:r>
+              <a:rPr lang="en-US" dirty="0"/>
+              <a:t>an RGB value - like "</a:t>
+            </a:r>
+            <a:r>
+              <a:rPr lang="en-US" dirty="0" err="1"/>
+              <a:t>rgb</a:t>
+            </a:r>
+            <a:r>
+              <a:rPr lang="en-US" dirty="0"/>
+              <a:t>(255,0,0)”</a:t>
+            </a:r>
+          </a:p>
+          <a:p>
+            <a:pPr marL="530352" lvl="1" indent="0">
+              <a:buNone/>
+            </a:pPr>
+            <a:endParaRPr lang="en-US" dirty="0"/>
+          </a:p>
+          <a:p>
+            <a:pPr marL="530352" lvl="1" indent="0">
+              <a:buNone/>
+            </a:pPr>
+            <a:r>
+              <a:rPr lang="en-US" dirty="0"/>
+              <a:t>h1 {</a:t>
+            </a:r>
+          </a:p>
+          <a:p>
+            <a:pPr marL="530352" lvl="1" indent="0">
+              <a:buNone/>
+            </a:pPr>
+            <a:r>
+              <a:rPr lang="en-US" dirty="0"/>
+              <a:t>  text-align: center;</a:t>
+            </a:r>
+          </a:p>
+          <a:p>
+            <a:pPr marL="530352" lvl="1" indent="0">
+              <a:buNone/>
+            </a:pPr>
+            <a:r>
+              <a:rPr lang="en-US" dirty="0"/>
+              <a:t>  text-transform: uppercase;</a:t>
+            </a:r>
+          </a:p>
+          <a:p>
+            <a:pPr marL="530352" lvl="1" indent="0">
+              <a:buNone/>
+            </a:pPr>
+            <a:r>
+              <a:rPr lang="en-US" dirty="0"/>
+              <a:t>  </a:t>
+            </a:r>
+            <a:r>
+              <a:rPr lang="en-US" dirty="0">
+                <a:solidFill>
+                  <a:srgbClr val="C00000"/>
+                </a:solidFill>
+              </a:rPr>
+              <a:t>color: #4CAF50;</a:t>
+            </a:r>
+          </a:p>
+          <a:p>
+            <a:pPr marL="530352" lvl="1" indent="0">
+              <a:buNone/>
+            </a:pPr>
+            <a:r>
+              <a:rPr lang="en-US" dirty="0"/>
+              <a:t>}</a:t>
+            </a:r>
+          </a:p>
+        </p:txBody>
+      </p:sp>
+    </p:spTree>
+    <p:extLst>
+      <p:ext uri="{BB962C8B-B14F-4D97-AF65-F5344CB8AC3E}">
+        <p14:creationId xmlns:p14="http://schemas.microsoft.com/office/powerpoint/2010/main" val="2688841609"/>
+      </p:ext>
+    </p:extLst>
+  </p:cSld>
+  <p:clrMapOvr>
+    <a:masterClrMapping/>
+  </p:clrMapOvr>
+</p:sld>
+</file>
+
+<file path=ppt/slides/slide22.xml><?xml version="1.0" encoding="utf-8"?>
+<p:sld xmlns:a="http://schemas.openxmlformats.org/drawingml/2006/main" xmlns:r="http://schemas.openxmlformats.org/officeDocument/2006/relationships" xmlns:p="http://schemas.openxmlformats.org/presentationml/2006/main">
+  <p:cSld>
+    <p:spTree>
+      <p:nvGrpSpPr>
+        <p:cNvPr id="1" name=""/>
+        <p:cNvGrpSpPr/>
+        <p:nvPr/>
+      </p:nvGrpSpPr>
+      <p:grpSpPr>
+        <a:xfrm>
+          <a:off x="0" y="0"/>
+          <a:ext cx="0" cy="0"/>
+          <a:chOff x="0" y="0"/>
+          <a:chExt cx="0" cy="0"/>
+        </a:xfrm>
+      </p:grpSpPr>
+      <p:sp>
+        <p:nvSpPr>
+          <p:cNvPr id="2" name="Title 1">
+            <a:extLst>
+              <a:ext uri="{FF2B5EF4-FFF2-40B4-BE49-F238E27FC236}">
+                <a16:creationId xmlns:a16="http://schemas.microsoft.com/office/drawing/2014/main" id="{8DD0FA1E-FE1D-F14E-9BE7-FB655F0621FC}"/>
+              </a:ext>
+            </a:extLst>
+          </p:cNvPr>
+          <p:cNvSpPr>
+            <a:spLocks noGrp="1"/>
+          </p:cNvSpPr>
+          <p:nvPr>
+            <p:ph type="title"/>
+          </p:nvPr>
+        </p:nvSpPr>
+        <p:spPr/>
+        <p:txBody>
+          <a:bodyPr>
+            <a:normAutofit/>
+          </a:bodyPr>
+          <a:lstStyle/>
+          <a:p>
+            <a:r>
+              <a:rPr lang="en-US" dirty="0"/>
+              <a:t>Use of background color attribute (CSS)</a:t>
+            </a:r>
+          </a:p>
+        </p:txBody>
+      </p:sp>
+      <p:sp>
+        <p:nvSpPr>
+          <p:cNvPr id="3" name="Content Placeholder 2">
+            <a:extLst>
+              <a:ext uri="{FF2B5EF4-FFF2-40B4-BE49-F238E27FC236}">
+                <a16:creationId xmlns:a16="http://schemas.microsoft.com/office/drawing/2014/main" id="{DB2515F7-9A12-4E44-AA7D-04EAD5CCA5E5}"/>
+              </a:ext>
+            </a:extLst>
+          </p:cNvPr>
+          <p:cNvSpPr>
+            <a:spLocks noGrp="1"/>
+          </p:cNvSpPr>
+          <p:nvPr>
+            <p:ph idx="1"/>
+          </p:nvPr>
+        </p:nvSpPr>
+        <p:spPr>
+          <a:xfrm>
+            <a:off x="1371599" y="1544595"/>
+            <a:ext cx="10469106" cy="4627605"/>
+          </a:xfrm>
+        </p:spPr>
+        <p:txBody>
+          <a:bodyPr/>
+          <a:lstStyle/>
+          <a:p>
+            <a:r>
+              <a:rPr lang="en-US" dirty="0"/>
+              <a:t>The background-color property sets the background color of an element.</a:t>
+            </a:r>
+          </a:p>
+          <a:p>
+            <a:r>
+              <a:rPr lang="en-US" dirty="0"/>
+              <a:t>The background of an element is the total size of the element, including padding and border (but not the margin).</a:t>
+            </a:r>
+          </a:p>
+          <a:p>
+            <a:r>
+              <a:rPr lang="en-US" b="1" dirty="0"/>
+              <a:t>Tip:</a:t>
+            </a:r>
+            <a:r>
+              <a:rPr lang="en-US" dirty="0"/>
+              <a:t> Use a background color and a text color that makes the text easy to read.</a:t>
+            </a:r>
+          </a:p>
+          <a:p>
+            <a:endParaRPr lang="en-US" dirty="0"/>
+          </a:p>
+        </p:txBody>
+      </p:sp>
+      <p:pic>
+        <p:nvPicPr>
+          <p:cNvPr id="7" name="Picture 6" descr="Graphical user interface, text, application&#10;&#10;Description automatically generated">
+            <a:extLst>
+              <a:ext uri="{FF2B5EF4-FFF2-40B4-BE49-F238E27FC236}">
+                <a16:creationId xmlns:a16="http://schemas.microsoft.com/office/drawing/2014/main" id="{19BD07D3-7A11-8647-B418-AC7C89EA7D26}"/>
+              </a:ext>
+            </a:extLst>
+          </p:cNvPr>
+          <p:cNvPicPr>
+            <a:picLocks noChangeAspect="1"/>
+          </p:cNvPicPr>
+          <p:nvPr/>
+        </p:nvPicPr>
+        <p:blipFill>
+          <a:blip r:embed="rId2"/>
+          <a:stretch>
+            <a:fillRect/>
+          </a:stretch>
+        </p:blipFill>
+        <p:spPr>
+          <a:xfrm>
+            <a:off x="2622550" y="3429000"/>
+            <a:ext cx="6946900" cy="3289300"/>
+          </a:xfrm>
+          <a:prstGeom prst="rect">
+            <a:avLst/>
+          </a:prstGeom>
+        </p:spPr>
+      </p:pic>
+    </p:spTree>
+    <p:extLst>
+      <p:ext uri="{BB962C8B-B14F-4D97-AF65-F5344CB8AC3E}">
+        <p14:creationId xmlns:p14="http://schemas.microsoft.com/office/powerpoint/2010/main" val="1242938192"/>
+      </p:ext>
+    </p:extLst>
+  </p:cSld>
+  <p:clrMapOvr>
+    <a:masterClrMapping/>
+  </p:clrMapOvr>
+</p:sld>
+</file>
+
+<file path=ppt/slides/slide23.xml><?xml version="1.0" encoding="utf-8"?>
+<p:sld xmlns:a="http://schemas.openxmlformats.org/drawingml/2006/main" xmlns:r="http://schemas.openxmlformats.org/officeDocument/2006/relationships" xmlns:p="http://schemas.openxmlformats.org/presentationml/2006/main">
+  <p:cSld>
+    <p:spTree>
+      <p:nvGrpSpPr>
+        <p:cNvPr id="1" name=""/>
+        <p:cNvGrpSpPr/>
+        <p:nvPr/>
+      </p:nvGrpSpPr>
+      <p:grpSpPr>
+        <a:xfrm>
+          <a:off x="0" y="0"/>
+          <a:ext cx="0" cy="0"/>
+          <a:chOff x="0" y="0"/>
+          <a:chExt cx="0" cy="0"/>
+        </a:xfrm>
+      </p:grpSpPr>
+      <p:sp>
+        <p:nvSpPr>
+          <p:cNvPr id="2" name="Title 1">
+            <a:extLst>
+              <a:ext uri="{FF2B5EF4-FFF2-40B4-BE49-F238E27FC236}">
+                <a16:creationId xmlns:a16="http://schemas.microsoft.com/office/drawing/2014/main" id="{2FDB6A3C-EC7C-F543-96D9-ABFA4045982F}"/>
+              </a:ext>
+            </a:extLst>
+          </p:cNvPr>
+          <p:cNvSpPr>
+            <a:spLocks noGrp="1"/>
+          </p:cNvSpPr>
+          <p:nvPr>
+            <p:ph type="title"/>
+          </p:nvPr>
+        </p:nvSpPr>
+        <p:spPr/>
+        <p:txBody>
+          <a:bodyPr>
+            <a:normAutofit/>
+          </a:bodyPr>
+          <a:lstStyle/>
+          <a:p>
+            <a:r>
+              <a:rPr lang="en-US" dirty="0"/>
+              <a:t>Use of .</a:t>
+            </a:r>
+            <a:r>
+              <a:rPr lang="en-US" dirty="0" err="1"/>
+              <a:t>innerHTML</a:t>
+            </a:r>
+            <a:r>
+              <a:rPr lang="en-US" dirty="0"/>
+              <a:t> (JS)</a:t>
+            </a:r>
+          </a:p>
+        </p:txBody>
+      </p:sp>
+      <p:pic>
+        <p:nvPicPr>
+          <p:cNvPr id="5" name="Content Placeholder 4">
+            <a:extLst>
+              <a:ext uri="{FF2B5EF4-FFF2-40B4-BE49-F238E27FC236}">
+                <a16:creationId xmlns:a16="http://schemas.microsoft.com/office/drawing/2014/main" id="{110DF4BD-10B3-4541-9E44-AA274E248F85}"/>
+              </a:ext>
+            </a:extLst>
+          </p:cNvPr>
+          <p:cNvPicPr>
+            <a:picLocks noGrp="1" noChangeAspect="1"/>
+          </p:cNvPicPr>
+          <p:nvPr>
+            <p:ph idx="1"/>
+          </p:nvPr>
+        </p:nvPicPr>
+        <p:blipFill>
+          <a:blip r:embed="rId2"/>
+          <a:stretch>
+            <a:fillRect/>
+          </a:stretch>
+        </p:blipFill>
+        <p:spPr>
+          <a:xfrm>
+            <a:off x="1371600" y="1880381"/>
+            <a:ext cx="9983788" cy="3956075"/>
+          </a:xfrm>
+        </p:spPr>
+      </p:pic>
+    </p:spTree>
+    <p:extLst>
+      <p:ext uri="{BB962C8B-B14F-4D97-AF65-F5344CB8AC3E}">
+        <p14:creationId xmlns:p14="http://schemas.microsoft.com/office/powerpoint/2010/main" val="2516266994"/>
+      </p:ext>
+    </p:extLst>
+  </p:cSld>
+  <p:clrMapOvr>
+    <a:masterClrMapping/>
+  </p:clrMapOvr>
+</p:sld>
+</file>
+
+<file path=ppt/slides/slide24.xml><?xml version="1.0" encoding="utf-8"?>
+<p:sld xmlns:a="http://schemas.openxmlformats.org/drawingml/2006/main" xmlns:r="http://schemas.openxmlformats.org/officeDocument/2006/relationships" xmlns:p="http://schemas.openxmlformats.org/presentationml/2006/main">
+  <p:cSld>
+    <p:spTree>
+      <p:nvGrpSpPr>
+        <p:cNvPr id="1" name=""/>
+        <p:cNvGrpSpPr/>
+        <p:nvPr/>
+      </p:nvGrpSpPr>
+      <p:grpSpPr>
+        <a:xfrm>
+          <a:off x="0" y="0"/>
+          <a:ext cx="0" cy="0"/>
+          <a:chOff x="0" y="0"/>
+          <a:chExt cx="0" cy="0"/>
+        </a:xfrm>
+      </p:grpSpPr>
+      <p:sp>
+        <p:nvSpPr>
+          <p:cNvPr id="2" name="Title 1">
+            <a:extLst>
+              <a:ext uri="{FF2B5EF4-FFF2-40B4-BE49-F238E27FC236}">
+                <a16:creationId xmlns:a16="http://schemas.microsoft.com/office/drawing/2014/main" id="{3E254052-DA51-5946-918D-336220EA5EA2}"/>
+              </a:ext>
+            </a:extLst>
+          </p:cNvPr>
+          <p:cNvSpPr>
+            <a:spLocks noGrp="1"/>
+          </p:cNvSpPr>
+          <p:nvPr>
+            <p:ph type="title"/>
+          </p:nvPr>
+        </p:nvSpPr>
+        <p:spPr/>
+        <p:txBody>
+          <a:bodyPr/>
+          <a:lstStyle/>
+          <a:p>
+            <a:r>
+              <a:rPr lang="en-US" dirty="0"/>
+              <a:t>Use of </a:t>
+            </a:r>
+            <a:r>
+              <a:rPr lang="en-US" dirty="0" err="1"/>
+              <a:t>console.log</a:t>
+            </a:r>
+            <a:r>
+              <a:rPr lang="en-US" dirty="0"/>
+              <a:t>() (JS)</a:t>
+            </a:r>
+          </a:p>
+        </p:txBody>
+      </p:sp>
+      <p:sp>
+        <p:nvSpPr>
+          <p:cNvPr id="3" name="Content Placeholder 2">
+            <a:extLst>
+              <a:ext uri="{FF2B5EF4-FFF2-40B4-BE49-F238E27FC236}">
+                <a16:creationId xmlns:a16="http://schemas.microsoft.com/office/drawing/2014/main" id="{A3159189-12AB-7B49-B2E3-A8A23F24AD22}"/>
+              </a:ext>
+            </a:extLst>
+          </p:cNvPr>
+          <p:cNvSpPr>
+            <a:spLocks noGrp="1"/>
+          </p:cNvSpPr>
+          <p:nvPr>
+            <p:ph idx="1"/>
+          </p:nvPr>
+        </p:nvSpPr>
+        <p:spPr/>
+        <p:txBody>
+          <a:bodyPr/>
+          <a:lstStyle/>
+          <a:p>
+            <a:r>
+              <a:rPr lang="en-US" dirty="0"/>
+              <a:t>The log() method writes (logs) a message to the console.</a:t>
+            </a:r>
+          </a:p>
+          <a:p>
+            <a:r>
+              <a:rPr lang="en-US" dirty="0"/>
+              <a:t>The log() method is useful for testing purposes.</a:t>
+            </a:r>
+          </a:p>
+          <a:p>
+            <a:endParaRPr lang="en-US" dirty="0"/>
+          </a:p>
+        </p:txBody>
+      </p:sp>
+      <p:pic>
+        <p:nvPicPr>
+          <p:cNvPr id="5" name="Picture 4">
+            <a:extLst>
+              <a:ext uri="{FF2B5EF4-FFF2-40B4-BE49-F238E27FC236}">
+                <a16:creationId xmlns:a16="http://schemas.microsoft.com/office/drawing/2014/main" id="{68C69D0D-8A83-C24B-BAA8-A9C2D1235516}"/>
+              </a:ext>
+            </a:extLst>
+          </p:cNvPr>
+          <p:cNvPicPr>
+            <a:picLocks noChangeAspect="1"/>
+          </p:cNvPicPr>
+          <p:nvPr/>
+        </p:nvPicPr>
+        <p:blipFill>
+          <a:blip r:embed="rId2"/>
+          <a:stretch>
+            <a:fillRect/>
+          </a:stretch>
+        </p:blipFill>
+        <p:spPr>
+          <a:xfrm>
+            <a:off x="5800083" y="2901734"/>
+            <a:ext cx="5851407" cy="2755147"/>
+          </a:xfrm>
+          <a:prstGeom prst="rect">
+            <a:avLst/>
+          </a:prstGeom>
+        </p:spPr>
+      </p:pic>
+      <p:sp>
+        <p:nvSpPr>
+          <p:cNvPr id="7" name="TextBox 6">
+            <a:extLst>
+              <a:ext uri="{FF2B5EF4-FFF2-40B4-BE49-F238E27FC236}">
+                <a16:creationId xmlns:a16="http://schemas.microsoft.com/office/drawing/2014/main" id="{EC6E7BA0-93A2-A240-A838-65C15DF491DA}"/>
+              </a:ext>
+            </a:extLst>
+          </p:cNvPr>
+          <p:cNvSpPr txBox="1"/>
+          <p:nvPr/>
+        </p:nvSpPr>
+        <p:spPr>
+          <a:xfrm>
+            <a:off x="1530458" y="3355383"/>
+            <a:ext cx="6098582" cy="1815882"/>
+          </a:xfrm>
+          <a:prstGeom prst="rect">
+            <a:avLst/>
+          </a:prstGeom>
+          <a:noFill/>
+        </p:spPr>
+        <p:txBody>
+          <a:bodyPr wrap="square">
+            <a:spAutoFit/>
+          </a:bodyPr>
+          <a:lstStyle/>
+          <a:p>
+            <a:r>
+              <a:rPr lang="en-US" sz="2800" dirty="0">
+                <a:solidFill>
+                  <a:srgbClr val="0077AA"/>
+                </a:solidFill>
+                <a:effectLst/>
+                <a:latin typeface="Calibri" panose="020F0502020204030204" pitchFamily="34" charset="0"/>
+                <a:cs typeface="Calibri" panose="020F0502020204030204" pitchFamily="34" charset="0"/>
+              </a:rPr>
+              <a:t>let</a:t>
+            </a:r>
+            <a:r>
+              <a:rPr lang="en-US" sz="2800" dirty="0">
+                <a:latin typeface="Calibri" panose="020F0502020204030204" pitchFamily="34" charset="0"/>
+                <a:cs typeface="Calibri" panose="020F0502020204030204" pitchFamily="34" charset="0"/>
+              </a:rPr>
+              <a:t> x </a:t>
+            </a:r>
+            <a:r>
+              <a:rPr lang="en-US" sz="2800" dirty="0">
+                <a:solidFill>
+                  <a:srgbClr val="9A6E3A"/>
+                </a:solidFill>
+                <a:effectLst/>
+                <a:latin typeface="Calibri" panose="020F0502020204030204" pitchFamily="34" charset="0"/>
+                <a:cs typeface="Calibri" panose="020F0502020204030204" pitchFamily="34" charset="0"/>
+              </a:rPr>
+              <a:t>=</a:t>
+            </a:r>
+            <a:r>
+              <a:rPr lang="en-US" sz="2800" dirty="0">
+                <a:latin typeface="Calibri" panose="020F0502020204030204" pitchFamily="34" charset="0"/>
+                <a:cs typeface="Calibri" panose="020F0502020204030204" pitchFamily="34" charset="0"/>
+              </a:rPr>
+              <a:t> </a:t>
+            </a:r>
+            <a:r>
+              <a:rPr lang="en-US" sz="2800" dirty="0">
+                <a:solidFill>
+                  <a:srgbClr val="990055"/>
+                </a:solidFill>
+                <a:effectLst/>
+                <a:latin typeface="Calibri" panose="020F0502020204030204" pitchFamily="34" charset="0"/>
+                <a:cs typeface="Calibri" panose="020F0502020204030204" pitchFamily="34" charset="0"/>
+              </a:rPr>
+              <a:t>1</a:t>
+            </a:r>
+            <a:r>
+              <a:rPr lang="en-US" sz="2800" dirty="0">
+                <a:latin typeface="Calibri" panose="020F0502020204030204" pitchFamily="34" charset="0"/>
+                <a:cs typeface="Calibri" panose="020F0502020204030204" pitchFamily="34" charset="0"/>
+              </a:rPr>
+              <a:t> </a:t>
+            </a:r>
+          </a:p>
+          <a:p>
+            <a:r>
+              <a:rPr lang="en-US" sz="2800" dirty="0" err="1">
+                <a:latin typeface="Calibri" panose="020F0502020204030204" pitchFamily="34" charset="0"/>
+                <a:cs typeface="Calibri" panose="020F0502020204030204" pitchFamily="34" charset="0"/>
+              </a:rPr>
+              <a:t>console</a:t>
+            </a:r>
+            <a:r>
+              <a:rPr lang="en-US" sz="2800" dirty="0" err="1">
+                <a:solidFill>
+                  <a:srgbClr val="999999"/>
+                </a:solidFill>
+                <a:effectLst/>
+                <a:latin typeface="Calibri" panose="020F0502020204030204" pitchFamily="34" charset="0"/>
+                <a:cs typeface="Calibri" panose="020F0502020204030204" pitchFamily="34" charset="0"/>
+              </a:rPr>
+              <a:t>.</a:t>
+            </a:r>
+            <a:r>
+              <a:rPr lang="en-US" sz="2800" dirty="0" err="1">
+                <a:solidFill>
+                  <a:srgbClr val="DD4A68"/>
+                </a:solidFill>
+                <a:effectLst/>
+                <a:latin typeface="Calibri" panose="020F0502020204030204" pitchFamily="34" charset="0"/>
+                <a:cs typeface="Calibri" panose="020F0502020204030204" pitchFamily="34" charset="0"/>
+              </a:rPr>
+              <a:t>log</a:t>
+            </a:r>
+            <a:r>
+              <a:rPr lang="en-US" sz="2800" dirty="0">
+                <a:solidFill>
+                  <a:srgbClr val="999999"/>
+                </a:solidFill>
+                <a:effectLst/>
+                <a:latin typeface="Calibri" panose="020F0502020204030204" pitchFamily="34" charset="0"/>
+                <a:cs typeface="Calibri" panose="020F0502020204030204" pitchFamily="34" charset="0"/>
+              </a:rPr>
+              <a:t>(</a:t>
+            </a:r>
+            <a:r>
+              <a:rPr lang="en-US" sz="2800" dirty="0">
+                <a:latin typeface="Calibri" panose="020F0502020204030204" pitchFamily="34" charset="0"/>
+                <a:cs typeface="Calibri" panose="020F0502020204030204" pitchFamily="34" charset="0"/>
+              </a:rPr>
+              <a:t>x</a:t>
+            </a:r>
+            <a:r>
+              <a:rPr lang="en-US" sz="2800" dirty="0">
+                <a:solidFill>
+                  <a:srgbClr val="999999"/>
+                </a:solidFill>
+                <a:effectLst/>
+                <a:latin typeface="Calibri" panose="020F0502020204030204" pitchFamily="34" charset="0"/>
+                <a:cs typeface="Calibri" panose="020F0502020204030204" pitchFamily="34" charset="0"/>
+              </a:rPr>
+              <a:t>)</a:t>
+            </a:r>
+          </a:p>
+          <a:p>
+            <a:endParaRPr lang="en-US" sz="2800" dirty="0">
+              <a:solidFill>
+                <a:srgbClr val="999999"/>
+              </a:solidFill>
+              <a:latin typeface="Calibri" panose="020F0502020204030204" pitchFamily="34" charset="0"/>
+              <a:cs typeface="Calibri" panose="020F0502020204030204" pitchFamily="34" charset="0"/>
+            </a:endParaRPr>
+          </a:p>
+          <a:p>
+            <a:r>
+              <a:rPr lang="en-US" sz="2800" dirty="0" err="1">
+                <a:solidFill>
+                  <a:srgbClr val="999999"/>
+                </a:solidFill>
+                <a:latin typeface="Calibri" panose="020F0502020204030204" pitchFamily="34" charset="0"/>
+                <a:cs typeface="Calibri" panose="020F0502020204030204" pitchFamily="34" charset="0"/>
+              </a:rPr>
+              <a:t>console.log</a:t>
+            </a:r>
+            <a:r>
+              <a:rPr lang="en-US" sz="2800" dirty="0">
+                <a:solidFill>
+                  <a:srgbClr val="999999"/>
+                </a:solidFill>
+                <a:latin typeface="Calibri" panose="020F0502020204030204" pitchFamily="34" charset="0"/>
+                <a:cs typeface="Calibri" panose="020F0502020204030204" pitchFamily="34" charset="0"/>
+              </a:rPr>
+              <a:t>(“Success!”)</a:t>
+            </a:r>
+            <a:endParaRPr lang="en-US" sz="2800" dirty="0">
+              <a:latin typeface="Calibri" panose="020F0502020204030204" pitchFamily="34" charset="0"/>
+              <a:cs typeface="Calibri" panose="020F0502020204030204" pitchFamily="34" charset="0"/>
+            </a:endParaRPr>
+          </a:p>
+        </p:txBody>
+      </p:sp>
+    </p:spTree>
+    <p:extLst>
+      <p:ext uri="{BB962C8B-B14F-4D97-AF65-F5344CB8AC3E}">
+        <p14:creationId xmlns:p14="http://schemas.microsoft.com/office/powerpoint/2010/main" val="1510770914"/>
+      </p:ext>
+    </p:extLst>
+  </p:cSld>
+  <p:clrMapOvr>
+    <a:masterClrMapping/>
+  </p:clrMapOvr>
+</p:sld>
+</file>
+
+<file path=ppt/slides/slide25.xml><?xml version="1.0" encoding="utf-8"?>
+<p:sld xmlns:a="http://schemas.openxmlformats.org/drawingml/2006/main" xmlns:r="http://schemas.openxmlformats.org/officeDocument/2006/relationships" xmlns:p="http://schemas.openxmlformats.org/presentationml/2006/main">
+  <p:cSld>
+    <p:spTree>
+      <p:nvGrpSpPr>
+        <p:cNvPr id="1" name=""/>
+        <p:cNvGrpSpPr/>
+        <p:nvPr/>
+      </p:nvGrpSpPr>
+      <p:grpSpPr>
+        <a:xfrm>
+          <a:off x="0" y="0"/>
+          <a:ext cx="0" cy="0"/>
+          <a:chOff x="0" y="0"/>
+          <a:chExt cx="0" cy="0"/>
+        </a:xfrm>
+      </p:grpSpPr>
+      <p:sp>
+        <p:nvSpPr>
+          <p:cNvPr id="3" name="object 3"/>
+          <p:cNvSpPr txBox="1">
+            <a:spLocks noGrp="1"/>
+          </p:cNvSpPr>
+          <p:nvPr>
+            <p:ph type="title"/>
+          </p:nvPr>
+        </p:nvSpPr>
+        <p:spPr>
+          <a:xfrm>
+            <a:off x="7433441" y="2488936"/>
+            <a:ext cx="4031728" cy="2273379"/>
+          </a:xfrm>
+          <a:prstGeom prst="rect">
+            <a:avLst/>
+          </a:prstGeom>
+        </p:spPr>
+        <p:txBody>
+          <a:bodyPr vert="horz" wrap="square" lIns="0" tIns="0" rIns="0" bIns="0" rtlCol="0" anchor="t">
+            <a:spAutoFit/>
+          </a:bodyPr>
+          <a:lstStyle/>
+          <a:p>
+            <a:pPr marL="11516">
+              <a:lnSpc>
+                <a:spcPct val="150000"/>
+              </a:lnSpc>
+            </a:pPr>
+            <a:r>
+              <a:rPr lang="en-US" altLang="zh-CN" sz="3400" spc="-5" dirty="0">
+                <a:solidFill>
+                  <a:srgbClr val="0070C0"/>
+                </a:solidFill>
+              </a:rPr>
+              <a:t>Topic</a:t>
+            </a:r>
+            <a:r>
+              <a:rPr lang="zh-CN" altLang="en-US" sz="3400" spc="-5" dirty="0">
+                <a:solidFill>
+                  <a:srgbClr val="0070C0"/>
+                </a:solidFill>
+              </a:rPr>
+              <a:t> </a:t>
+            </a:r>
+            <a:r>
+              <a:rPr lang="en-US" altLang="zh-CN" sz="3400" spc="-5" dirty="0">
+                <a:solidFill>
+                  <a:srgbClr val="0070C0"/>
+                </a:solidFill>
+              </a:rPr>
+              <a:t>3</a:t>
+            </a:r>
+            <a:r>
+              <a:rPr sz="3400" spc="-5" dirty="0">
+                <a:solidFill>
+                  <a:srgbClr val="0070C0"/>
+                </a:solidFill>
+              </a:rPr>
+              <a:t>:</a:t>
+            </a:r>
+            <a:r>
+              <a:rPr sz="3400" spc="-9" dirty="0">
+                <a:solidFill>
+                  <a:srgbClr val="0070C0"/>
+                </a:solidFill>
+              </a:rPr>
+              <a:t> </a:t>
+            </a:r>
+            <a:br>
+              <a:rPr lang="en-US" sz="3400" spc="-9" dirty="0">
+                <a:solidFill>
+                  <a:srgbClr val="0070C0"/>
+                </a:solidFill>
+              </a:rPr>
+            </a:br>
+            <a:r>
+              <a:rPr lang="en-US" sz="3400" spc="-9" dirty="0">
+                <a:solidFill>
+                  <a:srgbClr val="0070C0"/>
+                </a:solidFill>
+              </a:rPr>
+              <a:t>Exercises</a:t>
+            </a:r>
+            <a:br>
+              <a:rPr lang="en-US" sz="3400" spc="-9" dirty="0">
+                <a:solidFill>
+                  <a:srgbClr val="0070C0"/>
+                </a:solidFill>
+              </a:rPr>
+            </a:br>
+            <a:endParaRPr sz="3400" dirty="0">
+              <a:solidFill>
+                <a:srgbClr val="0070C0"/>
+              </a:solidFill>
+            </a:endParaRPr>
+          </a:p>
+        </p:txBody>
+      </p:sp>
+      <p:pic>
+        <p:nvPicPr>
+          <p:cNvPr id="6" name="Picture 5" descr="Graphical user interface&#10;&#10;Description automatically generated">
+            <a:extLst>
+              <a:ext uri="{FF2B5EF4-FFF2-40B4-BE49-F238E27FC236}">
+                <a16:creationId xmlns:a16="http://schemas.microsoft.com/office/drawing/2014/main" id="{13D1CDB8-800F-ED42-AE93-12EA4F73DF21}"/>
+              </a:ext>
+            </a:extLst>
+          </p:cNvPr>
+          <p:cNvPicPr>
+            <a:picLocks noChangeAspect="1"/>
+          </p:cNvPicPr>
+          <p:nvPr/>
+        </p:nvPicPr>
+        <p:blipFill>
+          <a:blip r:embed="rId2"/>
+          <a:stretch>
+            <a:fillRect/>
+          </a:stretch>
+        </p:blipFill>
+        <p:spPr>
+          <a:xfrm>
+            <a:off x="0" y="0"/>
+            <a:ext cx="6938010" cy="6858000"/>
+          </a:xfrm>
+          <a:prstGeom prst="rect">
+            <a:avLst/>
+          </a:prstGeom>
+        </p:spPr>
+      </p:pic>
+    </p:spTree>
+    <p:extLst>
+      <p:ext uri="{BB962C8B-B14F-4D97-AF65-F5344CB8AC3E}">
+        <p14:creationId xmlns:p14="http://schemas.microsoft.com/office/powerpoint/2010/main" val="2771198771"/>
+      </p:ext>
+    </p:extLst>
+  </p:cSld>
+  <p:clrMapOvr>
+    <a:masterClrMapping/>
+  </p:clrMapOvr>
+</p:sld>
+</file>
+
+<file path=ppt/slides/slide26.xml><?xml version="1.0" encoding="utf-8"?>
+<p:sld xmlns:a="http://schemas.openxmlformats.org/drawingml/2006/main" xmlns:r="http://schemas.openxmlformats.org/officeDocument/2006/relationships" xmlns:p="http://schemas.openxmlformats.org/presentationml/2006/main">
+  <p:cSld>
+    <p:spTree>
+      <p:nvGrpSpPr>
+        <p:cNvPr id="1" name=""/>
+        <p:cNvGrpSpPr/>
+        <p:nvPr/>
+      </p:nvGrpSpPr>
+      <p:grpSpPr>
+        <a:xfrm>
+          <a:off x="0" y="0"/>
+          <a:ext cx="0" cy="0"/>
+          <a:chOff x="0" y="0"/>
+          <a:chExt cx="0" cy="0"/>
+        </a:xfrm>
+      </p:grpSpPr>
+      <p:sp>
+        <p:nvSpPr>
+          <p:cNvPr id="2" name="Title 1">
+            <a:extLst>
+              <a:ext uri="{FF2B5EF4-FFF2-40B4-BE49-F238E27FC236}">
+                <a16:creationId xmlns:a16="http://schemas.microsoft.com/office/drawing/2014/main" id="{56D16883-344D-7F48-B616-CF193A7DFF10}"/>
+              </a:ext>
+            </a:extLst>
+          </p:cNvPr>
+          <p:cNvSpPr>
+            <a:spLocks noGrp="1"/>
+          </p:cNvSpPr>
+          <p:nvPr>
+            <p:ph type="title"/>
+          </p:nvPr>
+        </p:nvSpPr>
+        <p:spPr>
+          <a:xfrm>
+            <a:off x="1371599" y="2862352"/>
+            <a:ext cx="9984259" cy="772297"/>
+          </a:xfrm>
+        </p:spPr>
+        <p:txBody>
+          <a:bodyPr/>
+          <a:lstStyle/>
+          <a:p>
+            <a:pPr algn="ctr"/>
+            <a:r>
+              <a:rPr lang="en-US" dirty="0"/>
+              <a:t>HTML Exercise</a:t>
+            </a:r>
+          </a:p>
+        </p:txBody>
+      </p:sp>
+    </p:spTree>
+    <p:extLst>
+      <p:ext uri="{BB962C8B-B14F-4D97-AF65-F5344CB8AC3E}">
+        <p14:creationId xmlns:p14="http://schemas.microsoft.com/office/powerpoint/2010/main" val="4124404553"/>
+      </p:ext>
+    </p:extLst>
+  </p:cSld>
+  <p:clrMapOvr>
+    <a:masterClrMapping/>
+  </p:clrMapOvr>
+</p:sld>
+</file>
+
+<file path=ppt/slides/slide27.xml><?xml version="1.0" encoding="utf-8"?>
+<p:sld xmlns:a="http://schemas.openxmlformats.org/drawingml/2006/main" xmlns:r="http://schemas.openxmlformats.org/officeDocument/2006/relationships" xmlns:p="http://schemas.openxmlformats.org/presentationml/2006/main">
+  <p:cSld>
+    <p:spTree>
+      <p:nvGrpSpPr>
+        <p:cNvPr id="1" name=""/>
+        <p:cNvGrpSpPr/>
+        <p:nvPr/>
+      </p:nvGrpSpPr>
+      <p:grpSpPr>
+        <a:xfrm>
+          <a:off x="0" y="0"/>
+          <a:ext cx="0" cy="0"/>
+          <a:chOff x="0" y="0"/>
+          <a:chExt cx="0" cy="0"/>
+        </a:xfrm>
+      </p:grpSpPr>
+      <p:sp>
+        <p:nvSpPr>
+          <p:cNvPr id="2" name="Title 1">
+            <a:extLst>
+              <a:ext uri="{FF2B5EF4-FFF2-40B4-BE49-F238E27FC236}">
+                <a16:creationId xmlns:a16="http://schemas.microsoft.com/office/drawing/2014/main" id="{0A848BDC-6650-744C-AF45-A569403437AD}"/>
+              </a:ext>
+            </a:extLst>
+          </p:cNvPr>
+          <p:cNvSpPr>
+            <a:spLocks noGrp="1"/>
+          </p:cNvSpPr>
+          <p:nvPr>
+            <p:ph type="title"/>
+          </p:nvPr>
+        </p:nvSpPr>
+        <p:spPr/>
+        <p:txBody>
+          <a:bodyPr/>
+          <a:lstStyle/>
+          <a:p>
+            <a:r>
+              <a:rPr lang="en-US" dirty="0"/>
+              <a:t>Code this webpage using HTML!</a:t>
+            </a:r>
+          </a:p>
+        </p:txBody>
+      </p:sp>
+      <p:pic>
+        <p:nvPicPr>
+          <p:cNvPr id="5" name="Content Placeholder 4" descr="Graphical user interface, text, application&#10;&#10;Description automatically generated">
+            <a:extLst>
+              <a:ext uri="{FF2B5EF4-FFF2-40B4-BE49-F238E27FC236}">
+                <a16:creationId xmlns:a16="http://schemas.microsoft.com/office/drawing/2014/main" id="{5AF517C0-E9EF-7D43-A187-DDC529F20B90}"/>
+              </a:ext>
+            </a:extLst>
+          </p:cNvPr>
+          <p:cNvPicPr>
+            <a:picLocks noGrp="1" noChangeAspect="1"/>
+          </p:cNvPicPr>
+          <p:nvPr>
+            <p:ph idx="1"/>
+          </p:nvPr>
+        </p:nvPicPr>
+        <p:blipFill>
+          <a:blip r:embed="rId2"/>
+          <a:stretch>
+            <a:fillRect/>
+          </a:stretch>
+        </p:blipFill>
+        <p:spPr>
+          <a:xfrm>
+            <a:off x="6744709" y="1718469"/>
+            <a:ext cx="4445000" cy="4279900"/>
+          </a:xfrm>
+        </p:spPr>
+      </p:pic>
+      <p:pic>
+        <p:nvPicPr>
+          <p:cNvPr id="7" name="Picture 6">
+            <a:extLst>
+              <a:ext uri="{FF2B5EF4-FFF2-40B4-BE49-F238E27FC236}">
+                <a16:creationId xmlns:a16="http://schemas.microsoft.com/office/drawing/2014/main" id="{FCC47A5F-34EE-B14E-8143-ABB47FEEC9A9}"/>
+              </a:ext>
+            </a:extLst>
+          </p:cNvPr>
+          <p:cNvPicPr>
+            <a:picLocks noChangeAspect="1"/>
+          </p:cNvPicPr>
+          <p:nvPr/>
+        </p:nvPicPr>
+        <p:blipFill>
+          <a:blip r:embed="rId3"/>
+          <a:stretch>
+            <a:fillRect/>
+          </a:stretch>
+        </p:blipFill>
+        <p:spPr>
+          <a:xfrm>
+            <a:off x="7913970" y="3336010"/>
+            <a:ext cx="2106478" cy="2106478"/>
+          </a:xfrm>
+          <a:prstGeom prst="rect">
+            <a:avLst/>
+          </a:prstGeom>
+        </p:spPr>
+      </p:pic>
+      <p:sp>
+        <p:nvSpPr>
+          <p:cNvPr id="8" name="TextBox 7">
+            <a:extLst>
+              <a:ext uri="{FF2B5EF4-FFF2-40B4-BE49-F238E27FC236}">
+                <a16:creationId xmlns:a16="http://schemas.microsoft.com/office/drawing/2014/main" id="{83AAA563-F892-C341-888B-CE9BA7475B1C}"/>
+              </a:ext>
+            </a:extLst>
+          </p:cNvPr>
+          <p:cNvSpPr txBox="1"/>
+          <p:nvPr/>
+        </p:nvSpPr>
+        <p:spPr>
+          <a:xfrm>
+            <a:off x="1651000" y="2262753"/>
+            <a:ext cx="4445000" cy="2677656"/>
+          </a:xfrm>
+          <a:prstGeom prst="rect">
+            <a:avLst/>
+          </a:prstGeom>
+          <a:noFill/>
+        </p:spPr>
+        <p:txBody>
+          <a:bodyPr wrap="square" rtlCol="0">
+            <a:spAutoFit/>
+          </a:bodyPr>
+          <a:lstStyle/>
+          <a:p>
+            <a:r>
+              <a:rPr lang="en-US" sz="2400" dirty="0">
+                <a:latin typeface="Calibri" panose="020F0502020204030204" pitchFamily="34" charset="0"/>
+                <a:cs typeface="Calibri" panose="020F0502020204030204" pitchFamily="34" charset="0"/>
+              </a:rPr>
+              <a:t>Please use the following tags:</a:t>
+            </a:r>
+          </a:p>
+          <a:p>
+            <a:pPr marL="285750" indent="-285750">
+              <a:buFont typeface="Arial" panose="020B0604020202020204" pitchFamily="34" charset="0"/>
+              <a:buChar char="•"/>
+            </a:pPr>
+            <a:r>
+              <a:rPr lang="en-US" sz="2400" dirty="0">
+                <a:latin typeface="Calibri" panose="020F0502020204030204" pitchFamily="34" charset="0"/>
+                <a:cs typeface="Calibri" panose="020F0502020204030204" pitchFamily="34" charset="0"/>
+              </a:rPr>
+              <a:t>&lt;html&gt;</a:t>
+            </a:r>
+          </a:p>
+          <a:p>
+            <a:pPr marL="285750" indent="-285750">
+              <a:buFont typeface="Arial" panose="020B0604020202020204" pitchFamily="34" charset="0"/>
+              <a:buChar char="•"/>
+            </a:pPr>
+            <a:r>
+              <a:rPr lang="en-US" sz="2400" dirty="0">
+                <a:latin typeface="Calibri" panose="020F0502020204030204" pitchFamily="34" charset="0"/>
+                <a:cs typeface="Calibri" panose="020F0502020204030204" pitchFamily="34" charset="0"/>
+              </a:rPr>
+              <a:t>&lt;body&gt;</a:t>
+            </a:r>
+          </a:p>
+          <a:p>
+            <a:pPr marL="285750" indent="-285750">
+              <a:buFont typeface="Arial" panose="020B0604020202020204" pitchFamily="34" charset="0"/>
+              <a:buChar char="•"/>
+            </a:pPr>
+            <a:r>
+              <a:rPr lang="en-US" sz="2400" dirty="0">
+                <a:latin typeface="Calibri" panose="020F0502020204030204" pitchFamily="34" charset="0"/>
+                <a:cs typeface="Calibri" panose="020F0502020204030204" pitchFamily="34" charset="0"/>
+              </a:rPr>
+              <a:t>&lt;h1&gt;</a:t>
+            </a:r>
+          </a:p>
+          <a:p>
+            <a:pPr marL="285750" indent="-285750">
+              <a:buFont typeface="Arial" panose="020B0604020202020204" pitchFamily="34" charset="0"/>
+              <a:buChar char="•"/>
+            </a:pPr>
+            <a:r>
+              <a:rPr lang="en-US" sz="2400" dirty="0">
+                <a:latin typeface="Calibri" panose="020F0502020204030204" pitchFamily="34" charset="0"/>
+                <a:cs typeface="Calibri" panose="020F0502020204030204" pitchFamily="34" charset="0"/>
+              </a:rPr>
+              <a:t>&lt;p&gt;</a:t>
+            </a:r>
+          </a:p>
+          <a:p>
+            <a:pPr marL="285750" indent="-285750">
+              <a:buFont typeface="Arial" panose="020B0604020202020204" pitchFamily="34" charset="0"/>
+              <a:buChar char="•"/>
+            </a:pPr>
+            <a:r>
+              <a:rPr lang="en-US" sz="2400" dirty="0">
+                <a:latin typeface="Calibri" panose="020F0502020204030204" pitchFamily="34" charset="0"/>
+                <a:cs typeface="Calibri" panose="020F0502020204030204" pitchFamily="34" charset="0"/>
+              </a:rPr>
+              <a:t>&lt;a&gt;</a:t>
+            </a:r>
+          </a:p>
+          <a:p>
+            <a:pPr marL="285750" indent="-285750">
+              <a:buFont typeface="Arial" panose="020B0604020202020204" pitchFamily="34" charset="0"/>
+              <a:buChar char="•"/>
+            </a:pPr>
+            <a:r>
+              <a:rPr lang="en-US" sz="2400" dirty="0">
+                <a:latin typeface="Calibri" panose="020F0502020204030204" pitchFamily="34" charset="0"/>
+                <a:cs typeface="Calibri" panose="020F0502020204030204" pitchFamily="34" charset="0"/>
+              </a:rPr>
+              <a:t>&lt;</a:t>
+            </a:r>
+            <a:r>
+              <a:rPr lang="en-US" sz="2400" dirty="0" err="1">
+                <a:latin typeface="Calibri" panose="020F0502020204030204" pitchFamily="34" charset="0"/>
+                <a:cs typeface="Calibri" panose="020F0502020204030204" pitchFamily="34" charset="0"/>
+              </a:rPr>
+              <a:t>img</a:t>
+            </a:r>
+            <a:r>
+              <a:rPr lang="en-US" sz="2400" dirty="0">
+                <a:latin typeface="Calibri" panose="020F0502020204030204" pitchFamily="34" charset="0"/>
+                <a:cs typeface="Calibri" panose="020F0502020204030204" pitchFamily="34" charset="0"/>
+              </a:rPr>
+              <a:t>&gt;</a:t>
+            </a:r>
+          </a:p>
+        </p:txBody>
+      </p:sp>
+    </p:spTree>
+    <p:extLst>
+      <p:ext uri="{BB962C8B-B14F-4D97-AF65-F5344CB8AC3E}">
+        <p14:creationId xmlns:p14="http://schemas.microsoft.com/office/powerpoint/2010/main" val="1327318080"/>
+      </p:ext>
+    </p:extLst>
+  </p:cSld>
+  <p:clrMapOvr>
+    <a:masterClrMapping/>
+  </p:clrMapOvr>
+</p:sld>
+</file>
+
+<file path=ppt/slides/slide28.xml><?xml version="1.0" encoding="utf-8"?>
+<p:sld xmlns:a="http://schemas.openxmlformats.org/drawingml/2006/main" xmlns:r="http://schemas.openxmlformats.org/officeDocument/2006/relationships" xmlns:p="http://schemas.openxmlformats.org/presentationml/2006/main">
+  <p:cSld>
+    <p:spTree>
+      <p:nvGrpSpPr>
+        <p:cNvPr id="1" name=""/>
+        <p:cNvGrpSpPr/>
+        <p:nvPr/>
+      </p:nvGrpSpPr>
+      <p:grpSpPr>
+        <a:xfrm>
+          <a:off x="0" y="0"/>
+          <a:ext cx="0" cy="0"/>
+          <a:chOff x="0" y="0"/>
+          <a:chExt cx="0" cy="0"/>
+        </a:xfrm>
+      </p:grpSpPr>
+      <p:sp>
+        <p:nvSpPr>
+          <p:cNvPr id="2" name="Title 1">
+            <a:extLst>
+              <a:ext uri="{FF2B5EF4-FFF2-40B4-BE49-F238E27FC236}">
+                <a16:creationId xmlns:a16="http://schemas.microsoft.com/office/drawing/2014/main" id="{AFAEB87E-8C41-4940-B0F4-584ABE3D469D}"/>
+              </a:ext>
+            </a:extLst>
+          </p:cNvPr>
+          <p:cNvSpPr>
+            <a:spLocks noGrp="1"/>
+          </p:cNvSpPr>
+          <p:nvPr>
+            <p:ph type="title"/>
+          </p:nvPr>
+        </p:nvSpPr>
+        <p:spPr>
+          <a:xfrm>
+            <a:off x="1371599" y="3042851"/>
+            <a:ext cx="9984259" cy="772297"/>
+          </a:xfrm>
+        </p:spPr>
+        <p:txBody>
+          <a:bodyPr/>
+          <a:lstStyle/>
+          <a:p>
+            <a:pPr algn="ctr"/>
+            <a:r>
+              <a:rPr lang="en-US" dirty="0"/>
+              <a:t>CSS Exercise</a:t>
+            </a:r>
+          </a:p>
+        </p:txBody>
+      </p:sp>
+    </p:spTree>
+    <p:extLst>
+      <p:ext uri="{BB962C8B-B14F-4D97-AF65-F5344CB8AC3E}">
+        <p14:creationId xmlns:p14="http://schemas.microsoft.com/office/powerpoint/2010/main" val="3129343310"/>
+      </p:ext>
+    </p:extLst>
+  </p:cSld>
+  <p:clrMapOvr>
+    <a:masterClrMapping/>
+  </p:clrMapOvr>
+</p:sld>
+</file>
+
+<file path=ppt/slides/slide29.xml><?xml version="1.0" encoding="utf-8"?>
+<p:sld xmlns:a="http://schemas.openxmlformats.org/drawingml/2006/main" xmlns:r="http://schemas.openxmlformats.org/officeDocument/2006/relationships" xmlns:p="http://schemas.openxmlformats.org/presentationml/2006/main">
+  <p:cSld>
+    <p:spTree>
+      <p:nvGrpSpPr>
+        <p:cNvPr id="1" name=""/>
+        <p:cNvGrpSpPr/>
+        <p:nvPr/>
+      </p:nvGrpSpPr>
+      <p:grpSpPr>
+        <a:xfrm>
+          <a:off x="0" y="0"/>
+          <a:ext cx="0" cy="0"/>
+          <a:chOff x="0" y="0"/>
+          <a:chExt cx="0" cy="0"/>
+        </a:xfrm>
+      </p:grpSpPr>
+      <p:sp>
+        <p:nvSpPr>
+          <p:cNvPr id="2" name="Title 1">
+            <a:extLst>
+              <a:ext uri="{FF2B5EF4-FFF2-40B4-BE49-F238E27FC236}">
+                <a16:creationId xmlns:a16="http://schemas.microsoft.com/office/drawing/2014/main" id="{D6E05A0A-BD61-8046-926C-2393B37A52D7}"/>
+              </a:ext>
+            </a:extLst>
+          </p:cNvPr>
+          <p:cNvSpPr>
+            <a:spLocks noGrp="1"/>
+          </p:cNvSpPr>
+          <p:nvPr>
+            <p:ph type="title"/>
+          </p:nvPr>
+        </p:nvSpPr>
+        <p:spPr/>
+        <p:txBody>
+          <a:bodyPr/>
+          <a:lstStyle/>
+          <a:p>
+            <a:r>
+              <a:rPr lang="en-US" dirty="0"/>
+              <a:t>Code this webpage using HTML &amp; CSS!</a:t>
+            </a:r>
+          </a:p>
+        </p:txBody>
+      </p:sp>
+      <p:pic>
+        <p:nvPicPr>
+          <p:cNvPr id="5" name="Content Placeholder 4" descr="Graphical user interface, application&#10;&#10;Description automatically generated">
+            <a:extLst>
+              <a:ext uri="{FF2B5EF4-FFF2-40B4-BE49-F238E27FC236}">
+                <a16:creationId xmlns:a16="http://schemas.microsoft.com/office/drawing/2014/main" id="{9E148849-FFE0-9349-9D43-AC0DF653E1B0}"/>
+              </a:ext>
+            </a:extLst>
+          </p:cNvPr>
+          <p:cNvPicPr>
+            <a:picLocks noGrp="1" noChangeAspect="1"/>
+          </p:cNvPicPr>
+          <p:nvPr>
+            <p:ph idx="1"/>
+          </p:nvPr>
+        </p:nvPicPr>
+        <p:blipFill>
+          <a:blip r:embed="rId3"/>
+          <a:stretch>
+            <a:fillRect/>
+          </a:stretch>
+        </p:blipFill>
+        <p:spPr>
+          <a:xfrm>
+            <a:off x="5398818" y="1535125"/>
+            <a:ext cx="6529470" cy="5050346"/>
+          </a:xfrm>
+        </p:spPr>
+      </p:pic>
+      <p:sp>
+        <p:nvSpPr>
+          <p:cNvPr id="6" name="TextBox 5">
+            <a:extLst>
+              <a:ext uri="{FF2B5EF4-FFF2-40B4-BE49-F238E27FC236}">
+                <a16:creationId xmlns:a16="http://schemas.microsoft.com/office/drawing/2014/main" id="{99D797BB-BE76-FC4F-A4E6-112A89E7DD5B}"/>
+              </a:ext>
+            </a:extLst>
+          </p:cNvPr>
+          <p:cNvSpPr txBox="1"/>
+          <p:nvPr/>
+        </p:nvSpPr>
+        <p:spPr>
+          <a:xfrm>
+            <a:off x="1371599" y="2262753"/>
+            <a:ext cx="4114801" cy="3416320"/>
+          </a:xfrm>
+          <a:prstGeom prst="rect">
+            <a:avLst/>
+          </a:prstGeom>
+          <a:noFill/>
+        </p:spPr>
+        <p:txBody>
+          <a:bodyPr wrap="square" rtlCol="0">
+            <a:spAutoFit/>
+          </a:bodyPr>
+          <a:lstStyle/>
+          <a:p>
+            <a:r>
+              <a:rPr lang="en-US" sz="2400" dirty="0">
+                <a:latin typeface="Calibri" panose="020F0502020204030204" pitchFamily="34" charset="0"/>
+                <a:cs typeface="Calibri" panose="020F0502020204030204" pitchFamily="34" charset="0"/>
+              </a:rPr>
+              <a:t>Please use the following tags:</a:t>
+            </a:r>
+          </a:p>
+          <a:p>
+            <a:pPr marL="285750" indent="-285750">
+              <a:buFont typeface="Arial" panose="020B0604020202020204" pitchFamily="34" charset="0"/>
+              <a:buChar char="•"/>
+            </a:pPr>
+            <a:r>
+              <a:rPr lang="en-US" sz="2400" dirty="0">
+                <a:latin typeface="Calibri" panose="020F0502020204030204" pitchFamily="34" charset="0"/>
+                <a:cs typeface="Calibri" panose="020F0502020204030204" pitchFamily="34" charset="0"/>
+              </a:rPr>
+              <a:t>&lt;h3&gt;</a:t>
+            </a:r>
+          </a:p>
+          <a:p>
+            <a:pPr marL="285750" indent="-285750">
+              <a:buFont typeface="Arial" panose="020B0604020202020204" pitchFamily="34" charset="0"/>
+              <a:buChar char="•"/>
+            </a:pPr>
+            <a:r>
+              <a:rPr lang="en-US" sz="2400" dirty="0">
+                <a:latin typeface="Calibri" panose="020F0502020204030204" pitchFamily="34" charset="0"/>
+                <a:cs typeface="Calibri" panose="020F0502020204030204" pitchFamily="34" charset="0"/>
+              </a:rPr>
+              <a:t>&lt;div&gt;</a:t>
+            </a:r>
+          </a:p>
+          <a:p>
+            <a:pPr marL="285750" indent="-285750">
+              <a:buFont typeface="Arial" panose="020B0604020202020204" pitchFamily="34" charset="0"/>
+              <a:buChar char="•"/>
+            </a:pPr>
+            <a:r>
+              <a:rPr lang="en-US" sz="2400" dirty="0">
+                <a:latin typeface="Calibri" panose="020F0502020204030204" pitchFamily="34" charset="0"/>
+                <a:cs typeface="Calibri" panose="020F0502020204030204" pitchFamily="34" charset="0"/>
+              </a:rPr>
+              <a:t>&lt;form&gt;</a:t>
+            </a:r>
+          </a:p>
+          <a:p>
+            <a:pPr marL="285750" indent="-285750">
+              <a:buFont typeface="Arial" panose="020B0604020202020204" pitchFamily="34" charset="0"/>
+              <a:buChar char="•"/>
+            </a:pPr>
+            <a:r>
+              <a:rPr lang="en-US" sz="2400" dirty="0">
+                <a:solidFill>
+                  <a:srgbClr val="C00000"/>
+                </a:solidFill>
+                <a:latin typeface="Calibri" panose="020F0502020204030204" pitchFamily="34" charset="0"/>
+                <a:cs typeface="Calibri" panose="020F0502020204030204" pitchFamily="34" charset="0"/>
+              </a:rPr>
+              <a:t>&lt;label&gt;</a:t>
+            </a:r>
+          </a:p>
+          <a:p>
+            <a:pPr marL="285750" indent="-285750">
+              <a:buFont typeface="Arial" panose="020B0604020202020204" pitchFamily="34" charset="0"/>
+              <a:buChar char="•"/>
+            </a:pPr>
+            <a:r>
+              <a:rPr lang="en-US" sz="2400" dirty="0">
+                <a:latin typeface="Calibri" panose="020F0502020204030204" pitchFamily="34" charset="0"/>
+                <a:cs typeface="Calibri" panose="020F0502020204030204" pitchFamily="34" charset="0"/>
+              </a:rPr>
+              <a:t>&lt;input&gt;</a:t>
+            </a:r>
+          </a:p>
+          <a:p>
+            <a:pPr marL="285750" indent="-285750">
+              <a:buFont typeface="Arial" panose="020B0604020202020204" pitchFamily="34" charset="0"/>
+              <a:buChar char="•"/>
+            </a:pPr>
+            <a:r>
+              <a:rPr lang="en-US" sz="2400" dirty="0">
+                <a:solidFill>
+                  <a:srgbClr val="C00000"/>
+                </a:solidFill>
+                <a:latin typeface="Calibri" panose="020F0502020204030204" pitchFamily="34" charset="0"/>
+                <a:cs typeface="Calibri" panose="020F0502020204030204" pitchFamily="34" charset="0"/>
+              </a:rPr>
+              <a:t>&lt;select&gt;</a:t>
+            </a:r>
+          </a:p>
+          <a:p>
+            <a:pPr marL="285750" indent="-285750">
+              <a:buFont typeface="Arial" panose="020B0604020202020204" pitchFamily="34" charset="0"/>
+              <a:buChar char="•"/>
+            </a:pPr>
+            <a:r>
+              <a:rPr lang="en-US" sz="2400" dirty="0">
+                <a:solidFill>
+                  <a:srgbClr val="C00000"/>
+                </a:solidFill>
+                <a:latin typeface="Calibri" panose="020F0502020204030204" pitchFamily="34" charset="0"/>
+                <a:cs typeface="Calibri" panose="020F0502020204030204" pitchFamily="34" charset="0"/>
+              </a:rPr>
+              <a:t>&lt;option&gt;</a:t>
+            </a:r>
+          </a:p>
+          <a:p>
+            <a:pPr marL="285750" indent="-285750">
+              <a:buFont typeface="Arial" panose="020B0604020202020204" pitchFamily="34" charset="0"/>
+              <a:buChar char="•"/>
+            </a:pPr>
+            <a:endParaRPr lang="en-US" sz="2400" dirty="0">
+              <a:latin typeface="Calibri" panose="020F0502020204030204" pitchFamily="34" charset="0"/>
+              <a:cs typeface="Calibri" panose="020F0502020204030204" pitchFamily="34" charset="0"/>
+            </a:endParaRPr>
+          </a:p>
+        </p:txBody>
+      </p:sp>
+    </p:spTree>
+    <p:extLst>
+      <p:ext uri="{BB962C8B-B14F-4D97-AF65-F5344CB8AC3E}">
+        <p14:creationId xmlns:p14="http://schemas.microsoft.com/office/powerpoint/2010/main" val="1966698227"/>
+      </p:ext>
+    </p:extLst>
+  </p:cSld>
+  <p:clrMapOvr>
+    <a:masterClrMapping/>
+  </p:clrMapOvr>
+</p:sld>
+</file>
+
+<file path=ppt/slides/slide3.xml><?xml version="1.0" encoding="utf-8"?>
+<p:sld xmlns:a="http://schemas.openxmlformats.org/drawingml/2006/main" xmlns:r="http://schemas.openxmlformats.org/officeDocument/2006/relationships" xmlns:p="http://schemas.openxmlformats.org/presentationml/2006/main">
+  <p:cSld>
+    <p:spTree>
+      <p:nvGrpSpPr>
+        <p:cNvPr id="1" name=""/>
+        <p:cNvGrpSpPr/>
+        <p:nvPr/>
+      </p:nvGrpSpPr>
+      <p:grpSpPr>
+        <a:xfrm>
+          <a:off x="0" y="0"/>
+          <a:ext cx="0" cy="0"/>
+          <a:chOff x="0" y="0"/>
+          <a:chExt cx="0" cy="0"/>
+        </a:xfrm>
+      </p:grpSpPr>
+      <p:sp>
+        <p:nvSpPr>
+          <p:cNvPr id="3" name="object 3"/>
+          <p:cNvSpPr txBox="1">
+            <a:spLocks noGrp="1"/>
+          </p:cNvSpPr>
+          <p:nvPr>
+            <p:ph type="title"/>
+          </p:nvPr>
+        </p:nvSpPr>
+        <p:spPr>
+          <a:xfrm>
+            <a:off x="7433441" y="2256462"/>
+            <a:ext cx="4031728" cy="2273379"/>
+          </a:xfrm>
+          <a:prstGeom prst="rect">
+            <a:avLst/>
+          </a:prstGeom>
+        </p:spPr>
+        <p:txBody>
+          <a:bodyPr vert="horz" wrap="square" lIns="0" tIns="0" rIns="0" bIns="0" rtlCol="0" anchor="t">
+            <a:spAutoFit/>
+          </a:bodyPr>
+          <a:lstStyle/>
+          <a:p>
+            <a:pPr marL="11516">
+              <a:lnSpc>
+                <a:spcPct val="150000"/>
+              </a:lnSpc>
+            </a:pPr>
+            <a:r>
+              <a:rPr lang="en-US" altLang="zh-CN" sz="3400" spc="-5" dirty="0">
+                <a:solidFill>
+                  <a:srgbClr val="0070C0"/>
+                </a:solidFill>
+              </a:rPr>
+              <a:t>Topic</a:t>
+            </a:r>
+            <a:r>
+              <a:rPr lang="zh-CN" altLang="en-US" sz="3400" spc="-5" dirty="0">
+                <a:solidFill>
+                  <a:srgbClr val="0070C0"/>
+                </a:solidFill>
+              </a:rPr>
+              <a:t> </a:t>
+            </a:r>
+            <a:r>
+              <a:rPr sz="3400" spc="-5" dirty="0">
+                <a:solidFill>
+                  <a:srgbClr val="0070C0"/>
+                </a:solidFill>
+              </a:rPr>
+              <a:t>1:</a:t>
+            </a:r>
+            <a:r>
+              <a:rPr sz="3400" spc="-9" dirty="0">
+                <a:solidFill>
+                  <a:srgbClr val="0070C0"/>
+                </a:solidFill>
+              </a:rPr>
+              <a:t> </a:t>
+            </a:r>
+            <a:br>
+              <a:rPr lang="en-US" sz="3400" spc="-9" dirty="0">
+                <a:solidFill>
+                  <a:srgbClr val="0070C0"/>
+                </a:solidFill>
+              </a:rPr>
+            </a:br>
+            <a:r>
+              <a:rPr lang="en-US" sz="3400" spc="-9" dirty="0">
+                <a:solidFill>
+                  <a:srgbClr val="0070C0"/>
+                </a:solidFill>
+              </a:rPr>
+              <a:t>17 Tested Elements</a:t>
+            </a:r>
+            <a:br>
+              <a:rPr lang="en-US" sz="3400" spc="-9" dirty="0">
+                <a:solidFill>
+                  <a:srgbClr val="0070C0"/>
+                </a:solidFill>
+              </a:rPr>
+            </a:br>
+            <a:endParaRPr sz="3400" dirty="0">
+              <a:solidFill>
+                <a:srgbClr val="0070C0"/>
+              </a:solidFill>
+            </a:endParaRPr>
+          </a:p>
+        </p:txBody>
+      </p:sp>
+      <p:pic>
+        <p:nvPicPr>
+          <p:cNvPr id="6" name="Picture 5" descr="Graphical user interface&#10;&#10;Description automatically generated">
+            <a:extLst>
+              <a:ext uri="{FF2B5EF4-FFF2-40B4-BE49-F238E27FC236}">
+                <a16:creationId xmlns:a16="http://schemas.microsoft.com/office/drawing/2014/main" id="{13D1CDB8-800F-ED42-AE93-12EA4F73DF21}"/>
+              </a:ext>
+            </a:extLst>
+          </p:cNvPr>
+          <p:cNvPicPr>
+            <a:picLocks noChangeAspect="1"/>
+          </p:cNvPicPr>
+          <p:nvPr/>
+        </p:nvPicPr>
+        <p:blipFill>
+          <a:blip r:embed="rId2"/>
+          <a:stretch>
+            <a:fillRect/>
+          </a:stretch>
+        </p:blipFill>
+        <p:spPr>
+          <a:xfrm>
+            <a:off x="0" y="0"/>
+            <a:ext cx="6938010" cy="6858000"/>
+          </a:xfrm>
+          <a:prstGeom prst="rect">
+            <a:avLst/>
+          </a:prstGeom>
+        </p:spPr>
+      </p:pic>
+    </p:spTree>
+  </p:cSld>
+  <p:clrMapOvr>
+    <a:masterClrMapping/>
+  </p:clrMapOvr>
+</p:sld>
+</file>
+
+<file path=ppt/slides/slide30.xml><?xml version="1.0" encoding="utf-8"?>
+<p:sld xmlns:a="http://schemas.openxmlformats.org/drawingml/2006/main" xmlns:r="http://schemas.openxmlformats.org/officeDocument/2006/relationships" xmlns:p="http://schemas.openxmlformats.org/presentationml/2006/main">
+  <p:cSld>
+    <p:spTree>
+      <p:nvGrpSpPr>
+        <p:cNvPr id="1" name=""/>
+        <p:cNvGrpSpPr/>
+        <p:nvPr/>
+      </p:nvGrpSpPr>
+      <p:grpSpPr>
+        <a:xfrm>
+          <a:off x="0" y="0"/>
+          <a:ext cx="0" cy="0"/>
+          <a:chOff x="0" y="0"/>
+          <a:chExt cx="0" cy="0"/>
+        </a:xfrm>
+      </p:grpSpPr>
+      <p:sp>
+        <p:nvSpPr>
+          <p:cNvPr id="2" name="Title 1">
+            <a:extLst>
+              <a:ext uri="{FF2B5EF4-FFF2-40B4-BE49-F238E27FC236}">
+                <a16:creationId xmlns:a16="http://schemas.microsoft.com/office/drawing/2014/main" id="{B00CC13C-AC97-6541-8608-C74C9D7AE9F3}"/>
+              </a:ext>
+            </a:extLst>
+          </p:cNvPr>
+          <p:cNvSpPr>
+            <a:spLocks noGrp="1"/>
+          </p:cNvSpPr>
+          <p:nvPr>
+            <p:ph type="title"/>
+          </p:nvPr>
+        </p:nvSpPr>
+        <p:spPr>
+          <a:xfrm>
+            <a:off x="1371599" y="2924346"/>
+            <a:ext cx="9984259" cy="772297"/>
+          </a:xfrm>
+        </p:spPr>
+        <p:txBody>
+          <a:bodyPr/>
+          <a:lstStyle/>
+          <a:p>
+            <a:pPr algn="ctr"/>
+            <a:r>
+              <a:rPr lang="en-US" dirty="0"/>
+              <a:t>JavaScript Exercise</a:t>
+            </a:r>
+          </a:p>
+        </p:txBody>
+      </p:sp>
+    </p:spTree>
+    <p:extLst>
+      <p:ext uri="{BB962C8B-B14F-4D97-AF65-F5344CB8AC3E}">
+        <p14:creationId xmlns:p14="http://schemas.microsoft.com/office/powerpoint/2010/main" val="623084614"/>
+      </p:ext>
+    </p:extLst>
+  </p:cSld>
+  <p:clrMapOvr>
+    <a:masterClrMapping/>
+  </p:clrMapOvr>
+</p:sld>
+</file>
+
+<file path=ppt/slides/slide31.xml><?xml version="1.0" encoding="utf-8"?>
+<p:sld xmlns:a="http://schemas.openxmlformats.org/drawingml/2006/main" xmlns:r="http://schemas.openxmlformats.org/officeDocument/2006/relationships" xmlns:p="http://schemas.openxmlformats.org/presentationml/2006/main">
+  <p:cSld>
+    <p:spTree>
+      <p:nvGrpSpPr>
+        <p:cNvPr id="1" name=""/>
+        <p:cNvGrpSpPr/>
+        <p:nvPr/>
+      </p:nvGrpSpPr>
+      <p:grpSpPr>
+        <a:xfrm>
+          <a:off x="0" y="0"/>
+          <a:ext cx="0" cy="0"/>
+          <a:chOff x="0" y="0"/>
+          <a:chExt cx="0" cy="0"/>
+        </a:xfrm>
+      </p:grpSpPr>
+      <p:sp>
+        <p:nvSpPr>
+          <p:cNvPr id="2" name="Title 1">
+            <a:extLst>
+              <a:ext uri="{FF2B5EF4-FFF2-40B4-BE49-F238E27FC236}">
+                <a16:creationId xmlns:a16="http://schemas.microsoft.com/office/drawing/2014/main" id="{8831A6CF-5A0B-F04E-A270-99D9C197AD3D}"/>
+              </a:ext>
+            </a:extLst>
+          </p:cNvPr>
+          <p:cNvSpPr>
+            <a:spLocks noGrp="1"/>
+          </p:cNvSpPr>
+          <p:nvPr>
+            <p:ph type="title"/>
+          </p:nvPr>
+        </p:nvSpPr>
+        <p:spPr/>
+        <p:txBody>
+          <a:bodyPr>
+            <a:normAutofit/>
+          </a:bodyPr>
+          <a:lstStyle/>
+          <a:p>
+            <a:r>
+              <a:rPr lang="en-US" dirty="0"/>
+              <a:t>Personalized welcome message (JS)</a:t>
+            </a:r>
+          </a:p>
+        </p:txBody>
+      </p:sp>
+      <p:sp>
+        <p:nvSpPr>
+          <p:cNvPr id="3" name="Content Placeholder 2">
+            <a:extLst>
+              <a:ext uri="{FF2B5EF4-FFF2-40B4-BE49-F238E27FC236}">
+                <a16:creationId xmlns:a16="http://schemas.microsoft.com/office/drawing/2014/main" id="{B9D93A53-5815-FD4E-AB31-462A4169B54D}"/>
+              </a:ext>
+            </a:extLst>
+          </p:cNvPr>
+          <p:cNvSpPr>
+            <a:spLocks noGrp="1"/>
+          </p:cNvSpPr>
+          <p:nvPr>
+            <p:ph idx="1"/>
+          </p:nvPr>
+        </p:nvSpPr>
+        <p:spPr/>
+        <p:txBody>
+          <a:bodyPr/>
+          <a:lstStyle/>
+          <a:p>
+            <a:r>
+              <a:rPr lang="en-US" dirty="0"/>
+              <a:t>1. In </a:t>
+            </a:r>
+            <a:r>
+              <a:rPr lang="en-US" dirty="0" err="1"/>
+              <a:t>index.html</a:t>
+            </a:r>
+            <a:r>
+              <a:rPr lang="en-US" dirty="0"/>
+              <a:t>, add the following line just before the </a:t>
+            </a:r>
+            <a:r>
+              <a:rPr lang="en-US" u="sng" dirty="0">
+                <a:hlinkClick r:id="rId3"/>
+              </a:rPr>
+              <a:t>&lt;script&gt;</a:t>
+            </a:r>
+            <a:r>
+              <a:rPr lang="en-US" dirty="0"/>
+              <a:t> element:</a:t>
+            </a:r>
+          </a:p>
+          <a:p>
+            <a:endParaRPr lang="en-US" dirty="0"/>
+          </a:p>
+          <a:p>
+            <a:endParaRPr lang="en-US" dirty="0"/>
+          </a:p>
+          <a:p>
+            <a:endParaRPr lang="en-US" dirty="0"/>
+          </a:p>
+          <a:p>
+            <a:r>
+              <a:rPr lang="en-US" dirty="0"/>
+              <a:t>2. In </a:t>
+            </a:r>
+            <a:r>
+              <a:rPr lang="en-US" dirty="0" err="1"/>
+              <a:t>main.js</a:t>
+            </a:r>
+            <a:r>
+              <a:rPr lang="en-US" dirty="0"/>
+              <a:t>, place the following code at the bottom of the file, exactly as it is written. This takes references to the new button and the heading, storing each inside variables:</a:t>
+            </a:r>
+          </a:p>
+        </p:txBody>
+      </p:sp>
+      <p:pic>
+        <p:nvPicPr>
+          <p:cNvPr id="5" name="Picture 4" descr="A picture containing logo&#10;&#10;Description automatically generated">
+            <a:extLst>
+              <a:ext uri="{FF2B5EF4-FFF2-40B4-BE49-F238E27FC236}">
+                <a16:creationId xmlns:a16="http://schemas.microsoft.com/office/drawing/2014/main" id="{8D2276C8-1936-CA4A-A3DF-70C23FE4F174}"/>
+              </a:ext>
+            </a:extLst>
+          </p:cNvPr>
+          <p:cNvPicPr>
+            <a:picLocks noChangeAspect="1"/>
+          </p:cNvPicPr>
+          <p:nvPr/>
+        </p:nvPicPr>
+        <p:blipFill>
+          <a:blip r:embed="rId4"/>
+          <a:stretch>
+            <a:fillRect/>
+          </a:stretch>
+        </p:blipFill>
+        <p:spPr>
+          <a:xfrm>
+            <a:off x="2320979" y="2093455"/>
+            <a:ext cx="6330592" cy="913215"/>
+          </a:xfrm>
+          <a:prstGeom prst="rect">
+            <a:avLst/>
+          </a:prstGeom>
+        </p:spPr>
+      </p:pic>
+      <p:pic>
+        <p:nvPicPr>
+          <p:cNvPr id="7" name="Picture 6" descr="A picture containing company name&#10;&#10;Description automatically generated">
+            <a:extLst>
+              <a:ext uri="{FF2B5EF4-FFF2-40B4-BE49-F238E27FC236}">
+                <a16:creationId xmlns:a16="http://schemas.microsoft.com/office/drawing/2014/main" id="{EBF1DE61-D048-DF45-B964-B6078821700D}"/>
+              </a:ext>
+            </a:extLst>
+          </p:cNvPr>
+          <p:cNvPicPr>
+            <a:picLocks noChangeAspect="1"/>
+          </p:cNvPicPr>
+          <p:nvPr/>
+        </p:nvPicPr>
+        <p:blipFill>
+          <a:blip r:embed="rId5"/>
+          <a:stretch>
+            <a:fillRect/>
+          </a:stretch>
+        </p:blipFill>
+        <p:spPr>
+          <a:xfrm>
+            <a:off x="2320979" y="5095859"/>
+            <a:ext cx="7977586" cy="1076341"/>
+          </a:xfrm>
+          <a:prstGeom prst="rect">
+            <a:avLst/>
+          </a:prstGeom>
+        </p:spPr>
+      </p:pic>
+    </p:spTree>
+    <p:extLst>
+      <p:ext uri="{BB962C8B-B14F-4D97-AF65-F5344CB8AC3E}">
+        <p14:creationId xmlns:p14="http://schemas.microsoft.com/office/powerpoint/2010/main" val="1243173998"/>
+      </p:ext>
+    </p:extLst>
+  </p:cSld>
+  <p:clrMapOvr>
+    <a:masterClrMapping/>
+  </p:clrMapOvr>
+</p:sld>
+</file>
+
+<file path=ppt/slides/slide32.xml><?xml version="1.0" encoding="utf-8"?>
+<p:sld xmlns:a="http://schemas.openxmlformats.org/drawingml/2006/main" xmlns:r="http://schemas.openxmlformats.org/officeDocument/2006/relationships" xmlns:p="http://schemas.openxmlformats.org/presentationml/2006/main">
+  <p:cSld>
+    <p:spTree>
+      <p:nvGrpSpPr>
+        <p:cNvPr id="1" name=""/>
+        <p:cNvGrpSpPr/>
+        <p:nvPr/>
+      </p:nvGrpSpPr>
+      <p:grpSpPr>
+        <a:xfrm>
+          <a:off x="0" y="0"/>
+          <a:ext cx="0" cy="0"/>
+          <a:chOff x="0" y="0"/>
+          <a:chExt cx="0" cy="0"/>
+        </a:xfrm>
+      </p:grpSpPr>
+      <p:sp>
+        <p:nvSpPr>
+          <p:cNvPr id="2" name="Title 1">
+            <a:extLst>
+              <a:ext uri="{FF2B5EF4-FFF2-40B4-BE49-F238E27FC236}">
+                <a16:creationId xmlns:a16="http://schemas.microsoft.com/office/drawing/2014/main" id="{D55FAA9D-4B45-9242-ADF8-DB7D53A37723}"/>
+              </a:ext>
+            </a:extLst>
+          </p:cNvPr>
+          <p:cNvSpPr>
+            <a:spLocks noGrp="1"/>
+          </p:cNvSpPr>
+          <p:nvPr>
+            <p:ph type="title"/>
+          </p:nvPr>
+        </p:nvSpPr>
+        <p:spPr/>
+        <p:txBody>
+          <a:bodyPr/>
+          <a:lstStyle/>
+          <a:p>
+            <a:r>
+              <a:rPr lang="en-US" dirty="0"/>
+              <a:t>Personalized welcome message (JS)</a:t>
+            </a:r>
+          </a:p>
+        </p:txBody>
+      </p:sp>
+      <p:sp>
+        <p:nvSpPr>
+          <p:cNvPr id="3" name="Content Placeholder 2">
+            <a:extLst>
+              <a:ext uri="{FF2B5EF4-FFF2-40B4-BE49-F238E27FC236}">
+                <a16:creationId xmlns:a16="http://schemas.microsoft.com/office/drawing/2014/main" id="{2BA8ADD3-0CE2-5E46-B1E2-17BEE6055827}"/>
+              </a:ext>
+            </a:extLst>
+          </p:cNvPr>
+          <p:cNvSpPr>
+            <a:spLocks noGrp="1"/>
+          </p:cNvSpPr>
+          <p:nvPr>
+            <p:ph idx="1"/>
+          </p:nvPr>
+        </p:nvSpPr>
+        <p:spPr/>
+        <p:txBody>
+          <a:bodyPr>
+            <a:normAutofit/>
+          </a:bodyPr>
+          <a:lstStyle/>
+          <a:p>
+            <a:r>
+              <a:rPr lang="en-US" dirty="0"/>
+              <a:t>3. Add the function below to set the personalized greeting. This won't do anything yet, but this will change soon.</a:t>
+            </a:r>
+          </a:p>
+          <a:p>
+            <a:endParaRPr lang="en-US" dirty="0"/>
+          </a:p>
+          <a:p>
+            <a:endParaRPr lang="en-US" dirty="0"/>
+          </a:p>
+          <a:p>
+            <a:endParaRPr lang="en-US" dirty="0"/>
+          </a:p>
+          <a:p>
+            <a:endParaRPr lang="en-US" dirty="0"/>
+          </a:p>
+          <a:p>
+            <a:endParaRPr lang="en-US" dirty="0"/>
+          </a:p>
+          <a:p>
+            <a:pPr marL="0" indent="0">
+              <a:buNone/>
+            </a:pPr>
+            <a:endParaRPr lang="en-US" dirty="0"/>
+          </a:p>
+        </p:txBody>
+      </p:sp>
+      <p:pic>
+        <p:nvPicPr>
+          <p:cNvPr id="5" name="Picture 4" descr="A picture containing text&#10;&#10;Description automatically generated">
+            <a:extLst>
+              <a:ext uri="{FF2B5EF4-FFF2-40B4-BE49-F238E27FC236}">
+                <a16:creationId xmlns:a16="http://schemas.microsoft.com/office/drawing/2014/main" id="{95747CE4-5CA1-5341-9BC6-5CEC6986E57F}"/>
+              </a:ext>
+            </a:extLst>
+          </p:cNvPr>
+          <p:cNvPicPr>
+            <a:picLocks noChangeAspect="1"/>
+          </p:cNvPicPr>
+          <p:nvPr/>
+        </p:nvPicPr>
+        <p:blipFill>
+          <a:blip r:embed="rId3"/>
+          <a:stretch>
+            <a:fillRect/>
+          </a:stretch>
+        </p:blipFill>
+        <p:spPr>
+          <a:xfrm>
+            <a:off x="1894021" y="2865644"/>
+            <a:ext cx="8934773" cy="1985505"/>
+          </a:xfrm>
+          <a:prstGeom prst="rect">
+            <a:avLst/>
+          </a:prstGeom>
+        </p:spPr>
+      </p:pic>
+    </p:spTree>
+    <p:extLst>
+      <p:ext uri="{BB962C8B-B14F-4D97-AF65-F5344CB8AC3E}">
+        <p14:creationId xmlns:p14="http://schemas.microsoft.com/office/powerpoint/2010/main" val="259515246"/>
+      </p:ext>
+    </p:extLst>
+  </p:cSld>
+  <p:clrMapOvr>
+    <a:masterClrMapping/>
+  </p:clrMapOvr>
+</p:sld>
+</file>
+
+<file path=ppt/slides/slide33.xml><?xml version="1.0" encoding="utf-8"?>
+<p:sld xmlns:a="http://schemas.openxmlformats.org/drawingml/2006/main" xmlns:r="http://schemas.openxmlformats.org/officeDocument/2006/relationships" xmlns:p="http://schemas.openxmlformats.org/presentationml/2006/main">
+  <p:cSld>
+    <p:spTree>
+      <p:nvGrpSpPr>
+        <p:cNvPr id="1" name=""/>
+        <p:cNvGrpSpPr/>
+        <p:nvPr/>
+      </p:nvGrpSpPr>
+      <p:grpSpPr>
+        <a:xfrm>
+          <a:off x="0" y="0"/>
+          <a:ext cx="0" cy="0"/>
+          <a:chOff x="0" y="0"/>
+          <a:chExt cx="0" cy="0"/>
+        </a:xfrm>
+      </p:grpSpPr>
+      <p:sp>
+        <p:nvSpPr>
+          <p:cNvPr id="2" name="Title 1">
+            <a:extLst>
+              <a:ext uri="{FF2B5EF4-FFF2-40B4-BE49-F238E27FC236}">
+                <a16:creationId xmlns:a16="http://schemas.microsoft.com/office/drawing/2014/main" id="{04F685FC-1837-0F46-A289-962E32C062A7}"/>
+              </a:ext>
+            </a:extLst>
+          </p:cNvPr>
+          <p:cNvSpPr>
+            <a:spLocks noGrp="1"/>
+          </p:cNvSpPr>
+          <p:nvPr>
+            <p:ph type="title"/>
+          </p:nvPr>
+        </p:nvSpPr>
+        <p:spPr/>
+        <p:txBody>
+          <a:bodyPr/>
+          <a:lstStyle/>
+          <a:p>
+            <a:r>
+              <a:rPr lang="en-US" dirty="0"/>
+              <a:t>Personalized welcome message (JS)</a:t>
+            </a:r>
+          </a:p>
+        </p:txBody>
+      </p:sp>
+      <p:sp>
+        <p:nvSpPr>
+          <p:cNvPr id="3" name="Content Placeholder 2">
+            <a:extLst>
+              <a:ext uri="{FF2B5EF4-FFF2-40B4-BE49-F238E27FC236}">
+                <a16:creationId xmlns:a16="http://schemas.microsoft.com/office/drawing/2014/main" id="{BF7FEA57-D076-9B44-9689-8CCC88ECE255}"/>
+              </a:ext>
+            </a:extLst>
+          </p:cNvPr>
+          <p:cNvSpPr>
+            <a:spLocks noGrp="1"/>
+          </p:cNvSpPr>
+          <p:nvPr>
+            <p:ph idx="1"/>
+          </p:nvPr>
+        </p:nvSpPr>
+        <p:spPr/>
+        <p:txBody>
+          <a:bodyPr/>
+          <a:lstStyle/>
+          <a:p>
+            <a:r>
+              <a:rPr lang="en-US" dirty="0"/>
+              <a:t>4. Add the if ... else block (below). We could call this initialization code, as it structures the app when it first loads.</a:t>
+            </a:r>
+          </a:p>
+        </p:txBody>
+      </p:sp>
+      <p:pic>
+        <p:nvPicPr>
+          <p:cNvPr id="5" name="Picture 4" descr="A picture containing text&#10;&#10;Description automatically generated">
+            <a:extLst>
+              <a:ext uri="{FF2B5EF4-FFF2-40B4-BE49-F238E27FC236}">
+                <a16:creationId xmlns:a16="http://schemas.microsoft.com/office/drawing/2014/main" id="{462AF062-C383-DF4E-BB46-5DDDD38DFCB0}"/>
+              </a:ext>
+            </a:extLst>
+          </p:cNvPr>
+          <p:cNvPicPr>
+            <a:picLocks noChangeAspect="1"/>
+          </p:cNvPicPr>
+          <p:nvPr/>
+        </p:nvPicPr>
+        <p:blipFill>
+          <a:blip r:embed="rId3"/>
+          <a:stretch>
+            <a:fillRect/>
+          </a:stretch>
+        </p:blipFill>
+        <p:spPr>
+          <a:xfrm>
+            <a:off x="2097007" y="2678158"/>
+            <a:ext cx="9146852" cy="2360478"/>
+          </a:xfrm>
+          <a:prstGeom prst="rect">
+            <a:avLst/>
+          </a:prstGeom>
+        </p:spPr>
+      </p:pic>
+    </p:spTree>
+    <p:extLst>
+      <p:ext uri="{BB962C8B-B14F-4D97-AF65-F5344CB8AC3E}">
+        <p14:creationId xmlns:p14="http://schemas.microsoft.com/office/powerpoint/2010/main" val="2261637700"/>
+      </p:ext>
+    </p:extLst>
+  </p:cSld>
+  <p:clrMapOvr>
+    <a:masterClrMapping/>
+  </p:clrMapOvr>
+</p:sld>
+</file>
+
+<file path=ppt/slides/slide34.xml><?xml version="1.0" encoding="utf-8"?>
+<p:sld xmlns:a="http://schemas.openxmlformats.org/drawingml/2006/main" xmlns:r="http://schemas.openxmlformats.org/officeDocument/2006/relationships" xmlns:p="http://schemas.openxmlformats.org/presentationml/2006/main">
+  <p:cSld>
+    <p:spTree>
+      <p:nvGrpSpPr>
+        <p:cNvPr id="1" name=""/>
+        <p:cNvGrpSpPr/>
+        <p:nvPr/>
+      </p:nvGrpSpPr>
+      <p:grpSpPr>
+        <a:xfrm>
+          <a:off x="0" y="0"/>
+          <a:ext cx="0" cy="0"/>
+          <a:chOff x="0" y="0"/>
+          <a:chExt cx="0" cy="0"/>
+        </a:xfrm>
+      </p:grpSpPr>
+      <p:sp>
+        <p:nvSpPr>
+          <p:cNvPr id="2" name="Title 1">
+            <a:extLst>
+              <a:ext uri="{FF2B5EF4-FFF2-40B4-BE49-F238E27FC236}">
+                <a16:creationId xmlns:a16="http://schemas.microsoft.com/office/drawing/2014/main" id="{1671694D-6912-DB48-AAED-C8B5257DE9F4}"/>
+              </a:ext>
+            </a:extLst>
+          </p:cNvPr>
+          <p:cNvSpPr>
+            <a:spLocks noGrp="1"/>
+          </p:cNvSpPr>
+          <p:nvPr>
+            <p:ph type="title"/>
+          </p:nvPr>
+        </p:nvSpPr>
+        <p:spPr/>
+        <p:txBody>
+          <a:bodyPr/>
+          <a:lstStyle/>
+          <a:p>
+            <a:r>
+              <a:rPr lang="en-US" dirty="0"/>
+              <a:t>Personalized welcome message (JS)</a:t>
+            </a:r>
+          </a:p>
+        </p:txBody>
+      </p:sp>
+      <p:sp>
+        <p:nvSpPr>
+          <p:cNvPr id="3" name="Content Placeholder 2">
+            <a:extLst>
+              <a:ext uri="{FF2B5EF4-FFF2-40B4-BE49-F238E27FC236}">
+                <a16:creationId xmlns:a16="http://schemas.microsoft.com/office/drawing/2014/main" id="{2BFC4817-C644-8447-9CAF-58892DD97D9D}"/>
+              </a:ext>
+            </a:extLst>
+          </p:cNvPr>
+          <p:cNvSpPr>
+            <a:spLocks noGrp="1"/>
+          </p:cNvSpPr>
+          <p:nvPr>
+            <p:ph idx="1"/>
+          </p:nvPr>
+        </p:nvSpPr>
+        <p:spPr/>
+        <p:txBody>
+          <a:bodyPr/>
+          <a:lstStyle/>
+          <a:p>
+            <a:r>
+              <a:rPr lang="en-US" dirty="0"/>
+              <a:t>5. Put this onclick event handler (below) on the button. When clicked, </a:t>
+            </a:r>
+            <a:r>
+              <a:rPr lang="en-US" dirty="0" err="1"/>
+              <a:t>setUserName</a:t>
+            </a:r>
+            <a:r>
+              <a:rPr lang="en-US" dirty="0"/>
+              <a:t>() runs. This allows the user to enter a different name by pressing the button.</a:t>
+            </a:r>
+          </a:p>
+        </p:txBody>
+      </p:sp>
+      <p:pic>
+        <p:nvPicPr>
+          <p:cNvPr id="5" name="Picture 4">
+            <a:extLst>
+              <a:ext uri="{FF2B5EF4-FFF2-40B4-BE49-F238E27FC236}">
+                <a16:creationId xmlns:a16="http://schemas.microsoft.com/office/drawing/2014/main" id="{3B9D4B5A-1231-2642-86BD-B40663774692}"/>
+              </a:ext>
+            </a:extLst>
+          </p:cNvPr>
+          <p:cNvPicPr>
+            <a:picLocks noChangeAspect="1"/>
+          </p:cNvPicPr>
+          <p:nvPr/>
+        </p:nvPicPr>
+        <p:blipFill>
+          <a:blip r:embed="rId2"/>
+          <a:stretch>
+            <a:fillRect/>
+          </a:stretch>
+        </p:blipFill>
+        <p:spPr>
+          <a:xfrm>
+            <a:off x="2418711" y="2963189"/>
+            <a:ext cx="7354577" cy="1391834"/>
+          </a:xfrm>
+          <a:prstGeom prst="rect">
+            <a:avLst/>
+          </a:prstGeom>
+        </p:spPr>
+      </p:pic>
+    </p:spTree>
+    <p:extLst>
+      <p:ext uri="{BB962C8B-B14F-4D97-AF65-F5344CB8AC3E}">
+        <p14:creationId xmlns:p14="http://schemas.microsoft.com/office/powerpoint/2010/main" val="866361845"/>
+      </p:ext>
+    </p:extLst>
   </p:cSld>
   <p:clrMapOvr>
     <a:masterClrMapping/>
@@ -8629,7 +13846,7 @@
           <p:cNvPr id="2" name="Title 1">
             <a:extLst>
               <a:ext uri="{FF2B5EF4-FFF2-40B4-BE49-F238E27FC236}">
-                <a16:creationId xmlns:a16="http://schemas.microsoft.com/office/drawing/2014/main" id="{56D16883-344D-7F48-B616-CF193A7DFF10}"/>
+                <a16:creationId xmlns:a16="http://schemas.microsoft.com/office/drawing/2014/main" id="{512E03E7-3810-1A41-B8F2-DC8068E79E8A}"/>
               </a:ext>
             </a:extLst>
           </p:cNvPr>
@@ -8647,7 +13864,7 @@
           <a:p>
             <a:r>
               <a:rPr lang="en-US" dirty="0"/>
-              <a:t>HTML Exercise</a:t>
+              <a:t>&lt;a&gt;&lt;/a&gt;</a:t>
             </a:r>
           </a:p>
         </p:txBody>
@@ -8657,7 +13874,7 @@
           <p:cNvPr id="3" name="Content Placeholder 2">
             <a:extLst>
               <a:ext uri="{FF2B5EF4-FFF2-40B4-BE49-F238E27FC236}">
-                <a16:creationId xmlns:a16="http://schemas.microsoft.com/office/drawing/2014/main" id="{32C6BC21-0751-D647-A5DD-D55C83B44CCD}"/>
+                <a16:creationId xmlns:a16="http://schemas.microsoft.com/office/drawing/2014/main" id="{D9610CBA-FDFA-3F4C-9EF3-67D30258A0E7}"/>
               </a:ext>
             </a:extLst>
           </p:cNvPr>
@@ -8668,19 +13885,100 @@
             <p:ph idx="1"/>
           </p:nvPr>
         </p:nvSpPr>
-        <p:spPr/>
+        <p:spPr>
+          <a:xfrm>
+            <a:off x="1371599" y="1544595"/>
+            <a:ext cx="10546598" cy="4627605"/>
+          </a:xfrm>
+        </p:spPr>
         <p:txBody>
           <a:bodyPr/>
           <a:lstStyle/>
           <a:p>
-            <a:endParaRPr lang="en-US"/>
+            <a:r>
+              <a:rPr lang="en-US" dirty="0"/>
+              <a:t>The &lt;a&gt; tag defines a hyperlink, which is used to link from one page to another.</a:t>
+            </a:r>
+          </a:p>
+          <a:p>
+            <a:r>
+              <a:rPr lang="en-US" dirty="0"/>
+              <a:t>The most important attribute of the &lt;a&gt; element is the </a:t>
+            </a:r>
+            <a:r>
+              <a:rPr lang="en-US" b="1" dirty="0" err="1"/>
+              <a:t>href</a:t>
+            </a:r>
+            <a:r>
+              <a:rPr lang="en-US" dirty="0"/>
+              <a:t> attribute, which indicates the link's destination.</a:t>
+            </a:r>
+          </a:p>
+          <a:p>
+            <a:r>
+              <a:rPr lang="en-US" dirty="0"/>
+              <a:t>By default, links will appear as follows in all browsers:</a:t>
+            </a:r>
+          </a:p>
+          <a:p>
+            <a:pPr lvl="1"/>
+            <a:r>
+              <a:rPr lang="en-US" dirty="0"/>
+              <a:t>An unvisited link is underlined and blue</a:t>
+            </a:r>
+          </a:p>
+          <a:p>
+            <a:pPr lvl="1"/>
+            <a:r>
+              <a:rPr lang="en-US" dirty="0"/>
+              <a:t>A visited link is underlined and purple</a:t>
+            </a:r>
+          </a:p>
+          <a:p>
+            <a:pPr lvl="1"/>
+            <a:r>
+              <a:rPr lang="en-US" dirty="0"/>
+              <a:t>An active link is underlined and red</a:t>
+            </a:r>
+          </a:p>
+          <a:p>
+            <a:endParaRPr lang="en-US" dirty="0"/>
           </a:p>
         </p:txBody>
       </p:sp>
+      <p:pic>
+        <p:nvPicPr>
+          <p:cNvPr id="5" name="Picture 4">
+            <a:extLst>
+              <a:ext uri="{FF2B5EF4-FFF2-40B4-BE49-F238E27FC236}">
+                <a16:creationId xmlns:a16="http://schemas.microsoft.com/office/drawing/2014/main" id="{617232D9-6EFF-494A-AE2E-2F6453E5DE34}"/>
+              </a:ext>
+            </a:extLst>
+          </p:cNvPr>
+          <p:cNvPicPr>
+            <a:picLocks noChangeAspect="1"/>
+          </p:cNvPicPr>
+          <p:nvPr/>
+        </p:nvPicPr>
+        <p:blipFill rotWithShape="1">
+          <a:blip r:embed="rId3"/>
+          <a:srcRect b="33579"/>
+          <a:stretch/>
+        </p:blipFill>
+        <p:spPr>
+          <a:xfrm>
+            <a:off x="1569478" y="4718803"/>
+            <a:ext cx="9588500" cy="1889566"/>
+          </a:xfrm>
+          <a:prstGeom prst="rect">
+            <a:avLst/>
+          </a:prstGeom>
+        </p:spPr>
+      </p:pic>
     </p:spTree>
     <p:extLst>
       <p:ext uri="{BB962C8B-B14F-4D97-AF65-F5344CB8AC3E}">
-        <p14:creationId xmlns:p14="http://schemas.microsoft.com/office/powerpoint/2010/main" val="4124404553"/>
+        <p14:creationId xmlns:p14="http://schemas.microsoft.com/office/powerpoint/2010/main" val="2160786375"/>
       </p:ext>
     </p:extLst>
   </p:cSld>

--- a/ppt/WY added.pptx
+++ b/ppt/WY added.pptx
@@ -470,7 +470,7 @@
           <a:p>
             <a:fld id="{B5D7434C-48CE-114A-AD66-A0A76C8863DC}" type="datetimeFigureOut">
               <a:rPr lang="en-US" smtClean="0"/>
-              <a:t>12/28/21</a:t>
+              <a:t>1/2/22</a:t>
             </a:fld>
             <a:endParaRPr lang="en-US"/>
           </a:p>
@@ -1680,7 +1680,7 @@
             <a:fld id="{87DE6118-2437-4B30-8E3C-4D2BE6020583}" type="datetimeFigureOut">
               <a:rPr lang="en-US" dirty="0"/>
               <a:pPr/>
-              <a:t>12/28/21</a:t>
+              <a:t>1/2/22</a:t>
             </a:fld>
             <a:endParaRPr lang="en-US" dirty="0"/>
           </a:p>
@@ -2006,7 +2006,7 @@
           <a:p>
             <a:fld id="{87DE6118-2437-4B30-8E3C-4D2BE6020583}" type="datetimeFigureOut">
               <a:rPr lang="en-US" dirty="0"/>
-              <a:t>12/28/21</a:t>
+              <a:t>1/2/22</a:t>
             </a:fld>
             <a:endParaRPr lang="en-US" dirty="0"/>
           </a:p>
@@ -2181,7 +2181,7 @@
           <a:p>
             <a:fld id="{87DE6118-2437-4B30-8E3C-4D2BE6020583}" type="datetimeFigureOut">
               <a:rPr lang="en-US" dirty="0"/>
-              <a:t>12/28/21</a:t>
+              <a:t>1/2/22</a:t>
             </a:fld>
             <a:endParaRPr lang="en-US" dirty="0"/>
           </a:p>
@@ -2392,7 +2392,7 @@
           <a:p>
             <a:fld id="{87DE6118-2437-4B30-8E3C-4D2BE6020583}" type="datetimeFigureOut">
               <a:rPr lang="en-US" dirty="0"/>
-              <a:t>12/28/21</a:t>
+              <a:t>1/2/22</a:t>
             </a:fld>
             <a:endParaRPr lang="en-US" dirty="0"/>
           </a:p>
@@ -2675,7 +2675,7 @@
             <a:fld id="{87DE6118-2437-4B30-8E3C-4D2BE6020583}" type="datetimeFigureOut">
               <a:rPr lang="en-US" dirty="0"/>
               <a:pPr/>
-              <a:t>12/28/21</a:t>
+              <a:t>1/2/22</a:t>
             </a:fld>
             <a:endParaRPr lang="en-US" dirty="0"/>
           </a:p>
@@ -3065,7 +3065,7 @@
           <a:p>
             <a:fld id="{87DE6118-2437-4B30-8E3C-4D2BE6020583}" type="datetimeFigureOut">
               <a:rPr lang="en-US" dirty="0"/>
-              <a:t>12/28/21</a:t>
+              <a:t>1/2/22</a:t>
             </a:fld>
             <a:endParaRPr lang="en-US" dirty="0"/>
           </a:p>
@@ -3537,7 +3537,7 @@
           <a:p>
             <a:fld id="{87DE6118-2437-4B30-8E3C-4D2BE6020583}" type="datetimeFigureOut">
               <a:rPr lang="en-US" dirty="0"/>
-              <a:t>12/28/21</a:t>
+              <a:t>1/2/22</a:t>
             </a:fld>
             <a:endParaRPr lang="en-US" dirty="0"/>
           </a:p>
@@ -3650,7 +3650,7 @@
           <a:p>
             <a:fld id="{87DE6118-2437-4B30-8E3C-4D2BE6020583}" type="datetimeFigureOut">
               <a:rPr lang="en-US" dirty="0"/>
-              <a:t>12/28/21</a:t>
+              <a:t>1/2/22</a:t>
             </a:fld>
             <a:endParaRPr lang="en-US" dirty="0"/>
           </a:p>
@@ -3740,7 +3740,7 @@
           <a:p>
             <a:fld id="{87DE6118-2437-4B30-8E3C-4D2BE6020583}" type="datetimeFigureOut">
               <a:rPr lang="en-US" dirty="0"/>
-              <a:t>12/28/21</a:t>
+              <a:t>1/2/22</a:t>
             </a:fld>
             <a:endParaRPr lang="en-US" dirty="0"/>
           </a:p>
@@ -4082,7 +4082,7 @@
             <a:fld id="{87DE6118-2437-4B30-8E3C-4D2BE6020583}" type="datetimeFigureOut">
               <a:rPr lang="en-US" dirty="0"/>
               <a:pPr/>
-              <a:t>12/28/21</a:t>
+              <a:t>1/2/22</a:t>
             </a:fld>
             <a:endParaRPr lang="en-US" dirty="0"/>
           </a:p>
@@ -4467,7 +4467,7 @@
             <a:fld id="{87DE6118-2437-4B30-8E3C-4D2BE6020583}" type="datetimeFigureOut">
               <a:rPr lang="en-US" dirty="0"/>
               <a:pPr/>
-              <a:t>12/28/21</a:t>
+              <a:t>1/2/22</a:t>
             </a:fld>
             <a:endParaRPr lang="en-US" dirty="0"/>
           </a:p>
@@ -4742,7 +4742,7 @@
             <a:fld id="{87DE6118-2437-4B30-8E3C-4D2BE6020583}" type="datetimeFigureOut">
               <a:rPr lang="en-US" dirty="0"/>
               <a:pPr/>
-              <a:t>12/28/21</a:t>
+              <a:t>1/2/22</a:t>
             </a:fld>
             <a:endParaRPr lang="en-US" dirty="0"/>
           </a:p>
@@ -5833,8 +5833,8 @@
           </a:p>
         </p:txBody>
       </p:sp>
-      <mc:AlternateContent xmlns:mc="http://schemas.openxmlformats.org/markup-compatibility/2006">
-        <mc:Choice xmlns:p14="http://schemas.microsoft.com/office/powerpoint/2010/main" Requires="p14">
+      <mc:AlternateContent xmlns:mc="http://schemas.openxmlformats.org/markup-compatibility/2006" xmlns:p14="http://schemas.microsoft.com/office/powerpoint/2010/main">
+        <mc:Choice Requires="p14">
           <p:contentPart p14:bwMode="auto" r:id="rId3">
             <p14:nvContentPartPr>
               <p14:cNvPr id="10" name="Ink 9">
@@ -5853,7 +5853,7 @@
             </p14:xfrm>
           </p:contentPart>
         </mc:Choice>
-        <mc:Fallback>
+        <mc:Fallback xmlns="">
           <p:pic>
             <p:nvPicPr>
               <p:cNvPr id="10" name="Ink 9">
@@ -5884,8 +5884,8 @@
           </p:pic>
         </mc:Fallback>
       </mc:AlternateContent>
-      <mc:AlternateContent xmlns:mc="http://schemas.openxmlformats.org/markup-compatibility/2006">
-        <mc:Choice xmlns:p14="http://schemas.microsoft.com/office/powerpoint/2010/main" Requires="p14">
+      <mc:AlternateContent xmlns:mc="http://schemas.openxmlformats.org/markup-compatibility/2006" xmlns:p14="http://schemas.microsoft.com/office/powerpoint/2010/main">
+        <mc:Choice Requires="p14">
           <p:contentPart p14:bwMode="auto" r:id="rId5">
             <p14:nvContentPartPr>
               <p14:cNvPr id="11" name="Ink 10">
@@ -5904,7 +5904,7 @@
             </p14:xfrm>
           </p:contentPart>
         </mc:Choice>
-        <mc:Fallback>
+        <mc:Fallback xmlns="">
           <p:pic>
             <p:nvPicPr>
               <p:cNvPr id="11" name="Ink 10">
@@ -6263,8 +6263,8 @@
           </a:prstGeom>
         </p:spPr>
       </p:pic>
-      <mc:AlternateContent xmlns:mc="http://schemas.openxmlformats.org/markup-compatibility/2006">
-        <mc:Choice xmlns:p14="http://schemas.microsoft.com/office/powerpoint/2010/main" Requires="p14">
+      <mc:AlternateContent xmlns:mc="http://schemas.openxmlformats.org/markup-compatibility/2006" xmlns:p14="http://schemas.microsoft.com/office/powerpoint/2010/main">
+        <mc:Choice Requires="p14">
           <p:contentPart p14:bwMode="auto" r:id="rId3">
             <p14:nvContentPartPr>
               <p14:cNvPr id="6" name="Ink 5">
@@ -6283,7 +6283,7 @@
             </p14:xfrm>
           </p:contentPart>
         </mc:Choice>
-        <mc:Fallback>
+        <mc:Fallback xmlns="">
           <p:pic>
             <p:nvPicPr>
               <p:cNvPr id="6" name="Ink 5">
@@ -6314,8 +6314,8 @@
           </p:pic>
         </mc:Fallback>
       </mc:AlternateContent>
-      <mc:AlternateContent xmlns:mc="http://schemas.openxmlformats.org/markup-compatibility/2006">
-        <mc:Choice xmlns:p14="http://schemas.microsoft.com/office/powerpoint/2010/main" Requires="p14">
+      <mc:AlternateContent xmlns:mc="http://schemas.openxmlformats.org/markup-compatibility/2006" xmlns:p14="http://schemas.microsoft.com/office/powerpoint/2010/main">
+        <mc:Choice Requires="p14">
           <p:contentPart p14:bwMode="auto" r:id="rId5">
             <p14:nvContentPartPr>
               <p14:cNvPr id="7" name="Ink 6">
@@ -6334,7 +6334,7 @@
             </p14:xfrm>
           </p:contentPart>
         </mc:Choice>
-        <mc:Fallback>
+        <mc:Fallback xmlns="">
           <p:pic>
             <p:nvPicPr>
               <p:cNvPr id="7" name="Ink 6">
@@ -7136,8 +7136,8 @@
           </a:prstGeom>
         </p:spPr>
       </p:pic>
-      <mc:AlternateContent xmlns:mc="http://schemas.openxmlformats.org/markup-compatibility/2006">
-        <mc:Choice xmlns:p14="http://schemas.microsoft.com/office/powerpoint/2010/main" Requires="p14">
+      <mc:AlternateContent xmlns:mc="http://schemas.openxmlformats.org/markup-compatibility/2006" xmlns:p14="http://schemas.microsoft.com/office/powerpoint/2010/main">
+        <mc:Choice Requires="p14">
           <p:contentPart p14:bwMode="auto" r:id="rId3">
             <p14:nvContentPartPr>
               <p14:cNvPr id="6" name="Ink 5">
@@ -7156,7 +7156,7 @@
             </p14:xfrm>
           </p:contentPart>
         </mc:Choice>
-        <mc:Fallback>
+        <mc:Fallback xmlns="">
           <p:pic>
             <p:nvPicPr>
               <p:cNvPr id="6" name="Ink 5">
@@ -7187,8 +7187,8 @@
           </p:pic>
         </mc:Fallback>
       </mc:AlternateContent>
-      <mc:AlternateContent xmlns:mc="http://schemas.openxmlformats.org/markup-compatibility/2006">
-        <mc:Choice xmlns:p14="http://schemas.microsoft.com/office/powerpoint/2010/main" Requires="p14">
+      <mc:AlternateContent xmlns:mc="http://schemas.openxmlformats.org/markup-compatibility/2006" xmlns:p14="http://schemas.microsoft.com/office/powerpoint/2010/main">
+        <mc:Choice Requires="p14">
           <p:contentPart p14:bwMode="auto" r:id="rId5">
             <p14:nvContentPartPr>
               <p14:cNvPr id="7" name="Ink 6">
@@ -7207,7 +7207,7 @@
             </p14:xfrm>
           </p:contentPart>
         </mc:Choice>
-        <mc:Fallback>
+        <mc:Fallback xmlns="">
           <p:pic>
             <p:nvPicPr>
               <p:cNvPr id="7" name="Ink 6">
@@ -7377,8 +7377,8 @@
           </a:prstGeom>
         </p:spPr>
       </p:pic>
-      <mc:AlternateContent xmlns:mc="http://schemas.openxmlformats.org/markup-compatibility/2006">
-        <mc:Choice xmlns:p14="http://schemas.microsoft.com/office/powerpoint/2010/main" Requires="p14">
+      <mc:AlternateContent xmlns:mc="http://schemas.openxmlformats.org/markup-compatibility/2006" xmlns:p14="http://schemas.microsoft.com/office/powerpoint/2010/main">
+        <mc:Choice Requires="p14">
           <p:contentPart p14:bwMode="auto" r:id="rId3">
             <p14:nvContentPartPr>
               <p14:cNvPr id="6" name="Ink 5">
@@ -7397,7 +7397,7 @@
             </p14:xfrm>
           </p:contentPart>
         </mc:Choice>
-        <mc:Fallback>
+        <mc:Fallback xmlns="">
           <p:pic>
             <p:nvPicPr>
               <p:cNvPr id="6" name="Ink 5">
@@ -7428,8 +7428,8 @@
           </p:pic>
         </mc:Fallback>
       </mc:AlternateContent>
-      <mc:AlternateContent xmlns:mc="http://schemas.openxmlformats.org/markup-compatibility/2006">
-        <mc:Choice xmlns:p14="http://schemas.microsoft.com/office/powerpoint/2010/main" Requires="p14">
+      <mc:AlternateContent xmlns:mc="http://schemas.openxmlformats.org/markup-compatibility/2006" xmlns:p14="http://schemas.microsoft.com/office/powerpoint/2010/main">
+        <mc:Choice Requires="p14">
           <p:contentPart p14:bwMode="auto" r:id="rId5">
             <p14:nvContentPartPr>
               <p14:cNvPr id="7" name="Ink 6">
@@ -7448,7 +7448,7 @@
             </p14:xfrm>
           </p:contentPart>
         </mc:Choice>
-        <mc:Fallback>
+        <mc:Fallback xmlns="">
           <p:pic>
             <p:nvPicPr>
               <p:cNvPr id="7" name="Ink 6">
@@ -9119,16 +9119,15 @@
             <p:ph idx="1"/>
           </p:nvPr>
         </p:nvPicPr>
-        <p:blipFill>
+        <p:blipFill rotWithShape="1">
           <a:blip r:embed="rId3"/>
-          <a:stretch>
-            <a:fillRect/>
-          </a:stretch>
+          <a:srcRect b="43857"/>
+          <a:stretch/>
         </p:blipFill>
         <p:spPr>
           <a:xfrm>
             <a:off x="5398818" y="1535125"/>
-            <a:ext cx="6529470" cy="5050346"/>
+            <a:ext cx="6529470" cy="2835397"/>
           </a:xfrm>
         </p:spPr>
       </p:pic>
@@ -9147,7 +9146,7 @@
         <p:spPr>
           <a:xfrm>
             <a:off x="1371599" y="2262753"/>
-            <a:ext cx="4114801" cy="3416320"/>
+            <a:ext cx="4114801" cy="2677656"/>
           </a:xfrm>
           <a:prstGeom prst="rect">
             <a:avLst/>
@@ -9241,38 +9240,6 @@
               <a:buFont typeface="Arial" panose="020B0604020202020204" pitchFamily="34" charset="0"/>
               <a:buChar char="•"/>
             </a:pPr>
-            <a:r>
-              <a:rPr lang="en-US" sz="2400" dirty="0">
-                <a:solidFill>
-                  <a:srgbClr val="C00000"/>
-                </a:solidFill>
-                <a:latin typeface="Calibri" panose="020F0502020204030204" pitchFamily="34" charset="0"/>
-                <a:cs typeface="Calibri" panose="020F0502020204030204" pitchFamily="34" charset="0"/>
-              </a:rPr>
-              <a:t>&lt;select&gt;</a:t>
-            </a:r>
-          </a:p>
-          <a:p>
-            <a:pPr marL="285750" indent="-285750">
-              <a:buFont typeface="Arial" panose="020B0604020202020204" pitchFamily="34" charset="0"/>
-              <a:buChar char="•"/>
-            </a:pPr>
-            <a:r>
-              <a:rPr lang="en-US" sz="2400" dirty="0">
-                <a:solidFill>
-                  <a:srgbClr val="C00000"/>
-                </a:solidFill>
-                <a:latin typeface="Calibri" panose="020F0502020204030204" pitchFamily="34" charset="0"/>
-                <a:cs typeface="Calibri" panose="020F0502020204030204" pitchFamily="34" charset="0"/>
-              </a:rPr>
-              <a:t>&lt;option&gt;</a:t>
-            </a:r>
-          </a:p>
-          <a:p>
-            <a:pPr marL="285750" indent="-285750">
-              <a:buFont typeface="Arial" panose="020B0604020202020204" pitchFamily="34" charset="0"/>
-              <a:buChar char="•"/>
-            </a:pPr>
             <a:endParaRPr lang="en-US" sz="2400" dirty="0">
               <a:latin typeface="Calibri" panose="020F0502020204030204" pitchFamily="34" charset="0"/>
               <a:cs typeface="Calibri" panose="020F0502020204030204" pitchFamily="34" charset="0"/>
@@ -9280,6 +9247,35 @@
           </a:p>
         </p:txBody>
       </p:sp>
+      <p:pic>
+        <p:nvPicPr>
+          <p:cNvPr id="7" name="Content Placeholder 4" descr="Graphical user interface, application&#10;&#10;Description automatically generated">
+            <a:extLst>
+              <a:ext uri="{FF2B5EF4-FFF2-40B4-BE49-F238E27FC236}">
+                <a16:creationId xmlns:a16="http://schemas.microsoft.com/office/drawing/2014/main" id="{C90674DC-458C-1F4C-AE53-6DAD2EA6E0EB}"/>
+              </a:ext>
+            </a:extLst>
+          </p:cNvPr>
+          <p:cNvPicPr>
+            <a:picLocks noChangeAspect="1"/>
+          </p:cNvPicPr>
+          <p:nvPr/>
+        </p:nvPicPr>
+        <p:blipFill rotWithShape="1">
+          <a:blip r:embed="rId3"/>
+          <a:srcRect t="75240"/>
+          <a:stretch/>
+        </p:blipFill>
+        <p:spPr>
+          <a:xfrm>
+            <a:off x="5398818" y="4370522"/>
+            <a:ext cx="6529470" cy="1250476"/>
+          </a:xfrm>
+          <a:prstGeom prst="rect">
+            <a:avLst/>
+          </a:prstGeom>
+        </p:spPr>
+      </p:pic>
     </p:spTree>
     <p:extLst>
       <p:ext uri="{BB962C8B-B14F-4D97-AF65-F5344CB8AC3E}">
